--- a/AI_04_Neural Networks.pptx
+++ b/AI_04_Neural Networks.pptx
@@ -5,11 +5,11 @@
     <p:sldMasterId id="2147483648" r:id="rId1"/>
   </p:sldMasterIdLst>
   <p:sldIdLst>
-    <p:sldId id="304" r:id="rId2"/>
-    <p:sldId id="285" r:id="rId3"/>
-    <p:sldId id="281" r:id="rId4"/>
-    <p:sldId id="273" r:id="rId5"/>
-    <p:sldId id="310" r:id="rId6"/>
+    <p:sldId id="310" r:id="rId2"/>
+    <p:sldId id="304" r:id="rId3"/>
+    <p:sldId id="285" r:id="rId4"/>
+    <p:sldId id="281" r:id="rId5"/>
+    <p:sldId id="273" r:id="rId6"/>
     <p:sldId id="282" r:id="rId7"/>
     <p:sldId id="321" r:id="rId8"/>
     <p:sldId id="283" r:id="rId9"/>
@@ -115,6 +115,11 @@
       </a:defRPr>
     </a:lvl9pPr>
   </p:defaultTextStyle>
+  <p:extLst>
+    <p:ext uri="{EFAFB233-063F-42B5-8137-9DF3F51BA10A}">
+      <p15:sldGuideLst xmlns:p15="http://schemas.microsoft.com/office/powerpoint/2012/main"/>
+    </p:ext>
+  </p:extLst>
 </p:presentation>
 </file>
 
@@ -265,7 +270,7 @@
           <a:p>
             <a:fld id="{540D3AE8-6E24-4761-B759-FAC073BBF59C}" type="datetimeFigureOut">
               <a:rPr lang="ko-KR" altLang="en-US" smtClean="0"/>
-              <a:t>2023-07-15</a:t>
+              <a:t>2023-07-16</a:t>
             </a:fld>
             <a:endParaRPr lang="ko-KR" altLang="en-US"/>
           </a:p>
@@ -463,7 +468,7 @@
           <a:p>
             <a:fld id="{540D3AE8-6E24-4761-B759-FAC073BBF59C}" type="datetimeFigureOut">
               <a:rPr lang="ko-KR" altLang="en-US" smtClean="0"/>
-              <a:t>2023-07-15</a:t>
+              <a:t>2023-07-16</a:t>
             </a:fld>
             <a:endParaRPr lang="ko-KR" altLang="en-US"/>
           </a:p>
@@ -671,7 +676,7 @@
           <a:p>
             <a:fld id="{540D3AE8-6E24-4761-B759-FAC073BBF59C}" type="datetimeFigureOut">
               <a:rPr lang="ko-KR" altLang="en-US" smtClean="0"/>
-              <a:t>2023-07-15</a:t>
+              <a:t>2023-07-16</a:t>
             </a:fld>
             <a:endParaRPr lang="ko-KR" altLang="en-US"/>
           </a:p>
@@ -869,7 +874,7 @@
           <a:p>
             <a:fld id="{540D3AE8-6E24-4761-B759-FAC073BBF59C}" type="datetimeFigureOut">
               <a:rPr lang="ko-KR" altLang="en-US" smtClean="0"/>
-              <a:t>2023-07-15</a:t>
+              <a:t>2023-07-16</a:t>
             </a:fld>
             <a:endParaRPr lang="ko-KR" altLang="en-US"/>
           </a:p>
@@ -1144,7 +1149,7 @@
           <a:p>
             <a:fld id="{540D3AE8-6E24-4761-B759-FAC073BBF59C}" type="datetimeFigureOut">
               <a:rPr lang="ko-KR" altLang="en-US" smtClean="0"/>
-              <a:t>2023-07-15</a:t>
+              <a:t>2023-07-16</a:t>
             </a:fld>
             <a:endParaRPr lang="ko-KR" altLang="en-US"/>
           </a:p>
@@ -1409,7 +1414,7 @@
           <a:p>
             <a:fld id="{540D3AE8-6E24-4761-B759-FAC073BBF59C}" type="datetimeFigureOut">
               <a:rPr lang="ko-KR" altLang="en-US" smtClean="0"/>
-              <a:t>2023-07-15</a:t>
+              <a:t>2023-07-16</a:t>
             </a:fld>
             <a:endParaRPr lang="ko-KR" altLang="en-US"/>
           </a:p>
@@ -1821,7 +1826,7 @@
           <a:p>
             <a:fld id="{540D3AE8-6E24-4761-B759-FAC073BBF59C}" type="datetimeFigureOut">
               <a:rPr lang="ko-KR" altLang="en-US" smtClean="0"/>
-              <a:t>2023-07-15</a:t>
+              <a:t>2023-07-16</a:t>
             </a:fld>
             <a:endParaRPr lang="ko-KR" altLang="en-US"/>
           </a:p>
@@ -1962,7 +1967,7 @@
           <a:p>
             <a:fld id="{540D3AE8-6E24-4761-B759-FAC073BBF59C}" type="datetimeFigureOut">
               <a:rPr lang="ko-KR" altLang="en-US" smtClean="0"/>
-              <a:t>2023-07-15</a:t>
+              <a:t>2023-07-16</a:t>
             </a:fld>
             <a:endParaRPr lang="ko-KR" altLang="en-US"/>
           </a:p>
@@ -2075,7 +2080,7 @@
           <a:p>
             <a:fld id="{540D3AE8-6E24-4761-B759-FAC073BBF59C}" type="datetimeFigureOut">
               <a:rPr lang="ko-KR" altLang="en-US" smtClean="0"/>
-              <a:t>2023-07-15</a:t>
+              <a:t>2023-07-16</a:t>
             </a:fld>
             <a:endParaRPr lang="ko-KR" altLang="en-US"/>
           </a:p>
@@ -2386,7 +2391,7 @@
           <a:p>
             <a:fld id="{540D3AE8-6E24-4761-B759-FAC073BBF59C}" type="datetimeFigureOut">
               <a:rPr lang="ko-KR" altLang="en-US" smtClean="0"/>
-              <a:t>2023-07-15</a:t>
+              <a:t>2023-07-16</a:t>
             </a:fld>
             <a:endParaRPr lang="ko-KR" altLang="en-US"/>
           </a:p>
@@ -2674,7 +2679,7 @@
           <a:p>
             <a:fld id="{540D3AE8-6E24-4761-B759-FAC073BBF59C}" type="datetimeFigureOut">
               <a:rPr lang="ko-KR" altLang="en-US" smtClean="0"/>
-              <a:t>2023-07-15</a:t>
+              <a:t>2023-07-16</a:t>
             </a:fld>
             <a:endParaRPr lang="ko-KR" altLang="en-US"/>
           </a:p>
@@ -2915,7 +2920,7 @@
           <a:p>
             <a:fld id="{540D3AE8-6E24-4761-B759-FAC073BBF59C}" type="datetimeFigureOut">
               <a:rPr lang="ko-KR" altLang="en-US" smtClean="0"/>
-              <a:t>2023-07-15</a:t>
+              <a:t>2023-07-16</a:t>
             </a:fld>
             <a:endParaRPr lang="ko-KR" altLang="en-US"/>
           </a:p>
@@ -3332,41 +3337,12 @@
           <a:chExt cx="0" cy="0"/>
         </a:xfrm>
       </p:grpSpPr>
-      <p:sp>
-        <p:nvSpPr>
-          <p:cNvPr id="2" name="제목 1">
-            <a:extLst>
-              <a:ext uri="{FF2B5EF4-FFF2-40B4-BE49-F238E27FC236}">
-                <a16:creationId xmlns:a16="http://schemas.microsoft.com/office/drawing/2014/main" id="{3C48A389-2EE2-4F7D-9280-10CE630C00D5}"/>
-              </a:ext>
-            </a:extLst>
-          </p:cNvPr>
-          <p:cNvSpPr>
-            <a:spLocks noGrp="1"/>
-          </p:cNvSpPr>
-          <p:nvPr>
-            <p:ph type="title"/>
-          </p:nvPr>
-        </p:nvSpPr>
-        <p:spPr/>
-        <p:txBody>
-          <a:bodyPr/>
-          <a:lstStyle/>
-          <a:p>
-            <a:r>
-              <a:rPr lang="en-US" altLang="ko-KR" dirty="0"/>
-              <a:t>Neural networks</a:t>
-            </a:r>
-            <a:endParaRPr lang="ko-KR" altLang="en-US" dirty="0"/>
-          </a:p>
-        </p:txBody>
-      </p:sp>
       <p:pic>
         <p:nvPicPr>
-          <p:cNvPr id="4098" name="Picture 2" descr="artificial neuron structure">
-            <a:extLst>
-              <a:ext uri="{FF2B5EF4-FFF2-40B4-BE49-F238E27FC236}">
-                <a16:creationId xmlns:a16="http://schemas.microsoft.com/office/drawing/2014/main" id="{0628F27A-F84D-46B1-BE4D-3BFB40E03042}"/>
+          <p:cNvPr id="5122" name="Picture 2" descr="Figure thumbnail gr5">
+            <a:extLst>
+              <a:ext uri="{FF2B5EF4-FFF2-40B4-BE49-F238E27FC236}">
+                <a16:creationId xmlns:a16="http://schemas.microsoft.com/office/drawing/2014/main" id="{BA88D438-0E3C-4559-AD89-A7CCE6AE1FC4}"/>
               </a:ext>
             </a:extLst>
           </p:cNvPr>
@@ -3392,8 +3368,8 @@
         </p:blipFill>
         <p:spPr bwMode="auto">
           <a:xfrm>
-            <a:off x="1737590" y="1981561"/>
-            <a:ext cx="8553796" cy="4067969"/>
+            <a:off x="2659312" y="413957"/>
+            <a:ext cx="6599136" cy="5763006"/>
           </a:xfrm>
           <a:prstGeom prst="rect">
             <a:avLst/>
@@ -3413,7 +3389,7 @@
     </p:spTree>
     <p:extLst>
       <p:ext uri="{BB962C8B-B14F-4D97-AF65-F5344CB8AC3E}">
-        <p14:creationId xmlns:p14="http://schemas.microsoft.com/office/powerpoint/2010/main" val="1479458710"/>
+        <p14:creationId xmlns:p14="http://schemas.microsoft.com/office/powerpoint/2010/main" val="2532248894"/>
       </p:ext>
     </p:extLst>
   </p:cSld>
@@ -3782,6 +3758,114 @@
           <p:cNvPr id="2" name="제목 1">
             <a:extLst>
               <a:ext uri="{FF2B5EF4-FFF2-40B4-BE49-F238E27FC236}">
+                <a16:creationId xmlns:a16="http://schemas.microsoft.com/office/drawing/2014/main" id="{3C48A389-2EE2-4F7D-9280-10CE630C00D5}"/>
+              </a:ext>
+            </a:extLst>
+          </p:cNvPr>
+          <p:cNvSpPr>
+            <a:spLocks noGrp="1"/>
+          </p:cNvSpPr>
+          <p:nvPr>
+            <p:ph type="title"/>
+          </p:nvPr>
+        </p:nvSpPr>
+        <p:spPr/>
+        <p:txBody>
+          <a:bodyPr/>
+          <a:lstStyle/>
+          <a:p>
+            <a:r>
+              <a:rPr lang="en-US" altLang="ko-KR" dirty="0"/>
+              <a:t>Neural networks</a:t>
+            </a:r>
+            <a:endParaRPr lang="ko-KR" altLang="en-US" dirty="0"/>
+          </a:p>
+        </p:txBody>
+      </p:sp>
+      <p:pic>
+        <p:nvPicPr>
+          <p:cNvPr id="4098" name="Picture 2" descr="artificial neuron structure">
+            <a:extLst>
+              <a:ext uri="{FF2B5EF4-FFF2-40B4-BE49-F238E27FC236}">
+                <a16:creationId xmlns:a16="http://schemas.microsoft.com/office/drawing/2014/main" id="{0628F27A-F84D-46B1-BE4D-3BFB40E03042}"/>
+              </a:ext>
+            </a:extLst>
+          </p:cNvPr>
+          <p:cNvPicPr>
+            <a:picLocks noGrp="1" noChangeAspect="1" noChangeArrowheads="1"/>
+          </p:cNvPicPr>
+          <p:nvPr>
+            <p:ph idx="1"/>
+          </p:nvPr>
+        </p:nvPicPr>
+        <p:blipFill>
+          <a:blip r:embed="rId2">
+            <a:extLst>
+              <a:ext uri="{28A0092B-C50C-407E-A947-70E740481C1C}">
+                <a14:useLocalDpi xmlns:a14="http://schemas.microsoft.com/office/drawing/2010/main" val="0"/>
+              </a:ext>
+            </a:extLst>
+          </a:blip>
+          <a:srcRect/>
+          <a:stretch>
+            <a:fillRect/>
+          </a:stretch>
+        </p:blipFill>
+        <p:spPr bwMode="auto">
+          <a:xfrm>
+            <a:off x="1737590" y="1981561"/>
+            <a:ext cx="8553796" cy="4067969"/>
+          </a:xfrm>
+          <a:prstGeom prst="rect">
+            <a:avLst/>
+          </a:prstGeom>
+          <a:noFill/>
+          <a:extLst>
+            <a:ext uri="{909E8E84-426E-40DD-AFC4-6F175D3DCCD1}">
+              <a14:hiddenFill xmlns:a14="http://schemas.microsoft.com/office/drawing/2010/main">
+                <a:solidFill>
+                  <a:srgbClr val="FFFFFF"/>
+                </a:solidFill>
+              </a14:hiddenFill>
+            </a:ext>
+          </a:extLst>
+        </p:spPr>
+      </p:pic>
+    </p:spTree>
+    <p:extLst>
+      <p:ext uri="{BB962C8B-B14F-4D97-AF65-F5344CB8AC3E}">
+        <p14:creationId xmlns:p14="http://schemas.microsoft.com/office/powerpoint/2010/main" val="1479458710"/>
+      </p:ext>
+    </p:extLst>
+  </p:cSld>
+  <p:clrMapOvr>
+    <a:masterClrMapping/>
+  </p:clrMapOvr>
+</p:sld>
+</file>
+
+<file path=ppt/slides/slide3.xml><?xml version="1.0" encoding="utf-8"?>
+<p:sld xmlns:a="http://schemas.openxmlformats.org/drawingml/2006/main" xmlns:r="http://schemas.openxmlformats.org/officeDocument/2006/relationships" xmlns:p="http://schemas.openxmlformats.org/presentationml/2006/main">
+  <p:cSld>
+    <p:spTree>
+      <p:nvGrpSpPr>
+        <p:cNvPr id="1" name=""/>
+        <p:cNvGrpSpPr/>
+        <p:nvPr/>
+      </p:nvGrpSpPr>
+      <p:grpSpPr>
+        <a:xfrm>
+          <a:off x="0" y="0"/>
+          <a:ext cx="0" cy="0"/>
+          <a:chOff x="0" y="0"/>
+          <a:chExt cx="0" cy="0"/>
+        </a:xfrm>
+      </p:grpSpPr>
+      <p:sp>
+        <p:nvSpPr>
+          <p:cNvPr id="2" name="제목 1">
+            <a:extLst>
+              <a:ext uri="{FF2B5EF4-FFF2-40B4-BE49-F238E27FC236}">
                 <a16:creationId xmlns:a16="http://schemas.microsoft.com/office/drawing/2014/main" id="{3557E3DB-F337-4280-BB4C-A1E1B549C69B}"/>
               </a:ext>
             </a:extLst>
@@ -3856,7 +3940,7 @@
 </p:sld>
 </file>
 
-<file path=ppt/slides/slide3.xml><?xml version="1.0" encoding="utf-8"?>
+<file path=ppt/slides/slide4.xml><?xml version="1.0" encoding="utf-8"?>
 <p:sld xmlns:a="http://schemas.openxmlformats.org/drawingml/2006/main" xmlns:r="http://schemas.openxmlformats.org/officeDocument/2006/relationships" xmlns:p="http://schemas.openxmlformats.org/presentationml/2006/main">
   <p:cSld>
     <p:spTree>
@@ -3968,7 +4052,7 @@
 </p:sld>
 </file>
 
-<file path=ppt/slides/slide4.xml><?xml version="1.0" encoding="utf-8"?>
+<file path=ppt/slides/slide5.xml><?xml version="1.0" encoding="utf-8"?>
 <p:sld xmlns:a="http://schemas.openxmlformats.org/drawingml/2006/main" xmlns:r="http://schemas.openxmlformats.org/officeDocument/2006/relationships" xmlns:p="http://schemas.openxmlformats.org/presentationml/2006/main">
   <p:cSld>
     <p:spTree>
@@ -4067,85 +4151,6 @@
     <p:extLst>
       <p:ext uri="{BB962C8B-B14F-4D97-AF65-F5344CB8AC3E}">
         <p14:creationId xmlns:p14="http://schemas.microsoft.com/office/powerpoint/2010/main" val="2958095327"/>
-      </p:ext>
-    </p:extLst>
-  </p:cSld>
-  <p:clrMapOvr>
-    <a:masterClrMapping/>
-  </p:clrMapOvr>
-</p:sld>
-</file>
-
-<file path=ppt/slides/slide5.xml><?xml version="1.0" encoding="utf-8"?>
-<p:sld xmlns:a="http://schemas.openxmlformats.org/drawingml/2006/main" xmlns:r="http://schemas.openxmlformats.org/officeDocument/2006/relationships" xmlns:p="http://schemas.openxmlformats.org/presentationml/2006/main">
-  <p:cSld>
-    <p:spTree>
-      <p:nvGrpSpPr>
-        <p:cNvPr id="1" name=""/>
-        <p:cNvGrpSpPr/>
-        <p:nvPr/>
-      </p:nvGrpSpPr>
-      <p:grpSpPr>
-        <a:xfrm>
-          <a:off x="0" y="0"/>
-          <a:ext cx="0" cy="0"/>
-          <a:chOff x="0" y="0"/>
-          <a:chExt cx="0" cy="0"/>
-        </a:xfrm>
-      </p:grpSpPr>
-      <p:pic>
-        <p:nvPicPr>
-          <p:cNvPr id="5122" name="Picture 2" descr="Figure thumbnail gr5">
-            <a:extLst>
-              <a:ext uri="{FF2B5EF4-FFF2-40B4-BE49-F238E27FC236}">
-                <a16:creationId xmlns:a16="http://schemas.microsoft.com/office/drawing/2014/main" id="{BA88D438-0E3C-4559-AD89-A7CCE6AE1FC4}"/>
-              </a:ext>
-            </a:extLst>
-          </p:cNvPr>
-          <p:cNvPicPr>
-            <a:picLocks noGrp="1" noChangeAspect="1" noChangeArrowheads="1"/>
-          </p:cNvPicPr>
-          <p:nvPr>
-            <p:ph idx="1"/>
-          </p:nvPr>
-        </p:nvPicPr>
-        <p:blipFill>
-          <a:blip r:embed="rId2">
-            <a:extLst>
-              <a:ext uri="{28A0092B-C50C-407E-A947-70E740481C1C}">
-                <a14:useLocalDpi xmlns:a14="http://schemas.microsoft.com/office/drawing/2010/main" val="0"/>
-              </a:ext>
-            </a:extLst>
-          </a:blip>
-          <a:srcRect/>
-          <a:stretch>
-            <a:fillRect/>
-          </a:stretch>
-        </p:blipFill>
-        <p:spPr bwMode="auto">
-          <a:xfrm>
-            <a:off x="2659312" y="413957"/>
-            <a:ext cx="6599136" cy="5763006"/>
-          </a:xfrm>
-          <a:prstGeom prst="rect">
-            <a:avLst/>
-          </a:prstGeom>
-          <a:noFill/>
-          <a:extLst>
-            <a:ext uri="{909E8E84-426E-40DD-AFC4-6F175D3DCCD1}">
-              <a14:hiddenFill xmlns:a14="http://schemas.microsoft.com/office/drawing/2010/main">
-                <a:solidFill>
-                  <a:srgbClr val="FFFFFF"/>
-                </a:solidFill>
-              </a14:hiddenFill>
-            </a:ext>
-          </a:extLst>
-        </p:spPr>
-      </p:pic>
-    </p:spTree>
-    <p:extLst>
-      <p:ext uri="{BB962C8B-B14F-4D97-AF65-F5344CB8AC3E}">
-        <p14:creationId xmlns:p14="http://schemas.microsoft.com/office/powerpoint/2010/main" val="2532248894"/>
       </p:ext>
     </p:extLst>
   </p:cSld>

--- a/AI_04_Neural Networks.pptx
+++ b/AI_04_Neural Networks.pptx
@@ -5,18 +5,19 @@
     <p:sldMasterId id="2147483648" r:id="rId1"/>
   </p:sldMasterIdLst>
   <p:sldIdLst>
-    <p:sldId id="310" r:id="rId2"/>
-    <p:sldId id="304" r:id="rId3"/>
-    <p:sldId id="285" r:id="rId4"/>
-    <p:sldId id="281" r:id="rId5"/>
-    <p:sldId id="273" r:id="rId6"/>
-    <p:sldId id="282" r:id="rId7"/>
-    <p:sldId id="321" r:id="rId8"/>
-    <p:sldId id="283" r:id="rId9"/>
-    <p:sldId id="329" r:id="rId10"/>
-    <p:sldId id="330" r:id="rId11"/>
-    <p:sldId id="274" r:id="rId12"/>
-    <p:sldId id="277" r:id="rId13"/>
+    <p:sldId id="356" r:id="rId2"/>
+    <p:sldId id="310" r:id="rId3"/>
+    <p:sldId id="304" r:id="rId4"/>
+    <p:sldId id="285" r:id="rId5"/>
+    <p:sldId id="281" r:id="rId6"/>
+    <p:sldId id="273" r:id="rId7"/>
+    <p:sldId id="282" r:id="rId8"/>
+    <p:sldId id="321" r:id="rId9"/>
+    <p:sldId id="283" r:id="rId10"/>
+    <p:sldId id="329" r:id="rId11"/>
+    <p:sldId id="330" r:id="rId12"/>
+    <p:sldId id="274" r:id="rId13"/>
+    <p:sldId id="277" r:id="rId14"/>
   </p:sldIdLst>
   <p:sldSz cx="12192000" cy="6858000"/>
   <p:notesSz cx="6858000" cy="9144000"/>
@@ -270,7 +271,7 @@
           <a:p>
             <a:fld id="{540D3AE8-6E24-4761-B759-FAC073BBF59C}" type="datetimeFigureOut">
               <a:rPr lang="ko-KR" altLang="en-US" smtClean="0"/>
-              <a:t>2023-07-16</a:t>
+              <a:t>2023-07-20</a:t>
             </a:fld>
             <a:endParaRPr lang="ko-KR" altLang="en-US"/>
           </a:p>
@@ -468,7 +469,7 @@
           <a:p>
             <a:fld id="{540D3AE8-6E24-4761-B759-FAC073BBF59C}" type="datetimeFigureOut">
               <a:rPr lang="ko-KR" altLang="en-US" smtClean="0"/>
-              <a:t>2023-07-16</a:t>
+              <a:t>2023-07-20</a:t>
             </a:fld>
             <a:endParaRPr lang="ko-KR" altLang="en-US"/>
           </a:p>
@@ -676,7 +677,7 @@
           <a:p>
             <a:fld id="{540D3AE8-6E24-4761-B759-FAC073BBF59C}" type="datetimeFigureOut">
               <a:rPr lang="ko-KR" altLang="en-US" smtClean="0"/>
-              <a:t>2023-07-16</a:t>
+              <a:t>2023-07-20</a:t>
             </a:fld>
             <a:endParaRPr lang="ko-KR" altLang="en-US"/>
           </a:p>
@@ -874,7 +875,7 @@
           <a:p>
             <a:fld id="{540D3AE8-6E24-4761-B759-FAC073BBF59C}" type="datetimeFigureOut">
               <a:rPr lang="ko-KR" altLang="en-US" smtClean="0"/>
-              <a:t>2023-07-16</a:t>
+              <a:t>2023-07-20</a:t>
             </a:fld>
             <a:endParaRPr lang="ko-KR" altLang="en-US"/>
           </a:p>
@@ -1149,7 +1150,7 @@
           <a:p>
             <a:fld id="{540D3AE8-6E24-4761-B759-FAC073BBF59C}" type="datetimeFigureOut">
               <a:rPr lang="ko-KR" altLang="en-US" smtClean="0"/>
-              <a:t>2023-07-16</a:t>
+              <a:t>2023-07-20</a:t>
             </a:fld>
             <a:endParaRPr lang="ko-KR" altLang="en-US"/>
           </a:p>
@@ -1414,7 +1415,7 @@
           <a:p>
             <a:fld id="{540D3AE8-6E24-4761-B759-FAC073BBF59C}" type="datetimeFigureOut">
               <a:rPr lang="ko-KR" altLang="en-US" smtClean="0"/>
-              <a:t>2023-07-16</a:t>
+              <a:t>2023-07-20</a:t>
             </a:fld>
             <a:endParaRPr lang="ko-KR" altLang="en-US"/>
           </a:p>
@@ -1826,7 +1827,7 @@
           <a:p>
             <a:fld id="{540D3AE8-6E24-4761-B759-FAC073BBF59C}" type="datetimeFigureOut">
               <a:rPr lang="ko-KR" altLang="en-US" smtClean="0"/>
-              <a:t>2023-07-16</a:t>
+              <a:t>2023-07-20</a:t>
             </a:fld>
             <a:endParaRPr lang="ko-KR" altLang="en-US"/>
           </a:p>
@@ -1967,7 +1968,7 @@
           <a:p>
             <a:fld id="{540D3AE8-6E24-4761-B759-FAC073BBF59C}" type="datetimeFigureOut">
               <a:rPr lang="ko-KR" altLang="en-US" smtClean="0"/>
-              <a:t>2023-07-16</a:t>
+              <a:t>2023-07-20</a:t>
             </a:fld>
             <a:endParaRPr lang="ko-KR" altLang="en-US"/>
           </a:p>
@@ -2080,7 +2081,7 @@
           <a:p>
             <a:fld id="{540D3AE8-6E24-4761-B759-FAC073BBF59C}" type="datetimeFigureOut">
               <a:rPr lang="ko-KR" altLang="en-US" smtClean="0"/>
-              <a:t>2023-07-16</a:t>
+              <a:t>2023-07-20</a:t>
             </a:fld>
             <a:endParaRPr lang="ko-KR" altLang="en-US"/>
           </a:p>
@@ -2391,7 +2392,7 @@
           <a:p>
             <a:fld id="{540D3AE8-6E24-4761-B759-FAC073BBF59C}" type="datetimeFigureOut">
               <a:rPr lang="ko-KR" altLang="en-US" smtClean="0"/>
-              <a:t>2023-07-16</a:t>
+              <a:t>2023-07-20</a:t>
             </a:fld>
             <a:endParaRPr lang="ko-KR" altLang="en-US"/>
           </a:p>
@@ -2679,7 +2680,7 @@
           <a:p>
             <a:fld id="{540D3AE8-6E24-4761-B759-FAC073BBF59C}" type="datetimeFigureOut">
               <a:rPr lang="ko-KR" altLang="en-US" smtClean="0"/>
-              <a:t>2023-07-16</a:t>
+              <a:t>2023-07-20</a:t>
             </a:fld>
             <a:endParaRPr lang="ko-KR" altLang="en-US"/>
           </a:p>
@@ -2920,7 +2921,7 @@
           <a:p>
             <a:fld id="{540D3AE8-6E24-4761-B759-FAC073BBF59C}" type="datetimeFigureOut">
               <a:rPr lang="ko-KR" altLang="en-US" smtClean="0"/>
-              <a:t>2023-07-16</a:t>
+              <a:t>2023-07-20</a:t>
             </a:fld>
             <a:endParaRPr lang="ko-KR" altLang="en-US"/>
           </a:p>
@@ -3337,59 +3338,1474 @@
           <a:chExt cx="0" cy="0"/>
         </a:xfrm>
       </p:grpSpPr>
-      <p:pic>
-        <p:nvPicPr>
-          <p:cNvPr id="5122" name="Picture 2" descr="Figure thumbnail gr5">
-            <a:extLst>
-              <a:ext uri="{FF2B5EF4-FFF2-40B4-BE49-F238E27FC236}">
-                <a16:creationId xmlns:a16="http://schemas.microsoft.com/office/drawing/2014/main" id="{BA88D438-0E3C-4559-AD89-A7CCE6AE1FC4}"/>
-              </a:ext>
-            </a:extLst>
-          </p:cNvPr>
-          <p:cNvPicPr>
-            <a:picLocks noGrp="1" noChangeAspect="1" noChangeArrowheads="1"/>
-          </p:cNvPicPr>
-          <p:nvPr>
-            <p:ph idx="1"/>
-          </p:nvPr>
-        </p:nvPicPr>
-        <p:blipFill>
-          <a:blip r:embed="rId2">
-            <a:extLst>
-              <a:ext uri="{28A0092B-C50C-407E-A947-70E740481C1C}">
-                <a14:useLocalDpi xmlns:a14="http://schemas.microsoft.com/office/drawing/2010/main" val="0"/>
-              </a:ext>
-            </a:extLst>
-          </a:blip>
-          <a:srcRect/>
-          <a:stretch>
-            <a:fillRect/>
-          </a:stretch>
-        </p:blipFill>
-        <p:spPr bwMode="auto">
-          <a:xfrm>
-            <a:off x="2659312" y="413957"/>
-            <a:ext cx="6599136" cy="5763006"/>
+      <p:sp>
+        <p:nvSpPr>
+          <p:cNvPr id="4" name="직사각형 3">
+            <a:extLst>
+              <a:ext uri="{FF2B5EF4-FFF2-40B4-BE49-F238E27FC236}">
+                <a16:creationId xmlns:a16="http://schemas.microsoft.com/office/drawing/2014/main" id="{03369733-1D7A-413E-ACA1-18D6B4C2A308}"/>
+              </a:ext>
+            </a:extLst>
+          </p:cNvPr>
+          <p:cNvSpPr/>
+          <p:nvPr/>
+        </p:nvSpPr>
+        <p:spPr>
+          <a:xfrm>
+            <a:off x="3102220" y="1138601"/>
+            <a:ext cx="1776046" cy="465993"/>
           </a:xfrm>
           <a:prstGeom prst="rect">
             <a:avLst/>
           </a:prstGeom>
-          <a:noFill/>
-          <a:extLst>
-            <a:ext uri="{909E8E84-426E-40DD-AFC4-6F175D3DCCD1}">
-              <a14:hiddenFill xmlns:a14="http://schemas.microsoft.com/office/drawing/2010/main">
-                <a:solidFill>
-                  <a:srgbClr val="FFFFFF"/>
-                </a:solidFill>
-              </a14:hiddenFill>
-            </a:ext>
-          </a:extLst>
-        </p:spPr>
-      </p:pic>
+        </p:spPr>
+        <p:style>
+          <a:lnRef idx="2">
+            <a:schemeClr val="accent1">
+              <a:shade val="50000"/>
+            </a:schemeClr>
+          </a:lnRef>
+          <a:fillRef idx="1">
+            <a:schemeClr val="accent1"/>
+          </a:fillRef>
+          <a:effectRef idx="0">
+            <a:schemeClr val="accent1"/>
+          </a:effectRef>
+          <a:fontRef idx="minor">
+            <a:schemeClr val="lt1"/>
+          </a:fontRef>
+        </p:style>
+        <p:txBody>
+          <a:bodyPr rtlCol="0" anchor="ctr"/>
+          <a:lstStyle/>
+          <a:p>
+            <a:pPr algn="ctr"/>
+            <a:r>
+              <a:rPr lang="en-US" altLang="ko-KR" dirty="0"/>
+              <a:t>DeepMind</a:t>
+            </a:r>
+            <a:endParaRPr lang="ko-KR" altLang="en-US" dirty="0"/>
+          </a:p>
+        </p:txBody>
+      </p:sp>
+      <p:sp>
+        <p:nvSpPr>
+          <p:cNvPr id="5" name="직사각형 4">
+            <a:extLst>
+              <a:ext uri="{FF2B5EF4-FFF2-40B4-BE49-F238E27FC236}">
+                <a16:creationId xmlns:a16="http://schemas.microsoft.com/office/drawing/2014/main" id="{245D836C-C39E-4F72-B375-9C83FAF66733}"/>
+              </a:ext>
+            </a:extLst>
+          </p:cNvPr>
+          <p:cNvSpPr/>
+          <p:nvPr/>
+        </p:nvSpPr>
+        <p:spPr>
+          <a:xfrm>
+            <a:off x="6048061" y="3550607"/>
+            <a:ext cx="1776046" cy="465993"/>
+          </a:xfrm>
+          <a:prstGeom prst="rect">
+            <a:avLst/>
+          </a:prstGeom>
+        </p:spPr>
+        <p:style>
+          <a:lnRef idx="2">
+            <a:schemeClr val="accent1">
+              <a:shade val="50000"/>
+            </a:schemeClr>
+          </a:lnRef>
+          <a:fillRef idx="1">
+            <a:schemeClr val="accent1"/>
+          </a:fillRef>
+          <a:effectRef idx="0">
+            <a:schemeClr val="accent1"/>
+          </a:effectRef>
+          <a:fontRef idx="minor">
+            <a:schemeClr val="lt1"/>
+          </a:fontRef>
+        </p:style>
+        <p:txBody>
+          <a:bodyPr rtlCol="0" anchor="ctr"/>
+          <a:lstStyle/>
+          <a:p>
+            <a:pPr algn="ctr"/>
+            <a:r>
+              <a:rPr lang="en-US" altLang="ko-KR" dirty="0" err="1"/>
+              <a:t>OpenAI</a:t>
+            </a:r>
+            <a:endParaRPr lang="ko-KR" altLang="en-US" dirty="0"/>
+          </a:p>
+        </p:txBody>
+      </p:sp>
+      <p:sp>
+        <p:nvSpPr>
+          <p:cNvPr id="6" name="직사각형 5">
+            <a:extLst>
+              <a:ext uri="{FF2B5EF4-FFF2-40B4-BE49-F238E27FC236}">
+                <a16:creationId xmlns:a16="http://schemas.microsoft.com/office/drawing/2014/main" id="{FBA80506-C03E-4F5E-AE7A-6E84588FC2BB}"/>
+              </a:ext>
+            </a:extLst>
+          </p:cNvPr>
+          <p:cNvSpPr/>
+          <p:nvPr/>
+        </p:nvSpPr>
+        <p:spPr>
+          <a:xfrm>
+            <a:off x="1337066" y="2696348"/>
+            <a:ext cx="2003236" cy="465993"/>
+          </a:xfrm>
+          <a:prstGeom prst="rect">
+            <a:avLst/>
+          </a:prstGeom>
+        </p:spPr>
+        <p:style>
+          <a:lnRef idx="2">
+            <a:schemeClr val="accent1">
+              <a:shade val="50000"/>
+            </a:schemeClr>
+          </a:lnRef>
+          <a:fillRef idx="1">
+            <a:schemeClr val="accent1"/>
+          </a:fillRef>
+          <a:effectRef idx="0">
+            <a:schemeClr val="accent1"/>
+          </a:effectRef>
+          <a:fontRef idx="minor">
+            <a:schemeClr val="lt1"/>
+          </a:fontRef>
+        </p:style>
+        <p:txBody>
+          <a:bodyPr rtlCol="0" anchor="ctr"/>
+          <a:lstStyle/>
+          <a:p>
+            <a:pPr algn="ctr"/>
+            <a:r>
+              <a:rPr lang="en-US" altLang="ko-KR" dirty="0"/>
+              <a:t>Google</a:t>
+            </a:r>
+            <a:endParaRPr lang="ko-KR" altLang="en-US" dirty="0"/>
+          </a:p>
+        </p:txBody>
+      </p:sp>
+      <p:sp>
+        <p:nvSpPr>
+          <p:cNvPr id="7" name="직사각형 6">
+            <a:extLst>
+              <a:ext uri="{FF2B5EF4-FFF2-40B4-BE49-F238E27FC236}">
+                <a16:creationId xmlns:a16="http://schemas.microsoft.com/office/drawing/2014/main" id="{BDB979B4-8A25-4203-8101-D96E9A448E4C}"/>
+              </a:ext>
+            </a:extLst>
+          </p:cNvPr>
+          <p:cNvSpPr/>
+          <p:nvPr/>
+        </p:nvSpPr>
+        <p:spPr>
+          <a:xfrm>
+            <a:off x="9127295" y="4213406"/>
+            <a:ext cx="1776046" cy="465993"/>
+          </a:xfrm>
+          <a:prstGeom prst="rect">
+            <a:avLst/>
+          </a:prstGeom>
+        </p:spPr>
+        <p:style>
+          <a:lnRef idx="2">
+            <a:schemeClr val="accent1">
+              <a:shade val="50000"/>
+            </a:schemeClr>
+          </a:lnRef>
+          <a:fillRef idx="1">
+            <a:schemeClr val="accent1"/>
+          </a:fillRef>
+          <a:effectRef idx="0">
+            <a:schemeClr val="accent1"/>
+          </a:effectRef>
+          <a:fontRef idx="minor">
+            <a:schemeClr val="lt1"/>
+          </a:fontRef>
+        </p:style>
+        <p:txBody>
+          <a:bodyPr rtlCol="0" anchor="ctr"/>
+          <a:lstStyle/>
+          <a:p>
+            <a:pPr algn="ctr"/>
+            <a:r>
+              <a:rPr lang="en-US" altLang="ko-KR" dirty="0"/>
+              <a:t>Twitter</a:t>
+            </a:r>
+            <a:endParaRPr lang="ko-KR" altLang="en-US" dirty="0"/>
+          </a:p>
+        </p:txBody>
+      </p:sp>
+      <p:sp>
+        <p:nvSpPr>
+          <p:cNvPr id="8" name="직사각형 7">
+            <a:extLst>
+              <a:ext uri="{FF2B5EF4-FFF2-40B4-BE49-F238E27FC236}">
+                <a16:creationId xmlns:a16="http://schemas.microsoft.com/office/drawing/2014/main" id="{A498E37E-BB49-4460-B7EA-E28B30712481}"/>
+              </a:ext>
+            </a:extLst>
+          </p:cNvPr>
+          <p:cNvSpPr/>
+          <p:nvPr/>
+        </p:nvSpPr>
+        <p:spPr>
+          <a:xfrm>
+            <a:off x="5080908" y="5116703"/>
+            <a:ext cx="1776046" cy="465993"/>
+          </a:xfrm>
+          <a:prstGeom prst="rect">
+            <a:avLst/>
+          </a:prstGeom>
+        </p:spPr>
+        <p:style>
+          <a:lnRef idx="2">
+            <a:schemeClr val="accent1">
+              <a:shade val="50000"/>
+            </a:schemeClr>
+          </a:lnRef>
+          <a:fillRef idx="1">
+            <a:schemeClr val="accent1"/>
+          </a:fillRef>
+          <a:effectRef idx="0">
+            <a:schemeClr val="accent1"/>
+          </a:effectRef>
+          <a:fontRef idx="minor">
+            <a:schemeClr val="lt1"/>
+          </a:fontRef>
+        </p:style>
+        <p:txBody>
+          <a:bodyPr rtlCol="0" anchor="ctr"/>
+          <a:lstStyle/>
+          <a:p>
+            <a:pPr algn="ctr"/>
+            <a:r>
+              <a:rPr lang="en-US" altLang="ko-KR" dirty="0"/>
+              <a:t>Microsoft</a:t>
+            </a:r>
+            <a:endParaRPr lang="ko-KR" altLang="en-US" dirty="0"/>
+          </a:p>
+        </p:txBody>
+      </p:sp>
+      <p:sp>
+        <p:nvSpPr>
+          <p:cNvPr id="9" name="직사각형 8">
+            <a:extLst>
+              <a:ext uri="{FF2B5EF4-FFF2-40B4-BE49-F238E27FC236}">
+                <a16:creationId xmlns:a16="http://schemas.microsoft.com/office/drawing/2014/main" id="{5BE0D7D7-C452-4BC9-8AF6-BE4A4DF1FB4C}"/>
+              </a:ext>
+            </a:extLst>
+          </p:cNvPr>
+          <p:cNvSpPr/>
+          <p:nvPr/>
+        </p:nvSpPr>
+        <p:spPr>
+          <a:xfrm>
+            <a:off x="9192359" y="6069621"/>
+            <a:ext cx="1776046" cy="465993"/>
+          </a:xfrm>
+          <a:prstGeom prst="rect">
+            <a:avLst/>
+          </a:prstGeom>
+        </p:spPr>
+        <p:style>
+          <a:lnRef idx="2">
+            <a:schemeClr val="accent6">
+              <a:shade val="50000"/>
+            </a:schemeClr>
+          </a:lnRef>
+          <a:fillRef idx="1">
+            <a:schemeClr val="accent6"/>
+          </a:fillRef>
+          <a:effectRef idx="0">
+            <a:schemeClr val="accent6"/>
+          </a:effectRef>
+          <a:fontRef idx="minor">
+            <a:schemeClr val="lt1"/>
+          </a:fontRef>
+        </p:style>
+        <p:txBody>
+          <a:bodyPr rtlCol="0" anchor="ctr"/>
+          <a:lstStyle/>
+          <a:p>
+            <a:pPr algn="ctr"/>
+            <a:r>
+              <a:rPr lang="en-US" altLang="ko-KR" dirty="0"/>
+              <a:t>x.AI</a:t>
+            </a:r>
+            <a:endParaRPr lang="ko-KR" altLang="en-US" dirty="0"/>
+          </a:p>
+        </p:txBody>
+      </p:sp>
+      <p:sp>
+        <p:nvSpPr>
+          <p:cNvPr id="11" name="직사각형 10">
+            <a:extLst>
+              <a:ext uri="{FF2B5EF4-FFF2-40B4-BE49-F238E27FC236}">
+                <a16:creationId xmlns:a16="http://schemas.microsoft.com/office/drawing/2014/main" id="{49E4D080-F9BE-4251-B85A-35E27D82A95B}"/>
+              </a:ext>
+            </a:extLst>
+          </p:cNvPr>
+          <p:cNvSpPr/>
+          <p:nvPr/>
+        </p:nvSpPr>
+        <p:spPr>
+          <a:xfrm>
+            <a:off x="1282810" y="6069621"/>
+            <a:ext cx="2003236" cy="465993"/>
+          </a:xfrm>
+          <a:prstGeom prst="rect">
+            <a:avLst/>
+          </a:prstGeom>
+        </p:spPr>
+        <p:style>
+          <a:lnRef idx="2">
+            <a:schemeClr val="accent6">
+              <a:shade val="50000"/>
+            </a:schemeClr>
+          </a:lnRef>
+          <a:fillRef idx="1">
+            <a:schemeClr val="accent6"/>
+          </a:fillRef>
+          <a:effectRef idx="0">
+            <a:schemeClr val="accent6"/>
+          </a:effectRef>
+          <a:fontRef idx="minor">
+            <a:schemeClr val="lt1"/>
+          </a:fontRef>
+        </p:style>
+        <p:txBody>
+          <a:bodyPr rtlCol="0" anchor="ctr"/>
+          <a:lstStyle/>
+          <a:p>
+            <a:pPr algn="ctr"/>
+            <a:r>
+              <a:rPr lang="en-US" altLang="ko-KR" dirty="0"/>
+              <a:t>Bard</a:t>
+            </a:r>
+            <a:endParaRPr lang="ko-KR" altLang="en-US" dirty="0"/>
+          </a:p>
+        </p:txBody>
+      </p:sp>
+      <p:sp>
+        <p:nvSpPr>
+          <p:cNvPr id="12" name="화살표: 아래쪽 11">
+            <a:extLst>
+              <a:ext uri="{FF2B5EF4-FFF2-40B4-BE49-F238E27FC236}">
+                <a16:creationId xmlns:a16="http://schemas.microsoft.com/office/drawing/2014/main" id="{36325DDE-FD8F-4C26-A222-8EF91BA62528}"/>
+              </a:ext>
+            </a:extLst>
+          </p:cNvPr>
+          <p:cNvSpPr/>
+          <p:nvPr/>
+        </p:nvSpPr>
+        <p:spPr>
+          <a:xfrm>
+            <a:off x="2214392" y="3237724"/>
+            <a:ext cx="110196" cy="2714669"/>
+          </a:xfrm>
+          <a:prstGeom prst="downArrow">
+            <a:avLst/>
+          </a:prstGeom>
+        </p:spPr>
+        <p:style>
+          <a:lnRef idx="2">
+            <a:schemeClr val="accent1">
+              <a:shade val="50000"/>
+            </a:schemeClr>
+          </a:lnRef>
+          <a:fillRef idx="1">
+            <a:schemeClr val="accent1"/>
+          </a:fillRef>
+          <a:effectRef idx="0">
+            <a:schemeClr val="accent1"/>
+          </a:effectRef>
+          <a:fontRef idx="minor">
+            <a:schemeClr val="lt1"/>
+          </a:fontRef>
+        </p:style>
+        <p:txBody>
+          <a:bodyPr rtlCol="0" anchor="ctr"/>
+          <a:lstStyle/>
+          <a:p>
+            <a:pPr algn="ctr"/>
+            <a:endParaRPr lang="ko-KR" altLang="en-US"/>
+          </a:p>
+        </p:txBody>
+      </p:sp>
+      <p:sp>
+        <p:nvSpPr>
+          <p:cNvPr id="13" name="화살표: 아래쪽 12">
+            <a:extLst>
+              <a:ext uri="{FF2B5EF4-FFF2-40B4-BE49-F238E27FC236}">
+                <a16:creationId xmlns:a16="http://schemas.microsoft.com/office/drawing/2014/main" id="{07AE824B-2982-4608-9147-BE3EA27E4191}"/>
+              </a:ext>
+            </a:extLst>
+          </p:cNvPr>
+          <p:cNvSpPr/>
+          <p:nvPr/>
+        </p:nvSpPr>
+        <p:spPr>
+          <a:xfrm flipH="1">
+            <a:off x="5881824" y="5538811"/>
+            <a:ext cx="110195" cy="435563"/>
+          </a:xfrm>
+          <a:prstGeom prst="downArrow">
+            <a:avLst/>
+          </a:prstGeom>
+        </p:spPr>
+        <p:style>
+          <a:lnRef idx="2">
+            <a:schemeClr val="accent1">
+              <a:shade val="50000"/>
+            </a:schemeClr>
+          </a:lnRef>
+          <a:fillRef idx="1">
+            <a:schemeClr val="accent1"/>
+          </a:fillRef>
+          <a:effectRef idx="0">
+            <a:schemeClr val="accent1"/>
+          </a:effectRef>
+          <a:fontRef idx="minor">
+            <a:schemeClr val="lt1"/>
+          </a:fontRef>
+        </p:style>
+        <p:txBody>
+          <a:bodyPr rtlCol="0" anchor="ctr"/>
+          <a:lstStyle/>
+          <a:p>
+            <a:pPr algn="ctr"/>
+            <a:endParaRPr lang="ko-KR" altLang="en-US"/>
+          </a:p>
+        </p:txBody>
+      </p:sp>
+      <p:sp>
+        <p:nvSpPr>
+          <p:cNvPr id="14" name="화살표: 아래쪽 13">
+            <a:extLst>
+              <a:ext uri="{FF2B5EF4-FFF2-40B4-BE49-F238E27FC236}">
+                <a16:creationId xmlns:a16="http://schemas.microsoft.com/office/drawing/2014/main" id="{5BB53BAA-BB8E-49AC-AF67-486BE119BDBA}"/>
+              </a:ext>
+            </a:extLst>
+          </p:cNvPr>
+          <p:cNvSpPr/>
+          <p:nvPr/>
+        </p:nvSpPr>
+        <p:spPr>
+          <a:xfrm>
+            <a:off x="9960220" y="4760401"/>
+            <a:ext cx="110197" cy="1213973"/>
+          </a:xfrm>
+          <a:prstGeom prst="downArrow">
+            <a:avLst/>
+          </a:prstGeom>
+        </p:spPr>
+        <p:style>
+          <a:lnRef idx="2">
+            <a:schemeClr val="accent1">
+              <a:shade val="50000"/>
+            </a:schemeClr>
+          </a:lnRef>
+          <a:fillRef idx="1">
+            <a:schemeClr val="accent1"/>
+          </a:fillRef>
+          <a:effectRef idx="0">
+            <a:schemeClr val="accent1"/>
+          </a:effectRef>
+          <a:fontRef idx="minor">
+            <a:schemeClr val="lt1"/>
+          </a:fontRef>
+        </p:style>
+        <p:txBody>
+          <a:bodyPr rtlCol="0" anchor="ctr"/>
+          <a:lstStyle/>
+          <a:p>
+            <a:pPr algn="ctr"/>
+            <a:endParaRPr lang="ko-KR" altLang="en-US"/>
+          </a:p>
+        </p:txBody>
+      </p:sp>
+      <p:sp>
+        <p:nvSpPr>
+          <p:cNvPr id="15" name="직사각형 14">
+            <a:extLst>
+              <a:ext uri="{FF2B5EF4-FFF2-40B4-BE49-F238E27FC236}">
+                <a16:creationId xmlns:a16="http://schemas.microsoft.com/office/drawing/2014/main" id="{3C00BB09-1286-4653-AA31-39352FD3209D}"/>
+              </a:ext>
+            </a:extLst>
+          </p:cNvPr>
+          <p:cNvSpPr/>
+          <p:nvPr/>
+        </p:nvSpPr>
+        <p:spPr>
+          <a:xfrm>
+            <a:off x="9552843" y="141375"/>
+            <a:ext cx="2089638" cy="461665"/>
+          </a:xfrm>
+          <a:prstGeom prst="rect">
+            <a:avLst/>
+          </a:prstGeom>
+        </p:spPr>
+        <p:txBody>
+          <a:bodyPr wrap="square">
+            <a:spAutoFit/>
+          </a:bodyPr>
+          <a:lstStyle/>
+          <a:p>
+            <a:pPr fontAlgn="ctr"/>
+            <a:r>
+              <a:rPr lang="en-US" altLang="ko-KR" sz="1200" dirty="0"/>
+              <a:t>Artificial Intelligence 1950</a:t>
+            </a:r>
+          </a:p>
+          <a:p>
+            <a:pPr fontAlgn="ctr"/>
+            <a:r>
+              <a:rPr lang="en-US" altLang="ko-KR" sz="1200" dirty="0"/>
+              <a:t>Machine learning</a:t>
+            </a:r>
+            <a:endParaRPr lang="ko-KR" altLang="ko-KR" sz="1200" dirty="0"/>
+          </a:p>
+        </p:txBody>
+      </p:sp>
+      <p:sp>
+        <p:nvSpPr>
+          <p:cNvPr id="16" name="직사각형 15">
+            <a:extLst>
+              <a:ext uri="{FF2B5EF4-FFF2-40B4-BE49-F238E27FC236}">
+                <a16:creationId xmlns:a16="http://schemas.microsoft.com/office/drawing/2014/main" id="{E830D79E-A797-4A05-8B8B-BC871E442459}"/>
+              </a:ext>
+            </a:extLst>
+          </p:cNvPr>
+          <p:cNvSpPr/>
+          <p:nvPr/>
+        </p:nvSpPr>
+        <p:spPr>
+          <a:xfrm>
+            <a:off x="517282" y="141374"/>
+            <a:ext cx="1485900" cy="646331"/>
+          </a:xfrm>
+          <a:prstGeom prst="rect">
+            <a:avLst/>
+          </a:prstGeom>
+        </p:spPr>
+        <p:txBody>
+          <a:bodyPr wrap="square">
+            <a:spAutoFit/>
+          </a:bodyPr>
+          <a:lstStyle/>
+          <a:p>
+            <a:pPr fontAlgn="ctr"/>
+            <a:r>
+              <a:rPr lang="en-US" altLang="ko-KR" sz="1200" dirty="0"/>
+              <a:t>Perceptron 1957</a:t>
+            </a:r>
+          </a:p>
+          <a:p>
+            <a:pPr fontAlgn="ctr"/>
+            <a:r>
+              <a:rPr lang="en-US" altLang="ko-KR" sz="1200" dirty="0"/>
+              <a:t>Neural Networks</a:t>
+            </a:r>
+          </a:p>
+          <a:p>
+            <a:pPr fontAlgn="ctr"/>
+            <a:r>
+              <a:rPr lang="en-US" altLang="ko-KR" sz="1200" dirty="0"/>
+              <a:t>Deep Learning</a:t>
+            </a:r>
+            <a:endParaRPr lang="ko-KR" altLang="ko-KR" sz="1200" dirty="0"/>
+          </a:p>
+        </p:txBody>
+      </p:sp>
+      <p:sp>
+        <p:nvSpPr>
+          <p:cNvPr id="17" name="직사각형 16">
+            <a:extLst>
+              <a:ext uri="{FF2B5EF4-FFF2-40B4-BE49-F238E27FC236}">
+                <a16:creationId xmlns:a16="http://schemas.microsoft.com/office/drawing/2014/main" id="{7EC89886-ED40-4857-BB29-0AB80DB7038F}"/>
+              </a:ext>
+            </a:extLst>
+          </p:cNvPr>
+          <p:cNvSpPr/>
+          <p:nvPr/>
+        </p:nvSpPr>
+        <p:spPr>
+          <a:xfrm>
+            <a:off x="4831374" y="1116619"/>
+            <a:ext cx="2089638" cy="276999"/>
+          </a:xfrm>
+          <a:prstGeom prst="rect">
+            <a:avLst/>
+          </a:prstGeom>
+        </p:spPr>
+        <p:txBody>
+          <a:bodyPr wrap="square">
+            <a:spAutoFit/>
+          </a:bodyPr>
+          <a:lstStyle/>
+          <a:p>
+            <a:pPr fontAlgn="ctr"/>
+            <a:r>
+              <a:rPr lang="en-US" altLang="ko-KR" sz="1200" dirty="0"/>
+              <a:t>2010</a:t>
+            </a:r>
+            <a:endParaRPr lang="ko-KR" altLang="ko-KR" sz="1200" dirty="0"/>
+          </a:p>
+        </p:txBody>
+      </p:sp>
+      <p:sp>
+        <p:nvSpPr>
+          <p:cNvPr id="18" name="직사각형 17">
+            <a:extLst>
+              <a:ext uri="{FF2B5EF4-FFF2-40B4-BE49-F238E27FC236}">
+                <a16:creationId xmlns:a16="http://schemas.microsoft.com/office/drawing/2014/main" id="{D34D4612-5C2F-4C32-B23A-F4337EBAC3D4}"/>
+              </a:ext>
+            </a:extLst>
+          </p:cNvPr>
+          <p:cNvSpPr/>
+          <p:nvPr/>
+        </p:nvSpPr>
+        <p:spPr>
+          <a:xfrm>
+            <a:off x="7824107" y="3506604"/>
+            <a:ext cx="2089638" cy="276999"/>
+          </a:xfrm>
+          <a:prstGeom prst="rect">
+            <a:avLst/>
+          </a:prstGeom>
+        </p:spPr>
+        <p:txBody>
+          <a:bodyPr wrap="square">
+            <a:spAutoFit/>
+          </a:bodyPr>
+          <a:lstStyle/>
+          <a:p>
+            <a:pPr fontAlgn="ctr"/>
+            <a:r>
+              <a:rPr lang="en-US" altLang="ko-KR" sz="1200" dirty="0"/>
+              <a:t>2015 Elon Musk</a:t>
+            </a:r>
+            <a:endParaRPr lang="ko-KR" altLang="ko-KR" sz="1200" dirty="0"/>
+          </a:p>
+        </p:txBody>
+      </p:sp>
+      <p:cxnSp>
+        <p:nvCxnSpPr>
+          <p:cNvPr id="21" name="직선 화살표 연결선 20">
+            <a:extLst>
+              <a:ext uri="{FF2B5EF4-FFF2-40B4-BE49-F238E27FC236}">
+                <a16:creationId xmlns:a16="http://schemas.microsoft.com/office/drawing/2014/main" id="{4DD736BC-91DD-4B3A-A874-7D45FA6A0896}"/>
+              </a:ext>
+            </a:extLst>
+          </p:cNvPr>
+          <p:cNvCxnSpPr/>
+          <p:nvPr/>
+        </p:nvCxnSpPr>
+        <p:spPr>
+          <a:xfrm>
+            <a:off x="1800959" y="668215"/>
+            <a:ext cx="1301261" cy="448404"/>
+          </a:xfrm>
+          <a:prstGeom prst="straightConnector1">
+            <a:avLst/>
+          </a:prstGeom>
+          <a:ln>
+            <a:tailEnd type="triangle"/>
+          </a:ln>
+        </p:spPr>
+        <p:style>
+          <a:lnRef idx="1">
+            <a:schemeClr val="accent1"/>
+          </a:lnRef>
+          <a:fillRef idx="0">
+            <a:schemeClr val="accent1"/>
+          </a:fillRef>
+          <a:effectRef idx="0">
+            <a:schemeClr val="accent1"/>
+          </a:effectRef>
+          <a:fontRef idx="minor">
+            <a:schemeClr val="tx1"/>
+          </a:fontRef>
+        </p:style>
+      </p:cxnSp>
+      <p:cxnSp>
+        <p:nvCxnSpPr>
+          <p:cNvPr id="23" name="직선 화살표 연결선 22">
+            <a:extLst>
+              <a:ext uri="{FF2B5EF4-FFF2-40B4-BE49-F238E27FC236}">
+                <a16:creationId xmlns:a16="http://schemas.microsoft.com/office/drawing/2014/main" id="{5A7A9F46-158B-498A-BB4C-0C874FF01FA6}"/>
+              </a:ext>
+            </a:extLst>
+          </p:cNvPr>
+          <p:cNvCxnSpPr/>
+          <p:nvPr/>
+        </p:nvCxnSpPr>
+        <p:spPr>
+          <a:xfrm flipH="1">
+            <a:off x="5370636" y="372207"/>
+            <a:ext cx="4097215" cy="882911"/>
+          </a:xfrm>
+          <a:prstGeom prst="straightConnector1">
+            <a:avLst/>
+          </a:prstGeom>
+          <a:ln>
+            <a:tailEnd type="triangle"/>
+          </a:ln>
+        </p:spPr>
+        <p:style>
+          <a:lnRef idx="1">
+            <a:schemeClr val="accent1"/>
+          </a:lnRef>
+          <a:fillRef idx="0">
+            <a:schemeClr val="accent1"/>
+          </a:fillRef>
+          <a:effectRef idx="0">
+            <a:schemeClr val="accent1"/>
+          </a:effectRef>
+          <a:fontRef idx="minor">
+            <a:schemeClr val="tx1"/>
+          </a:fontRef>
+        </p:style>
+      </p:cxnSp>
+      <p:cxnSp>
+        <p:nvCxnSpPr>
+          <p:cNvPr id="25" name="직선 화살표 연결선 24">
+            <a:extLst>
+              <a:ext uri="{FF2B5EF4-FFF2-40B4-BE49-F238E27FC236}">
+                <a16:creationId xmlns:a16="http://schemas.microsoft.com/office/drawing/2014/main" id="{68A9CB02-02DE-4919-BBE2-B56B18653480}"/>
+              </a:ext>
+            </a:extLst>
+          </p:cNvPr>
+          <p:cNvCxnSpPr>
+            <a:cxnSpLocks/>
+          </p:cNvCxnSpPr>
+          <p:nvPr/>
+        </p:nvCxnSpPr>
+        <p:spPr>
+          <a:xfrm flipH="1">
+            <a:off x="7217559" y="372207"/>
+            <a:ext cx="2250293" cy="3116542"/>
+          </a:xfrm>
+          <a:prstGeom prst="straightConnector1">
+            <a:avLst/>
+          </a:prstGeom>
+          <a:ln>
+            <a:tailEnd type="triangle"/>
+          </a:ln>
+        </p:spPr>
+        <p:style>
+          <a:lnRef idx="1">
+            <a:schemeClr val="accent1"/>
+          </a:lnRef>
+          <a:fillRef idx="0">
+            <a:schemeClr val="accent1"/>
+          </a:fillRef>
+          <a:effectRef idx="0">
+            <a:schemeClr val="accent1"/>
+          </a:effectRef>
+          <a:fontRef idx="minor">
+            <a:schemeClr val="tx1"/>
+          </a:fontRef>
+        </p:style>
+      </p:cxnSp>
+      <p:cxnSp>
+        <p:nvCxnSpPr>
+          <p:cNvPr id="27" name="직선 화살표 연결선 26">
+            <a:extLst>
+              <a:ext uri="{FF2B5EF4-FFF2-40B4-BE49-F238E27FC236}">
+                <a16:creationId xmlns:a16="http://schemas.microsoft.com/office/drawing/2014/main" id="{0700923C-D9AA-448F-99ED-A1B07805DCA9}"/>
+              </a:ext>
+            </a:extLst>
+          </p:cNvPr>
+          <p:cNvCxnSpPr>
+            <a:cxnSpLocks/>
+          </p:cNvCxnSpPr>
+          <p:nvPr/>
+        </p:nvCxnSpPr>
+        <p:spPr>
+          <a:xfrm flipH="1">
+            <a:off x="2451589" y="1179660"/>
+            <a:ext cx="1781798" cy="1434367"/>
+          </a:xfrm>
+          <a:prstGeom prst="straightConnector1">
+            <a:avLst/>
+          </a:prstGeom>
+          <a:ln>
+            <a:tailEnd type="triangle"/>
+          </a:ln>
+        </p:spPr>
+        <p:style>
+          <a:lnRef idx="1">
+            <a:schemeClr val="accent1"/>
+          </a:lnRef>
+          <a:fillRef idx="0">
+            <a:schemeClr val="accent1"/>
+          </a:fillRef>
+          <a:effectRef idx="0">
+            <a:schemeClr val="accent1"/>
+          </a:effectRef>
+          <a:fontRef idx="minor">
+            <a:schemeClr val="tx1"/>
+          </a:fontRef>
+        </p:style>
+      </p:cxnSp>
+      <p:sp>
+        <p:nvSpPr>
+          <p:cNvPr id="28" name="직사각형 27">
+            <a:extLst>
+              <a:ext uri="{FF2B5EF4-FFF2-40B4-BE49-F238E27FC236}">
+                <a16:creationId xmlns:a16="http://schemas.microsoft.com/office/drawing/2014/main" id="{8977EC8D-1637-4A5F-945D-EAB04B0F25F5}"/>
+              </a:ext>
+            </a:extLst>
+          </p:cNvPr>
+          <p:cNvSpPr/>
+          <p:nvPr/>
+        </p:nvSpPr>
+        <p:spPr>
+          <a:xfrm>
+            <a:off x="3300434" y="2614027"/>
+            <a:ext cx="2089638" cy="276999"/>
+          </a:xfrm>
+          <a:prstGeom prst="rect">
+            <a:avLst/>
+          </a:prstGeom>
+        </p:spPr>
+        <p:txBody>
+          <a:bodyPr wrap="square">
+            <a:spAutoFit/>
+          </a:bodyPr>
+          <a:lstStyle/>
+          <a:p>
+            <a:pPr fontAlgn="ctr"/>
+            <a:r>
+              <a:rPr lang="en-US" altLang="ko-KR" sz="1200" dirty="0"/>
+              <a:t>2014</a:t>
+            </a:r>
+            <a:endParaRPr lang="ko-KR" altLang="ko-KR" sz="1200" dirty="0"/>
+          </a:p>
+        </p:txBody>
+      </p:sp>
+      <p:cxnSp>
+        <p:nvCxnSpPr>
+          <p:cNvPr id="31" name="직선 화살표 연결선 30">
+            <a:extLst>
+              <a:ext uri="{FF2B5EF4-FFF2-40B4-BE49-F238E27FC236}">
+                <a16:creationId xmlns:a16="http://schemas.microsoft.com/office/drawing/2014/main" id="{0E810A58-7F50-47E8-A343-D97CF574995D}"/>
+              </a:ext>
+            </a:extLst>
+          </p:cNvPr>
+          <p:cNvCxnSpPr>
+            <a:cxnSpLocks/>
+          </p:cNvCxnSpPr>
+          <p:nvPr/>
+        </p:nvCxnSpPr>
+        <p:spPr>
+          <a:xfrm flipH="1">
+            <a:off x="5968931" y="4111435"/>
+            <a:ext cx="746374" cy="961857"/>
+          </a:xfrm>
+          <a:prstGeom prst="straightConnector1">
+            <a:avLst/>
+          </a:prstGeom>
+          <a:ln>
+            <a:tailEnd type="triangle"/>
+          </a:ln>
+        </p:spPr>
+        <p:style>
+          <a:lnRef idx="1">
+            <a:schemeClr val="accent1"/>
+          </a:lnRef>
+          <a:fillRef idx="0">
+            <a:schemeClr val="accent1"/>
+          </a:fillRef>
+          <a:effectRef idx="0">
+            <a:schemeClr val="accent1"/>
+          </a:effectRef>
+          <a:fontRef idx="minor">
+            <a:schemeClr val="tx1"/>
+          </a:fontRef>
+        </p:style>
+      </p:cxnSp>
+      <p:sp>
+        <p:nvSpPr>
+          <p:cNvPr id="37" name="직사각형 36">
+            <a:extLst>
+              <a:ext uri="{FF2B5EF4-FFF2-40B4-BE49-F238E27FC236}">
+                <a16:creationId xmlns:a16="http://schemas.microsoft.com/office/drawing/2014/main" id="{F83B3876-916C-460C-9D11-CBAB94DA5B33}"/>
+              </a:ext>
+            </a:extLst>
+          </p:cNvPr>
+          <p:cNvSpPr/>
+          <p:nvPr/>
+        </p:nvSpPr>
+        <p:spPr>
+          <a:xfrm>
+            <a:off x="787622" y="3929332"/>
+            <a:ext cx="1485899" cy="646331"/>
+          </a:xfrm>
+          <a:prstGeom prst="rect">
+            <a:avLst/>
+          </a:prstGeom>
+        </p:spPr>
+        <p:txBody>
+          <a:bodyPr wrap="square">
+            <a:spAutoFit/>
+          </a:bodyPr>
+          <a:lstStyle/>
+          <a:p>
+            <a:pPr algn="r" fontAlgn="ctr"/>
+            <a:r>
+              <a:rPr lang="en-US" altLang="ko-KR" sz="1200" dirty="0"/>
+              <a:t>AlphaGo 2016</a:t>
+            </a:r>
+          </a:p>
+          <a:p>
+            <a:pPr algn="r" fontAlgn="ctr"/>
+            <a:r>
+              <a:rPr lang="en-US" altLang="ko-KR" sz="1200" dirty="0" err="1"/>
+              <a:t>AlphaZero</a:t>
+            </a:r>
+            <a:r>
+              <a:rPr lang="en-US" altLang="ko-KR" sz="1200" dirty="0"/>
+              <a:t> 2017</a:t>
+            </a:r>
+          </a:p>
+          <a:p>
+            <a:pPr algn="r" fontAlgn="ctr"/>
+            <a:endParaRPr lang="en-US" altLang="ko-KR" sz="1200" dirty="0"/>
+          </a:p>
+        </p:txBody>
+      </p:sp>
+      <p:cxnSp>
+        <p:nvCxnSpPr>
+          <p:cNvPr id="39" name="직선 화살표 연결선 38">
+            <a:extLst>
+              <a:ext uri="{FF2B5EF4-FFF2-40B4-BE49-F238E27FC236}">
+                <a16:creationId xmlns:a16="http://schemas.microsoft.com/office/drawing/2014/main" id="{9B062B3C-FC24-43BA-9029-6D61C690D5AE}"/>
+              </a:ext>
+            </a:extLst>
+          </p:cNvPr>
+          <p:cNvCxnSpPr>
+            <a:cxnSpLocks/>
+          </p:cNvCxnSpPr>
+          <p:nvPr/>
+        </p:nvCxnSpPr>
+        <p:spPr>
+          <a:xfrm flipV="1">
+            <a:off x="3637149" y="4838266"/>
+            <a:ext cx="2410912" cy="3074"/>
+          </a:xfrm>
+          <a:prstGeom prst="straightConnector1">
+            <a:avLst/>
+          </a:prstGeom>
+          <a:ln>
+            <a:tailEnd type="triangle"/>
+          </a:ln>
+        </p:spPr>
+        <p:style>
+          <a:lnRef idx="1">
+            <a:schemeClr val="accent1"/>
+          </a:lnRef>
+          <a:fillRef idx="0">
+            <a:schemeClr val="accent1"/>
+          </a:fillRef>
+          <a:effectRef idx="0">
+            <a:schemeClr val="accent1"/>
+          </a:effectRef>
+          <a:fontRef idx="minor">
+            <a:schemeClr val="tx1"/>
+          </a:fontRef>
+        </p:style>
+      </p:cxnSp>
+      <p:sp>
+        <p:nvSpPr>
+          <p:cNvPr id="40" name="직사각형 39">
+            <a:extLst>
+              <a:ext uri="{FF2B5EF4-FFF2-40B4-BE49-F238E27FC236}">
+                <a16:creationId xmlns:a16="http://schemas.microsoft.com/office/drawing/2014/main" id="{825166AF-0B64-462F-BCF9-201E29A6571A}"/>
+              </a:ext>
+            </a:extLst>
+          </p:cNvPr>
+          <p:cNvSpPr/>
+          <p:nvPr/>
+        </p:nvSpPr>
+        <p:spPr>
+          <a:xfrm>
+            <a:off x="5144966" y="6069621"/>
+            <a:ext cx="1776046" cy="465993"/>
+          </a:xfrm>
+          <a:prstGeom prst="rect">
+            <a:avLst/>
+          </a:prstGeom>
+        </p:spPr>
+        <p:style>
+          <a:lnRef idx="2">
+            <a:schemeClr val="accent6">
+              <a:shade val="50000"/>
+            </a:schemeClr>
+          </a:lnRef>
+          <a:fillRef idx="1">
+            <a:schemeClr val="accent6"/>
+          </a:fillRef>
+          <a:effectRef idx="0">
+            <a:schemeClr val="accent6"/>
+          </a:effectRef>
+          <a:fontRef idx="minor">
+            <a:schemeClr val="lt1"/>
+          </a:fontRef>
+        </p:style>
+        <p:txBody>
+          <a:bodyPr rtlCol="0" anchor="ctr"/>
+          <a:lstStyle/>
+          <a:p>
+            <a:pPr algn="ctr"/>
+            <a:r>
+              <a:rPr lang="en-US" altLang="ko-KR" dirty="0"/>
+              <a:t>chat GPT</a:t>
+            </a:r>
+            <a:endParaRPr lang="ko-KR" altLang="en-US" dirty="0"/>
+          </a:p>
+        </p:txBody>
+      </p:sp>
+      <p:sp>
+        <p:nvSpPr>
+          <p:cNvPr id="42" name="직사각형 41">
+            <a:extLst>
+              <a:ext uri="{FF2B5EF4-FFF2-40B4-BE49-F238E27FC236}">
+                <a16:creationId xmlns:a16="http://schemas.microsoft.com/office/drawing/2014/main" id="{8202A562-20DB-43B3-93EC-CC2969CAA740}"/>
+              </a:ext>
+            </a:extLst>
+          </p:cNvPr>
+          <p:cNvSpPr/>
+          <p:nvPr/>
+        </p:nvSpPr>
+        <p:spPr>
+          <a:xfrm>
+            <a:off x="3286046" y="6063263"/>
+            <a:ext cx="595489" cy="277000"/>
+          </a:xfrm>
+          <a:prstGeom prst="rect">
+            <a:avLst/>
+          </a:prstGeom>
+        </p:spPr>
+        <p:txBody>
+          <a:bodyPr wrap="square">
+            <a:spAutoFit/>
+          </a:bodyPr>
+          <a:lstStyle/>
+          <a:p>
+            <a:pPr fontAlgn="ctr"/>
+            <a:r>
+              <a:rPr lang="en-US" altLang="ko-KR" sz="1200" dirty="0"/>
+              <a:t>2023</a:t>
+            </a:r>
+            <a:endParaRPr lang="ko-KR" altLang="ko-KR" sz="1200" dirty="0"/>
+          </a:p>
+        </p:txBody>
+      </p:sp>
+      <p:cxnSp>
+        <p:nvCxnSpPr>
+          <p:cNvPr id="51" name="직선 화살표 연결선 50">
+            <a:extLst>
+              <a:ext uri="{FF2B5EF4-FFF2-40B4-BE49-F238E27FC236}">
+                <a16:creationId xmlns:a16="http://schemas.microsoft.com/office/drawing/2014/main" id="{49C9CCF0-7756-4A04-B369-EA4D4AD2BB62}"/>
+              </a:ext>
+            </a:extLst>
+          </p:cNvPr>
+          <p:cNvCxnSpPr>
+            <a:cxnSpLocks/>
+          </p:cNvCxnSpPr>
+          <p:nvPr/>
+        </p:nvCxnSpPr>
+        <p:spPr>
+          <a:xfrm>
+            <a:off x="9127295" y="3744961"/>
+            <a:ext cx="888023" cy="377399"/>
+          </a:xfrm>
+          <a:prstGeom prst="straightConnector1">
+            <a:avLst/>
+          </a:prstGeom>
+          <a:ln>
+            <a:tailEnd type="triangle"/>
+          </a:ln>
+        </p:spPr>
+        <p:style>
+          <a:lnRef idx="1">
+            <a:schemeClr val="accent1"/>
+          </a:lnRef>
+          <a:fillRef idx="0">
+            <a:schemeClr val="accent1"/>
+          </a:fillRef>
+          <a:effectRef idx="0">
+            <a:schemeClr val="accent1"/>
+          </a:effectRef>
+          <a:fontRef idx="minor">
+            <a:schemeClr val="tx1"/>
+          </a:fontRef>
+        </p:style>
+      </p:cxnSp>
+      <p:sp>
+        <p:nvSpPr>
+          <p:cNvPr id="52" name="직사각형 51">
+            <a:extLst>
+              <a:ext uri="{FF2B5EF4-FFF2-40B4-BE49-F238E27FC236}">
+                <a16:creationId xmlns:a16="http://schemas.microsoft.com/office/drawing/2014/main" id="{955EF9FE-3CB4-43A5-BDEA-5613EF01D8F8}"/>
+              </a:ext>
+            </a:extLst>
+          </p:cNvPr>
+          <p:cNvSpPr/>
+          <p:nvPr/>
+        </p:nvSpPr>
+        <p:spPr>
+          <a:xfrm>
+            <a:off x="2209745" y="4702465"/>
+            <a:ext cx="1404231" cy="276999"/>
+          </a:xfrm>
+          <a:prstGeom prst="rect">
+            <a:avLst/>
+          </a:prstGeom>
+        </p:spPr>
+        <p:txBody>
+          <a:bodyPr wrap="none">
+            <a:spAutoFit/>
+          </a:bodyPr>
+          <a:lstStyle/>
+          <a:p>
+            <a:pPr algn="r" fontAlgn="ctr"/>
+            <a:r>
+              <a:rPr lang="en-US" altLang="ko-KR" sz="1200" dirty="0">
+                <a:effectLst>
+                  <a:outerShdw blurRad="38100" dist="38100" dir="2700000" algn="tl">
+                    <a:srgbClr val="000000">
+                      <a:alpha val="43137"/>
+                    </a:srgbClr>
+                  </a:outerShdw>
+                </a:effectLst>
+              </a:rPr>
+              <a:t>Transformer 2018</a:t>
+            </a:r>
+            <a:endParaRPr lang="ko-KR" altLang="ko-KR" sz="1200" dirty="0">
+              <a:effectLst>
+                <a:outerShdw blurRad="38100" dist="38100" dir="2700000" algn="tl">
+                  <a:srgbClr val="000000">
+                    <a:alpha val="43137"/>
+                  </a:srgbClr>
+                </a:outerShdw>
+              </a:effectLst>
+            </a:endParaRPr>
+          </a:p>
+        </p:txBody>
+      </p:sp>
+      <p:sp>
+        <p:nvSpPr>
+          <p:cNvPr id="65" name="직사각형 64">
+            <a:extLst>
+              <a:ext uri="{FF2B5EF4-FFF2-40B4-BE49-F238E27FC236}">
+                <a16:creationId xmlns:a16="http://schemas.microsoft.com/office/drawing/2014/main" id="{9F17BBE1-DB2B-4F29-8BC5-135C4159FB8A}"/>
+              </a:ext>
+            </a:extLst>
+          </p:cNvPr>
+          <p:cNvSpPr/>
+          <p:nvPr/>
+        </p:nvSpPr>
+        <p:spPr>
+          <a:xfrm>
+            <a:off x="3241610" y="1868186"/>
+            <a:ext cx="2007281" cy="276999"/>
+          </a:xfrm>
+          <a:prstGeom prst="rect">
+            <a:avLst/>
+          </a:prstGeom>
+        </p:spPr>
+        <p:txBody>
+          <a:bodyPr wrap="none">
+            <a:spAutoFit/>
+          </a:bodyPr>
+          <a:lstStyle/>
+          <a:p>
+            <a:r>
+              <a:rPr lang="en-US" altLang="ko-KR" sz="1200" dirty="0"/>
+              <a:t>ImageNet Challenge 2012</a:t>
+            </a:r>
+            <a:endParaRPr lang="ko-KR" altLang="en-US" sz="1200" dirty="0"/>
+          </a:p>
+        </p:txBody>
+      </p:sp>
+      <p:sp>
+        <p:nvSpPr>
+          <p:cNvPr id="32" name="직사각형 31">
+            <a:extLst>
+              <a:ext uri="{FF2B5EF4-FFF2-40B4-BE49-F238E27FC236}">
+                <a16:creationId xmlns:a16="http://schemas.microsoft.com/office/drawing/2014/main" id="{2388F914-7DF8-410C-BB50-B4EA486C2634}"/>
+              </a:ext>
+            </a:extLst>
+          </p:cNvPr>
+          <p:cNvSpPr/>
+          <p:nvPr/>
+        </p:nvSpPr>
+        <p:spPr>
+          <a:xfrm>
+            <a:off x="6833958" y="5073292"/>
+            <a:ext cx="2089638" cy="276999"/>
+          </a:xfrm>
+          <a:prstGeom prst="rect">
+            <a:avLst/>
+          </a:prstGeom>
+        </p:spPr>
+        <p:txBody>
+          <a:bodyPr wrap="square">
+            <a:spAutoFit/>
+          </a:bodyPr>
+          <a:lstStyle/>
+          <a:p>
+            <a:pPr fontAlgn="ctr"/>
+            <a:r>
+              <a:rPr lang="en-US" altLang="ko-KR" sz="1200" dirty="0"/>
+              <a:t>2019</a:t>
+            </a:r>
+            <a:endParaRPr lang="ko-KR" altLang="ko-KR" sz="1200" dirty="0"/>
+          </a:p>
+        </p:txBody>
+      </p:sp>
+      <p:sp>
+        <p:nvSpPr>
+          <p:cNvPr id="36" name="직사각형 35">
+            <a:extLst>
+              <a:ext uri="{FF2B5EF4-FFF2-40B4-BE49-F238E27FC236}">
+                <a16:creationId xmlns:a16="http://schemas.microsoft.com/office/drawing/2014/main" id="{F15E46D8-D6D3-428B-8C6C-EDE6070DCF18}"/>
+              </a:ext>
+            </a:extLst>
+          </p:cNvPr>
+          <p:cNvSpPr/>
+          <p:nvPr/>
+        </p:nvSpPr>
+        <p:spPr>
+          <a:xfrm>
+            <a:off x="2238276" y="3550747"/>
+            <a:ext cx="1352165" cy="276999"/>
+          </a:xfrm>
+          <a:prstGeom prst="rect">
+            <a:avLst/>
+          </a:prstGeom>
+        </p:spPr>
+        <p:txBody>
+          <a:bodyPr wrap="none">
+            <a:spAutoFit/>
+          </a:bodyPr>
+          <a:lstStyle/>
+          <a:p>
+            <a:pPr algn="r" fontAlgn="ctr"/>
+            <a:r>
+              <a:rPr lang="en-US" altLang="ko-KR" sz="1200" dirty="0">
+                <a:effectLst>
+                  <a:outerShdw blurRad="38100" dist="38100" dir="2700000" algn="tl">
+                    <a:srgbClr val="000000">
+                      <a:alpha val="43137"/>
+                    </a:srgbClr>
+                  </a:outerShdw>
+                </a:effectLst>
+              </a:rPr>
+              <a:t>TensorFlow 2015</a:t>
+            </a:r>
+            <a:endParaRPr lang="ko-KR" altLang="ko-KR" sz="1200" dirty="0">
+              <a:effectLst>
+                <a:outerShdw blurRad="38100" dist="38100" dir="2700000" algn="tl">
+                  <a:srgbClr val="000000">
+                    <a:alpha val="43137"/>
+                  </a:srgbClr>
+                </a:outerShdw>
+              </a:effectLst>
+            </a:endParaRPr>
+          </a:p>
+        </p:txBody>
+      </p:sp>
+      <p:sp>
+        <p:nvSpPr>
+          <p:cNvPr id="43" name="직사각형 42">
+            <a:extLst>
+              <a:ext uri="{FF2B5EF4-FFF2-40B4-BE49-F238E27FC236}">
+                <a16:creationId xmlns:a16="http://schemas.microsoft.com/office/drawing/2014/main" id="{5B47F0F9-5A22-4381-A238-6C4747582A2D}"/>
+              </a:ext>
+            </a:extLst>
+          </p:cNvPr>
+          <p:cNvSpPr/>
+          <p:nvPr/>
+        </p:nvSpPr>
+        <p:spPr>
+          <a:xfrm>
+            <a:off x="10903341" y="4169402"/>
+            <a:ext cx="595489" cy="276999"/>
+          </a:xfrm>
+          <a:prstGeom prst="rect">
+            <a:avLst/>
+          </a:prstGeom>
+        </p:spPr>
+        <p:txBody>
+          <a:bodyPr wrap="square">
+            <a:spAutoFit/>
+          </a:bodyPr>
+          <a:lstStyle/>
+          <a:p>
+            <a:pPr fontAlgn="ctr"/>
+            <a:r>
+              <a:rPr lang="en-US" altLang="ko-KR" sz="1200" dirty="0"/>
+              <a:t>2021</a:t>
+            </a:r>
+            <a:endParaRPr lang="ko-KR" altLang="ko-KR" sz="1200" dirty="0"/>
+          </a:p>
+        </p:txBody>
+      </p:sp>
+      <p:sp>
+        <p:nvSpPr>
+          <p:cNvPr id="44" name="직사각형 43">
+            <a:extLst>
+              <a:ext uri="{FF2B5EF4-FFF2-40B4-BE49-F238E27FC236}">
+                <a16:creationId xmlns:a16="http://schemas.microsoft.com/office/drawing/2014/main" id="{AC19CD2C-CC17-49C6-9F88-D16CF4F93BD6}"/>
+              </a:ext>
+            </a:extLst>
+          </p:cNvPr>
+          <p:cNvSpPr/>
+          <p:nvPr/>
+        </p:nvSpPr>
+        <p:spPr>
+          <a:xfrm>
+            <a:off x="10980846" y="6025617"/>
+            <a:ext cx="595489" cy="277000"/>
+          </a:xfrm>
+          <a:prstGeom prst="rect">
+            <a:avLst/>
+          </a:prstGeom>
+        </p:spPr>
+        <p:txBody>
+          <a:bodyPr wrap="square">
+            <a:spAutoFit/>
+          </a:bodyPr>
+          <a:lstStyle/>
+          <a:p>
+            <a:pPr fontAlgn="ctr"/>
+            <a:r>
+              <a:rPr lang="en-US" altLang="ko-KR" sz="1200" dirty="0"/>
+              <a:t>2023</a:t>
+            </a:r>
+            <a:endParaRPr lang="ko-KR" altLang="ko-KR" sz="1200" dirty="0"/>
+          </a:p>
+        </p:txBody>
+      </p:sp>
+      <p:sp>
+        <p:nvSpPr>
+          <p:cNvPr id="45" name="직사각형 44">
+            <a:extLst>
+              <a:ext uri="{FF2B5EF4-FFF2-40B4-BE49-F238E27FC236}">
+                <a16:creationId xmlns:a16="http://schemas.microsoft.com/office/drawing/2014/main" id="{1A57F181-8FB9-4176-A058-C6F4E09C78B9}"/>
+              </a:ext>
+            </a:extLst>
+          </p:cNvPr>
+          <p:cNvSpPr/>
+          <p:nvPr/>
+        </p:nvSpPr>
+        <p:spPr>
+          <a:xfrm>
+            <a:off x="6933453" y="6025617"/>
+            <a:ext cx="2089638" cy="276999"/>
+          </a:xfrm>
+          <a:prstGeom prst="rect">
+            <a:avLst/>
+          </a:prstGeom>
+        </p:spPr>
+        <p:txBody>
+          <a:bodyPr wrap="square">
+            <a:spAutoFit/>
+          </a:bodyPr>
+          <a:lstStyle/>
+          <a:p>
+            <a:pPr fontAlgn="ctr"/>
+            <a:r>
+              <a:rPr lang="en-US" altLang="ko-KR" sz="1200" dirty="0"/>
+              <a:t>2018~</a:t>
+            </a:r>
+            <a:endParaRPr lang="ko-KR" altLang="ko-KR" sz="1200" dirty="0"/>
+          </a:p>
+        </p:txBody>
+      </p:sp>
+      <p:cxnSp>
+        <p:nvCxnSpPr>
+          <p:cNvPr id="29" name="직선 화살표 연결선 28">
+            <a:extLst>
+              <a:ext uri="{FF2B5EF4-FFF2-40B4-BE49-F238E27FC236}">
+                <a16:creationId xmlns:a16="http://schemas.microsoft.com/office/drawing/2014/main" id="{E7B1D185-59CB-4F9F-AA9B-D807A7C14FEC}"/>
+              </a:ext>
+            </a:extLst>
+          </p:cNvPr>
+          <p:cNvCxnSpPr>
+            <a:cxnSpLocks/>
+          </p:cNvCxnSpPr>
+          <p:nvPr/>
+        </p:nvCxnSpPr>
+        <p:spPr>
+          <a:xfrm>
+            <a:off x="5144966" y="2145185"/>
+            <a:ext cx="1570339" cy="1283815"/>
+          </a:xfrm>
+          <a:prstGeom prst="straightConnector1">
+            <a:avLst/>
+          </a:prstGeom>
+          <a:ln>
+            <a:gradFill>
+              <a:gsLst>
+                <a:gs pos="41000">
+                  <a:srgbClr val="DAE3F3"/>
+                </a:gs>
+                <a:gs pos="0">
+                  <a:schemeClr val="accent1">
+                    <a:lumMod val="5000"/>
+                    <a:lumOff val="95000"/>
+                  </a:schemeClr>
+                </a:gs>
+                <a:gs pos="74000">
+                  <a:schemeClr val="accent1">
+                    <a:lumMod val="45000"/>
+                    <a:lumOff val="55000"/>
+                  </a:schemeClr>
+                </a:gs>
+                <a:gs pos="83000">
+                  <a:schemeClr val="accent1">
+                    <a:lumMod val="45000"/>
+                    <a:lumOff val="55000"/>
+                  </a:schemeClr>
+                </a:gs>
+                <a:gs pos="100000">
+                  <a:schemeClr val="accent1">
+                    <a:lumMod val="30000"/>
+                    <a:lumOff val="70000"/>
+                  </a:schemeClr>
+                </a:gs>
+              </a:gsLst>
+              <a:lin ang="5400000" scaled="1"/>
+            </a:gradFill>
+            <a:tailEnd type="triangle"/>
+          </a:ln>
+        </p:spPr>
+        <p:style>
+          <a:lnRef idx="1">
+            <a:schemeClr val="accent1"/>
+          </a:lnRef>
+          <a:fillRef idx="0">
+            <a:schemeClr val="accent1"/>
+          </a:fillRef>
+          <a:effectRef idx="0">
+            <a:schemeClr val="accent1"/>
+          </a:effectRef>
+          <a:fontRef idx="minor">
+            <a:schemeClr val="tx1"/>
+          </a:fontRef>
+        </p:style>
+      </p:cxnSp>
     </p:spTree>
     <p:extLst>
       <p:ext uri="{BB962C8B-B14F-4D97-AF65-F5344CB8AC3E}">
-        <p14:creationId xmlns:p14="http://schemas.microsoft.com/office/powerpoint/2010/main" val="2532248894"/>
+        <p14:creationId xmlns:p14="http://schemas.microsoft.com/office/powerpoint/2010/main" val="4109791516"/>
       </p:ext>
     </p:extLst>
   </p:cSld>
@@ -3437,6 +4853,10 @@
           <a:bodyPr/>
           <a:lstStyle/>
           <a:p>
+            <a:r>
+              <a:rPr lang="en-US" altLang="ko-KR" b="1" dirty="0"/>
+              <a:t>Gradient Descent</a:t>
+            </a:r>
             <a:br>
               <a:rPr lang="en-US" altLang="ko-KR" b="1" dirty="0"/>
             </a:br>
@@ -3444,65 +4864,21 @@
           </a:p>
         </p:txBody>
       </p:sp>
-      <p:sp>
-        <p:nvSpPr>
-          <p:cNvPr id="4" name="직사각형 3">
-            <a:extLst>
-              <a:ext uri="{FF2B5EF4-FFF2-40B4-BE49-F238E27FC236}">
-                <a16:creationId xmlns:a16="http://schemas.microsoft.com/office/drawing/2014/main" id="{12D6F691-7099-4B99-8A57-9E45D07F9F28}"/>
-              </a:ext>
-            </a:extLst>
-          </p:cNvPr>
-          <p:cNvSpPr/>
-          <p:nvPr/>
-        </p:nvSpPr>
-        <p:spPr>
-          <a:xfrm>
-            <a:off x="5070719" y="3244334"/>
-            <a:ext cx="2050561" cy="369332"/>
-          </a:xfrm>
-          <a:prstGeom prst="rect">
-            <a:avLst/>
-          </a:prstGeom>
-        </p:spPr>
-        <p:txBody>
-          <a:bodyPr wrap="none">
-            <a:spAutoFit/>
-          </a:bodyPr>
-          <a:lstStyle/>
-          <a:p>
-            <a:r>
-              <a:rPr lang="en-US" altLang="ko-KR" b="1" dirty="0">
-                <a:solidFill>
-                  <a:srgbClr val="222222"/>
-                </a:solidFill>
-                <a:latin typeface="Lato"/>
-              </a:rPr>
-              <a:t>Gradient Descent</a:t>
-            </a:r>
-            <a:endParaRPr lang="en-US" altLang="ko-KR" b="1" i="0" dirty="0">
-              <a:solidFill>
-                <a:srgbClr val="222222"/>
-              </a:solidFill>
-              <a:effectLst/>
-              <a:latin typeface="Lato"/>
-            </a:endParaRPr>
-          </a:p>
-        </p:txBody>
-      </p:sp>
       <p:pic>
         <p:nvPicPr>
-          <p:cNvPr id="14338" name="Picture 2" descr="Backpropagation">
-            <a:extLst>
-              <a:ext uri="{FF2B5EF4-FFF2-40B4-BE49-F238E27FC236}">
-                <a16:creationId xmlns:a16="http://schemas.microsoft.com/office/drawing/2014/main" id="{A39449A3-213A-44BC-AA79-ECDEF3E16596}"/>
+          <p:cNvPr id="13314" name="Picture 2" descr="Backpropagation">
+            <a:extLst>
+              <a:ext uri="{FF2B5EF4-FFF2-40B4-BE49-F238E27FC236}">
+                <a16:creationId xmlns:a16="http://schemas.microsoft.com/office/drawing/2014/main" id="{A861CC64-CE1F-4057-B054-23C6A950E222}"/>
               </a:ext>
             </a:extLst>
           </p:cNvPr>
           <p:cNvPicPr>
-            <a:picLocks noChangeAspect="1" noChangeArrowheads="1"/>
+            <a:picLocks noGrp="1" noChangeAspect="1" noChangeArrowheads="1"/>
           </p:cNvPicPr>
-          <p:nvPr/>
+          <p:nvPr>
+            <p:ph idx="1"/>
+          </p:nvPr>
         </p:nvPicPr>
         <p:blipFill>
           <a:blip r:embed="rId2">
@@ -3519,8 +4895,8 @@
         </p:blipFill>
         <p:spPr bwMode="auto">
           <a:xfrm>
-            <a:off x="1887523" y="1344802"/>
-            <a:ext cx="9209102" cy="4560698"/>
+            <a:off x="3233338" y="2567581"/>
+            <a:ext cx="5725324" cy="2867425"/>
           </a:xfrm>
           <a:prstGeom prst="rect">
             <a:avLst/>
@@ -3537,40 +4913,56 @@
           </a:extLst>
         </p:spPr>
       </p:pic>
-      <p:pic>
-        <p:nvPicPr>
-          <p:cNvPr id="5" name="그림 4">
-            <a:extLst>
-              <a:ext uri="{FF2B5EF4-FFF2-40B4-BE49-F238E27FC236}">
-                <a16:creationId xmlns:a16="http://schemas.microsoft.com/office/drawing/2014/main" id="{C2BE607E-FCC1-41D1-98C6-FB99DB40CF03}"/>
-              </a:ext>
-            </a:extLst>
-          </p:cNvPr>
-          <p:cNvPicPr>
-            <a:picLocks noChangeAspect="1"/>
-          </p:cNvPicPr>
+      <p:sp>
+        <p:nvSpPr>
+          <p:cNvPr id="4" name="직사각형 3">
+            <a:extLst>
+              <a:ext uri="{FF2B5EF4-FFF2-40B4-BE49-F238E27FC236}">
+                <a16:creationId xmlns:a16="http://schemas.microsoft.com/office/drawing/2014/main" id="{12D6F691-7099-4B99-8A57-9E45D07F9F28}"/>
+              </a:ext>
+            </a:extLst>
+          </p:cNvPr>
+          <p:cNvSpPr/>
           <p:nvPr/>
-        </p:nvPicPr>
-        <p:blipFill>
-          <a:blip r:embed="rId3"/>
-          <a:stretch>
-            <a:fillRect/>
-          </a:stretch>
-        </p:blipFill>
+        </p:nvSpPr>
         <p:spPr>
           <a:xfrm>
-            <a:off x="0" y="153186"/>
-            <a:ext cx="3790950" cy="1933575"/>
+            <a:off x="5070719" y="3244334"/>
+            <a:ext cx="2050561" cy="369332"/>
           </a:xfrm>
           <a:prstGeom prst="rect">
             <a:avLst/>
           </a:prstGeom>
         </p:spPr>
-      </p:pic>
+        <p:txBody>
+          <a:bodyPr wrap="none">
+            <a:spAutoFit/>
+          </a:bodyPr>
+          <a:lstStyle/>
+          <a:p>
+            <a:r>
+              <a:rPr lang="en-US" altLang="ko-KR" b="1" dirty="0">
+                <a:solidFill>
+                  <a:srgbClr val="222222"/>
+                </a:solidFill>
+                <a:latin typeface="Lato"/>
+              </a:rPr>
+              <a:t>Gradient Descent</a:t>
+            </a:r>
+            <a:endParaRPr lang="en-US" altLang="ko-KR" b="1" i="0" dirty="0">
+              <a:solidFill>
+                <a:srgbClr val="222222"/>
+              </a:solidFill>
+              <a:effectLst/>
+              <a:latin typeface="Lato"/>
+            </a:endParaRPr>
+          </a:p>
+        </p:txBody>
+      </p:sp>
     </p:spTree>
     <p:extLst>
       <p:ext uri="{BB962C8B-B14F-4D97-AF65-F5344CB8AC3E}">
-        <p14:creationId xmlns:p14="http://schemas.microsoft.com/office/powerpoint/2010/main" val="929778220"/>
+        <p14:creationId xmlns:p14="http://schemas.microsoft.com/office/powerpoint/2010/main" val="2164627544"/>
       </p:ext>
     </p:extLst>
   </p:cSld>
@@ -3597,6 +4989,187 @@
           <a:chExt cx="0" cy="0"/>
         </a:xfrm>
       </p:grpSpPr>
+      <p:sp>
+        <p:nvSpPr>
+          <p:cNvPr id="2" name="제목 1">
+            <a:extLst>
+              <a:ext uri="{FF2B5EF4-FFF2-40B4-BE49-F238E27FC236}">
+                <a16:creationId xmlns:a16="http://schemas.microsoft.com/office/drawing/2014/main" id="{FA6D4897-B445-4C2F-9398-DE91A83AF0D8}"/>
+              </a:ext>
+            </a:extLst>
+          </p:cNvPr>
+          <p:cNvSpPr>
+            <a:spLocks noGrp="1"/>
+          </p:cNvSpPr>
+          <p:nvPr>
+            <p:ph type="title"/>
+          </p:nvPr>
+        </p:nvSpPr>
+        <p:spPr/>
+        <p:txBody>
+          <a:bodyPr/>
+          <a:lstStyle/>
+          <a:p>
+            <a:br>
+              <a:rPr lang="en-US" altLang="ko-KR" b="1" dirty="0"/>
+            </a:br>
+            <a:endParaRPr lang="ko-KR" altLang="en-US" dirty="0"/>
+          </a:p>
+        </p:txBody>
+      </p:sp>
+      <p:sp>
+        <p:nvSpPr>
+          <p:cNvPr id="4" name="직사각형 3">
+            <a:extLst>
+              <a:ext uri="{FF2B5EF4-FFF2-40B4-BE49-F238E27FC236}">
+                <a16:creationId xmlns:a16="http://schemas.microsoft.com/office/drawing/2014/main" id="{12D6F691-7099-4B99-8A57-9E45D07F9F28}"/>
+              </a:ext>
+            </a:extLst>
+          </p:cNvPr>
+          <p:cNvSpPr/>
+          <p:nvPr/>
+        </p:nvSpPr>
+        <p:spPr>
+          <a:xfrm>
+            <a:off x="5070719" y="3244334"/>
+            <a:ext cx="2050561" cy="369332"/>
+          </a:xfrm>
+          <a:prstGeom prst="rect">
+            <a:avLst/>
+          </a:prstGeom>
+        </p:spPr>
+        <p:txBody>
+          <a:bodyPr wrap="none">
+            <a:spAutoFit/>
+          </a:bodyPr>
+          <a:lstStyle/>
+          <a:p>
+            <a:r>
+              <a:rPr lang="en-US" altLang="ko-KR" b="1" dirty="0">
+                <a:solidFill>
+                  <a:srgbClr val="222222"/>
+                </a:solidFill>
+                <a:latin typeface="Lato"/>
+              </a:rPr>
+              <a:t>Gradient Descent</a:t>
+            </a:r>
+            <a:endParaRPr lang="en-US" altLang="ko-KR" b="1" i="0" dirty="0">
+              <a:solidFill>
+                <a:srgbClr val="222222"/>
+              </a:solidFill>
+              <a:effectLst/>
+              <a:latin typeface="Lato"/>
+            </a:endParaRPr>
+          </a:p>
+        </p:txBody>
+      </p:sp>
+      <p:pic>
+        <p:nvPicPr>
+          <p:cNvPr id="14338" name="Picture 2" descr="Backpropagation">
+            <a:extLst>
+              <a:ext uri="{FF2B5EF4-FFF2-40B4-BE49-F238E27FC236}">
+                <a16:creationId xmlns:a16="http://schemas.microsoft.com/office/drawing/2014/main" id="{A39449A3-213A-44BC-AA79-ECDEF3E16596}"/>
+              </a:ext>
+            </a:extLst>
+          </p:cNvPr>
+          <p:cNvPicPr>
+            <a:picLocks noChangeAspect="1" noChangeArrowheads="1"/>
+          </p:cNvPicPr>
+          <p:nvPr/>
+        </p:nvPicPr>
+        <p:blipFill>
+          <a:blip r:embed="rId2">
+            <a:extLst>
+              <a:ext uri="{28A0092B-C50C-407E-A947-70E740481C1C}">
+                <a14:useLocalDpi xmlns:a14="http://schemas.microsoft.com/office/drawing/2010/main" val="0"/>
+              </a:ext>
+            </a:extLst>
+          </a:blip>
+          <a:srcRect/>
+          <a:stretch>
+            <a:fillRect/>
+          </a:stretch>
+        </p:blipFill>
+        <p:spPr bwMode="auto">
+          <a:xfrm>
+            <a:off x="1887523" y="1344802"/>
+            <a:ext cx="9209102" cy="4560698"/>
+          </a:xfrm>
+          <a:prstGeom prst="rect">
+            <a:avLst/>
+          </a:prstGeom>
+          <a:noFill/>
+          <a:extLst>
+            <a:ext uri="{909E8E84-426E-40DD-AFC4-6F175D3DCCD1}">
+              <a14:hiddenFill xmlns:a14="http://schemas.microsoft.com/office/drawing/2010/main">
+                <a:solidFill>
+                  <a:srgbClr val="FFFFFF"/>
+                </a:solidFill>
+              </a14:hiddenFill>
+            </a:ext>
+          </a:extLst>
+        </p:spPr>
+      </p:pic>
+      <p:pic>
+        <p:nvPicPr>
+          <p:cNvPr id="5" name="그림 4">
+            <a:extLst>
+              <a:ext uri="{FF2B5EF4-FFF2-40B4-BE49-F238E27FC236}">
+                <a16:creationId xmlns:a16="http://schemas.microsoft.com/office/drawing/2014/main" id="{C2BE607E-FCC1-41D1-98C6-FB99DB40CF03}"/>
+              </a:ext>
+            </a:extLst>
+          </p:cNvPr>
+          <p:cNvPicPr>
+            <a:picLocks noChangeAspect="1"/>
+          </p:cNvPicPr>
+          <p:nvPr/>
+        </p:nvPicPr>
+        <p:blipFill>
+          <a:blip r:embed="rId3"/>
+          <a:stretch>
+            <a:fillRect/>
+          </a:stretch>
+        </p:blipFill>
+        <p:spPr>
+          <a:xfrm>
+            <a:off x="0" y="153186"/>
+            <a:ext cx="3790950" cy="1933575"/>
+          </a:xfrm>
+          <a:prstGeom prst="rect">
+            <a:avLst/>
+          </a:prstGeom>
+        </p:spPr>
+      </p:pic>
+    </p:spTree>
+    <p:extLst>
+      <p:ext uri="{BB962C8B-B14F-4D97-AF65-F5344CB8AC3E}">
+        <p14:creationId xmlns:p14="http://schemas.microsoft.com/office/powerpoint/2010/main" val="929778220"/>
+      </p:ext>
+    </p:extLst>
+  </p:cSld>
+  <p:clrMapOvr>
+    <a:masterClrMapping/>
+  </p:clrMapOvr>
+</p:sld>
+</file>
+
+<file path=ppt/slides/slide12.xml><?xml version="1.0" encoding="utf-8"?>
+<p:sld xmlns:a="http://schemas.openxmlformats.org/drawingml/2006/main" xmlns:r="http://schemas.openxmlformats.org/officeDocument/2006/relationships" xmlns:p="http://schemas.openxmlformats.org/presentationml/2006/main">
+  <p:cSld>
+    <p:spTree>
+      <p:nvGrpSpPr>
+        <p:cNvPr id="1" name=""/>
+        <p:cNvGrpSpPr/>
+        <p:nvPr/>
+      </p:nvGrpSpPr>
+      <p:grpSpPr>
+        <a:xfrm>
+          <a:off x="0" y="0"/>
+          <a:ext cx="0" cy="0"/>
+          <a:chOff x="0" y="0"/>
+          <a:chExt cx="0" cy="0"/>
+        </a:xfrm>
+      </p:grpSpPr>
       <p:pic>
         <p:nvPicPr>
           <p:cNvPr id="12289" name="Picture 1" descr="The mostly complete chart of Neural Networks, explained | by Andrew Tch |  Towards Data Science">
@@ -3659,7 +5232,7 @@
 </p:sld>
 </file>
 
-<file path=ppt/slides/slide12.xml><?xml version="1.0" encoding="utf-8"?>
+<file path=ppt/slides/slide13.xml><?xml version="1.0" encoding="utf-8"?>
 <p:sld xmlns:a="http://schemas.openxmlformats.org/drawingml/2006/main" xmlns:r="http://schemas.openxmlformats.org/officeDocument/2006/relationships" xmlns:p="http://schemas.openxmlformats.org/presentationml/2006/main">
   <p:cSld>
     <p:spTree>
@@ -3753,41 +5326,12 @@
           <a:chExt cx="0" cy="0"/>
         </a:xfrm>
       </p:grpSpPr>
-      <p:sp>
-        <p:nvSpPr>
-          <p:cNvPr id="2" name="제목 1">
-            <a:extLst>
-              <a:ext uri="{FF2B5EF4-FFF2-40B4-BE49-F238E27FC236}">
-                <a16:creationId xmlns:a16="http://schemas.microsoft.com/office/drawing/2014/main" id="{3C48A389-2EE2-4F7D-9280-10CE630C00D5}"/>
-              </a:ext>
-            </a:extLst>
-          </p:cNvPr>
-          <p:cNvSpPr>
-            <a:spLocks noGrp="1"/>
-          </p:cNvSpPr>
-          <p:nvPr>
-            <p:ph type="title"/>
-          </p:nvPr>
-        </p:nvSpPr>
-        <p:spPr/>
-        <p:txBody>
-          <a:bodyPr/>
-          <a:lstStyle/>
-          <a:p>
-            <a:r>
-              <a:rPr lang="en-US" altLang="ko-KR" dirty="0"/>
-              <a:t>Neural networks</a:t>
-            </a:r>
-            <a:endParaRPr lang="ko-KR" altLang="en-US" dirty="0"/>
-          </a:p>
-        </p:txBody>
-      </p:sp>
       <p:pic>
         <p:nvPicPr>
-          <p:cNvPr id="4098" name="Picture 2" descr="artificial neuron structure">
-            <a:extLst>
-              <a:ext uri="{FF2B5EF4-FFF2-40B4-BE49-F238E27FC236}">
-                <a16:creationId xmlns:a16="http://schemas.microsoft.com/office/drawing/2014/main" id="{0628F27A-F84D-46B1-BE4D-3BFB40E03042}"/>
+          <p:cNvPr id="5122" name="Picture 2" descr="Figure thumbnail gr5">
+            <a:extLst>
+              <a:ext uri="{FF2B5EF4-FFF2-40B4-BE49-F238E27FC236}">
+                <a16:creationId xmlns:a16="http://schemas.microsoft.com/office/drawing/2014/main" id="{BA88D438-0E3C-4559-AD89-A7CCE6AE1FC4}"/>
               </a:ext>
             </a:extLst>
           </p:cNvPr>
@@ -3813,8 +5357,8 @@
         </p:blipFill>
         <p:spPr bwMode="auto">
           <a:xfrm>
-            <a:off x="1737590" y="1981561"/>
-            <a:ext cx="8553796" cy="4067969"/>
+            <a:off x="2659312" y="413957"/>
+            <a:ext cx="6599136" cy="5763006"/>
           </a:xfrm>
           <a:prstGeom prst="rect">
             <a:avLst/>
@@ -3834,7 +5378,7 @@
     </p:spTree>
     <p:extLst>
       <p:ext uri="{BB962C8B-B14F-4D97-AF65-F5344CB8AC3E}">
-        <p14:creationId xmlns:p14="http://schemas.microsoft.com/office/powerpoint/2010/main" val="1479458710"/>
+        <p14:creationId xmlns:p14="http://schemas.microsoft.com/office/powerpoint/2010/main" val="2532248894"/>
       </p:ext>
     </p:extLst>
   </p:cSld>
@@ -3866,7 +5410,7 @@
           <p:cNvPr id="2" name="제목 1">
             <a:extLst>
               <a:ext uri="{FF2B5EF4-FFF2-40B4-BE49-F238E27FC236}">
-                <a16:creationId xmlns:a16="http://schemas.microsoft.com/office/drawing/2014/main" id="{3557E3DB-F337-4280-BB4C-A1E1B549C69B}"/>
+                <a16:creationId xmlns:a16="http://schemas.microsoft.com/office/drawing/2014/main" id="{3C48A389-2EE2-4F7D-9280-10CE630C00D5}"/>
               </a:ext>
             </a:extLst>
           </p:cNvPr>
@@ -3883,54 +5427,66 @@
           <a:lstStyle/>
           <a:p>
             <a:r>
-              <a:rPr lang="en-US" altLang="ko-KR" dirty="0">
-                <a:hlinkClick r:id="rId2"/>
-              </a:rPr>
-              <a:t>Neural Network Character Recognition</a:t>
-            </a:r>
-            <a:br>
               <a:rPr lang="en-US" altLang="ko-KR" dirty="0"/>
-            </a:br>
+              <a:t>Neural networks</a:t>
+            </a:r>
             <a:endParaRPr lang="ko-KR" altLang="en-US" dirty="0"/>
           </a:p>
         </p:txBody>
       </p:sp>
       <p:pic>
         <p:nvPicPr>
-          <p:cNvPr id="4" name="내용 개체 틀 3">
-            <a:extLst>
-              <a:ext uri="{FF2B5EF4-FFF2-40B4-BE49-F238E27FC236}">
-                <a16:creationId xmlns:a16="http://schemas.microsoft.com/office/drawing/2014/main" id="{D15F08A2-5262-4FBA-899F-6C7057B80241}"/>
+          <p:cNvPr id="4098" name="Picture 2" descr="artificial neuron structure">
+            <a:extLst>
+              <a:ext uri="{FF2B5EF4-FFF2-40B4-BE49-F238E27FC236}">
+                <a16:creationId xmlns:a16="http://schemas.microsoft.com/office/drawing/2014/main" id="{0628F27A-F84D-46B1-BE4D-3BFB40E03042}"/>
               </a:ext>
             </a:extLst>
           </p:cNvPr>
           <p:cNvPicPr>
-            <a:picLocks noGrp="1" noChangeAspect="1"/>
+            <a:picLocks noGrp="1" noChangeAspect="1" noChangeArrowheads="1"/>
           </p:cNvPicPr>
           <p:nvPr>
             <p:ph idx="1"/>
           </p:nvPr>
         </p:nvPicPr>
         <p:blipFill>
-          <a:blip r:embed="rId3"/>
+          <a:blip r:embed="rId2">
+            <a:extLst>
+              <a:ext uri="{28A0092B-C50C-407E-A947-70E740481C1C}">
+                <a14:useLocalDpi xmlns:a14="http://schemas.microsoft.com/office/drawing/2010/main" val="0"/>
+              </a:ext>
+            </a:extLst>
+          </a:blip>
+          <a:srcRect/>
           <a:stretch>
             <a:fillRect/>
           </a:stretch>
         </p:blipFill>
-        <p:spPr>
-          <a:xfrm>
-            <a:off x="2545773" y="1860767"/>
-            <a:ext cx="6791325" cy="5153891"/>
+        <p:spPr bwMode="auto">
+          <a:xfrm>
+            <a:off x="1737590" y="1981561"/>
+            <a:ext cx="8553796" cy="4067969"/>
           </a:xfrm>
           <a:prstGeom prst="rect">
             <a:avLst/>
           </a:prstGeom>
+          <a:noFill/>
+          <a:extLst>
+            <a:ext uri="{909E8E84-426E-40DD-AFC4-6F175D3DCCD1}">
+              <a14:hiddenFill xmlns:a14="http://schemas.microsoft.com/office/drawing/2010/main">
+                <a:solidFill>
+                  <a:srgbClr val="FFFFFF"/>
+                </a:solidFill>
+              </a14:hiddenFill>
+            </a:ext>
+          </a:extLst>
         </p:spPr>
       </p:pic>
     </p:spTree>
     <p:extLst>
       <p:ext uri="{BB962C8B-B14F-4D97-AF65-F5344CB8AC3E}">
-        <p14:creationId xmlns:p14="http://schemas.microsoft.com/office/powerpoint/2010/main" val="217207122"/>
+        <p14:creationId xmlns:p14="http://schemas.microsoft.com/office/powerpoint/2010/main" val="1479458710"/>
       </p:ext>
     </p:extLst>
   </p:cSld>
@@ -3962,7 +5518,7 @@
           <p:cNvPr id="2" name="제목 1">
             <a:extLst>
               <a:ext uri="{FF2B5EF4-FFF2-40B4-BE49-F238E27FC236}">
-                <a16:creationId xmlns:a16="http://schemas.microsoft.com/office/drawing/2014/main" id="{391F6026-84F3-430A-95FF-8F538B80704C}"/>
+                <a16:creationId xmlns:a16="http://schemas.microsoft.com/office/drawing/2014/main" id="{3557E3DB-F337-4280-BB4C-A1E1B549C69B}"/>
               </a:ext>
             </a:extLst>
           </p:cNvPr>
@@ -3978,10 +5534,11 @@
           <a:bodyPr/>
           <a:lstStyle/>
           <a:p>
-            <a:pPr algn="ctr"/>
-            <a:r>
-              <a:rPr lang="en-US" altLang="ko-KR" dirty="0"/>
-              <a:t>Neural networks</a:t>
+            <a:r>
+              <a:rPr lang="en-US" altLang="ko-KR" dirty="0">
+                <a:hlinkClick r:id="rId2"/>
+              </a:rPr>
+              <a:t>Neural Network Character Recognition</a:t>
             </a:r>
             <a:br>
               <a:rPr lang="en-US" altLang="ko-KR" dirty="0"/>
@@ -3992,57 +5549,40 @@
       </p:sp>
       <p:pic>
         <p:nvPicPr>
-          <p:cNvPr id="3074" name="Picture 2" descr="nodes layer">
-            <a:extLst>
-              <a:ext uri="{FF2B5EF4-FFF2-40B4-BE49-F238E27FC236}">
-                <a16:creationId xmlns:a16="http://schemas.microsoft.com/office/drawing/2014/main" id="{44846040-C83C-4D70-A340-2CB9E80DE32D}"/>
+          <p:cNvPr id="4" name="내용 개체 틀 3">
+            <a:extLst>
+              <a:ext uri="{FF2B5EF4-FFF2-40B4-BE49-F238E27FC236}">
+                <a16:creationId xmlns:a16="http://schemas.microsoft.com/office/drawing/2014/main" id="{D15F08A2-5262-4FBA-899F-6C7057B80241}"/>
               </a:ext>
             </a:extLst>
           </p:cNvPr>
           <p:cNvPicPr>
-            <a:picLocks noGrp="1" noChangeAspect="1" noChangeArrowheads="1"/>
+            <a:picLocks noGrp="1" noChangeAspect="1"/>
           </p:cNvPicPr>
           <p:nvPr>
             <p:ph idx="1"/>
           </p:nvPr>
         </p:nvPicPr>
         <p:blipFill>
-          <a:blip r:embed="rId2">
-            <a:extLst>
-              <a:ext uri="{28A0092B-C50C-407E-A947-70E740481C1C}">
-                <a14:useLocalDpi xmlns:a14="http://schemas.microsoft.com/office/drawing/2010/main" val="0"/>
-              </a:ext>
-            </a:extLst>
-          </a:blip>
-          <a:srcRect/>
+          <a:blip r:embed="rId3"/>
           <a:stretch>
             <a:fillRect/>
           </a:stretch>
         </p:blipFill>
-        <p:spPr bwMode="auto">
-          <a:xfrm>
-            <a:off x="762782" y="1027906"/>
-            <a:ext cx="10666435" cy="5360995"/>
+        <p:spPr>
+          <a:xfrm>
+            <a:off x="2545773" y="1860767"/>
+            <a:ext cx="6791325" cy="5153891"/>
           </a:xfrm>
           <a:prstGeom prst="rect">
             <a:avLst/>
           </a:prstGeom>
-          <a:noFill/>
-          <a:extLst>
-            <a:ext uri="{909E8E84-426E-40DD-AFC4-6F175D3DCCD1}">
-              <a14:hiddenFill xmlns:a14="http://schemas.microsoft.com/office/drawing/2010/main">
-                <a:solidFill>
-                  <a:srgbClr val="FFFFFF"/>
-                </a:solidFill>
-              </a14:hiddenFill>
-            </a:ext>
-          </a:extLst>
         </p:spPr>
       </p:pic>
     </p:spTree>
     <p:extLst>
       <p:ext uri="{BB962C8B-B14F-4D97-AF65-F5344CB8AC3E}">
-        <p14:creationId xmlns:p14="http://schemas.microsoft.com/office/powerpoint/2010/main" val="1878991699"/>
+        <p14:creationId xmlns:p14="http://schemas.microsoft.com/office/powerpoint/2010/main" val="217207122"/>
       </p:ext>
     </p:extLst>
   </p:cSld>
@@ -4074,7 +5614,7 @@
           <p:cNvPr id="2" name="제목 1">
             <a:extLst>
               <a:ext uri="{FF2B5EF4-FFF2-40B4-BE49-F238E27FC236}">
-                <a16:creationId xmlns:a16="http://schemas.microsoft.com/office/drawing/2014/main" id="{35234439-6F26-4A93-AF03-F09FE18799BE}"/>
+                <a16:creationId xmlns:a16="http://schemas.microsoft.com/office/drawing/2014/main" id="{391F6026-84F3-430A-95FF-8F538B80704C}"/>
               </a:ext>
             </a:extLst>
           </p:cNvPr>
@@ -4090,20 +5630,24 @@
           <a:bodyPr/>
           <a:lstStyle/>
           <a:p>
+            <a:pPr algn="ctr"/>
             <a:r>
               <a:rPr lang="en-US" altLang="ko-KR" dirty="0"/>
               <a:t>Neural networks</a:t>
             </a:r>
+            <a:br>
+              <a:rPr lang="en-US" altLang="ko-KR" dirty="0"/>
+            </a:br>
             <a:endParaRPr lang="ko-KR" altLang="en-US" dirty="0"/>
           </a:p>
         </p:txBody>
       </p:sp>
       <p:pic>
         <p:nvPicPr>
-          <p:cNvPr id="11266" name="Picture 2" descr="3 (a) Typical Architecture of Deep Learning Neural Network with One Output, One Input, and K Hidden Layers; (b) Artifcial Neuron: Basic Computational Building Block for Neural Networks">
-            <a:extLst>
-              <a:ext uri="{FF2B5EF4-FFF2-40B4-BE49-F238E27FC236}">
-                <a16:creationId xmlns:a16="http://schemas.microsoft.com/office/drawing/2014/main" id="{74C1AE5F-2BAC-47FE-9610-D87880D38DDE}"/>
+          <p:cNvPr id="3074" name="Picture 2" descr="nodes layer">
+            <a:extLst>
+              <a:ext uri="{FF2B5EF4-FFF2-40B4-BE49-F238E27FC236}">
+                <a16:creationId xmlns:a16="http://schemas.microsoft.com/office/drawing/2014/main" id="{44846040-C83C-4D70-A340-2CB9E80DE32D}"/>
               </a:ext>
             </a:extLst>
           </p:cNvPr>
@@ -4129,8 +5673,8 @@
         </p:blipFill>
         <p:spPr bwMode="auto">
           <a:xfrm>
-            <a:off x="2047875" y="2272506"/>
-            <a:ext cx="8096250" cy="3457575"/>
+            <a:off x="762782" y="1027906"/>
+            <a:ext cx="10666435" cy="5360995"/>
           </a:xfrm>
           <a:prstGeom prst="rect">
             <a:avLst/>
@@ -4150,7 +5694,7 @@
     </p:spTree>
     <p:extLst>
       <p:ext uri="{BB962C8B-B14F-4D97-AF65-F5344CB8AC3E}">
-        <p14:creationId xmlns:p14="http://schemas.microsoft.com/office/powerpoint/2010/main" val="2958095327"/>
+        <p14:creationId xmlns:p14="http://schemas.microsoft.com/office/powerpoint/2010/main" val="1878991699"/>
       </p:ext>
     </p:extLst>
   </p:cSld>
@@ -4182,7 +5726,7 @@
           <p:cNvPr id="2" name="제목 1">
             <a:extLst>
               <a:ext uri="{FF2B5EF4-FFF2-40B4-BE49-F238E27FC236}">
-                <a16:creationId xmlns:a16="http://schemas.microsoft.com/office/drawing/2014/main" id="{B3CE6899-8703-4368-8B63-F06365EB0A27}"/>
+                <a16:creationId xmlns:a16="http://schemas.microsoft.com/office/drawing/2014/main" id="{35234439-6F26-4A93-AF03-F09FE18799BE}"/>
               </a:ext>
             </a:extLst>
           </p:cNvPr>
@@ -4200,7 +5744,7 @@
           <a:p>
             <a:r>
               <a:rPr lang="en-US" altLang="ko-KR" dirty="0"/>
-              <a:t>Neural network</a:t>
+              <a:t>Neural networks</a:t>
             </a:r>
             <a:endParaRPr lang="ko-KR" altLang="en-US" dirty="0"/>
           </a:p>
@@ -4208,10 +5752,10 @@
       </p:sp>
       <p:pic>
         <p:nvPicPr>
-          <p:cNvPr id="4098" name="Picture 2" descr="perception">
-            <a:extLst>
-              <a:ext uri="{FF2B5EF4-FFF2-40B4-BE49-F238E27FC236}">
-                <a16:creationId xmlns:a16="http://schemas.microsoft.com/office/drawing/2014/main" id="{4B243009-9A27-4A47-BAD1-FEEC9E59D5E3}"/>
+          <p:cNvPr id="11266" name="Picture 2" descr="3 (a) Typical Architecture of Deep Learning Neural Network with One Output, One Input, and K Hidden Layers; (b) Artifcial Neuron: Basic Computational Building Block for Neural Networks">
+            <a:extLst>
+              <a:ext uri="{FF2B5EF4-FFF2-40B4-BE49-F238E27FC236}">
+                <a16:creationId xmlns:a16="http://schemas.microsoft.com/office/drawing/2014/main" id="{74C1AE5F-2BAC-47FE-9610-D87880D38DDE}"/>
               </a:ext>
             </a:extLst>
           </p:cNvPr>
@@ -4237,8 +5781,8 @@
         </p:blipFill>
         <p:spPr bwMode="auto">
           <a:xfrm>
-            <a:off x="2286000" y="1809525"/>
-            <a:ext cx="8549837" cy="4683350"/>
+            <a:off x="2047875" y="2272506"/>
+            <a:ext cx="8096250" cy="3457575"/>
           </a:xfrm>
           <a:prstGeom prst="rect">
             <a:avLst/>
@@ -4255,75 +5799,10 @@
           </a:extLst>
         </p:spPr>
       </p:pic>
-      <p:sp>
-        <p:nvSpPr>
-          <p:cNvPr id="3" name="직사각형 2">
-            <a:extLst>
-              <a:ext uri="{FF2B5EF4-FFF2-40B4-BE49-F238E27FC236}">
-                <a16:creationId xmlns:a16="http://schemas.microsoft.com/office/drawing/2014/main" id="{65157697-6D67-4F00-B7B3-094F8AFF5F14}"/>
-              </a:ext>
-            </a:extLst>
-          </p:cNvPr>
-          <p:cNvSpPr/>
-          <p:nvPr/>
-        </p:nvSpPr>
-        <p:spPr>
-          <a:xfrm>
-            <a:off x="7857259" y="684474"/>
-            <a:ext cx="4031673" cy="2092881"/>
-          </a:xfrm>
-          <a:prstGeom prst="rect">
-            <a:avLst/>
-          </a:prstGeom>
-        </p:spPr>
-        <p:txBody>
-          <a:bodyPr wrap="square">
-            <a:spAutoFit/>
-          </a:bodyPr>
-          <a:lstStyle/>
-          <a:p>
-            <a:pPr>
-              <a:buFont typeface="+mj-lt"/>
-              <a:buAutoNum type="arabicPeriod"/>
-            </a:pPr>
-            <a:r>
-              <a:rPr lang="en-US" altLang="ko-KR" sz="1000" dirty="0">
-                <a:solidFill>
-                  <a:srgbClr val="D1D5DB"/>
-                </a:solidFill>
-                <a:latin typeface="Söhne"/>
-              </a:rPr>
-              <a:t>Weights: Weights are numerical values assigned to the connections between neurons in different layers of a neural network. Each connection has an associated weight that determines the strength and significance of the signal it carries. During training, these weights are updated through a process called backpropagation, which adjusts them to minimize the difference between the predicted output and the actual output. The weights essentially define the network's ability to capture and represent patterns in the data.</a:t>
-            </a:r>
-          </a:p>
-          <a:p>
-            <a:pPr>
-              <a:buFont typeface="+mj-lt"/>
-              <a:buAutoNum type="arabicPeriod"/>
-            </a:pPr>
-            <a:r>
-              <a:rPr lang="en-US" altLang="ko-KR" sz="1000" dirty="0">
-                <a:solidFill>
-                  <a:srgbClr val="D1D5DB"/>
-                </a:solidFill>
-                <a:latin typeface="Söhne"/>
-              </a:rPr>
-              <a:t>Biases: Biases are additional learnable parameters in a neural network. They act as an offset, allowing the network to adjust the output of each neuron independently. Biases help the network to model more complex relationships in the data by introducing non-linearity. Similar to weights, biases are adjusted during training to improve the network's performance.</a:t>
-            </a:r>
-            <a:endParaRPr lang="en-US" altLang="ko-KR" sz="1000" b="0" i="0" dirty="0">
-              <a:solidFill>
-                <a:srgbClr val="D1D5DB"/>
-              </a:solidFill>
-              <a:effectLst/>
-              <a:latin typeface="Söhne"/>
-            </a:endParaRPr>
-          </a:p>
-        </p:txBody>
-      </p:sp>
     </p:spTree>
     <p:extLst>
       <p:ext uri="{BB962C8B-B14F-4D97-AF65-F5344CB8AC3E}">
-        <p14:creationId xmlns:p14="http://schemas.microsoft.com/office/powerpoint/2010/main" val="4073588520"/>
+        <p14:creationId xmlns:p14="http://schemas.microsoft.com/office/powerpoint/2010/main" val="2958095327"/>
       </p:ext>
     </p:extLst>
   </p:cSld>
@@ -4350,19 +5829,50 @@
           <a:chExt cx="0" cy="0"/>
         </a:xfrm>
       </p:grpSpPr>
+      <p:sp>
+        <p:nvSpPr>
+          <p:cNvPr id="2" name="제목 1">
+            <a:extLst>
+              <a:ext uri="{FF2B5EF4-FFF2-40B4-BE49-F238E27FC236}">
+                <a16:creationId xmlns:a16="http://schemas.microsoft.com/office/drawing/2014/main" id="{B3CE6899-8703-4368-8B63-F06365EB0A27}"/>
+              </a:ext>
+            </a:extLst>
+          </p:cNvPr>
+          <p:cNvSpPr>
+            <a:spLocks noGrp="1"/>
+          </p:cNvSpPr>
+          <p:nvPr>
+            <p:ph type="title"/>
+          </p:nvPr>
+        </p:nvSpPr>
+        <p:spPr/>
+        <p:txBody>
+          <a:bodyPr/>
+          <a:lstStyle/>
+          <a:p>
+            <a:r>
+              <a:rPr lang="en-US" altLang="ko-KR" dirty="0"/>
+              <a:t>Neural network</a:t>
+            </a:r>
+            <a:endParaRPr lang="ko-KR" altLang="en-US" dirty="0"/>
+          </a:p>
+        </p:txBody>
+      </p:sp>
       <p:pic>
         <p:nvPicPr>
-          <p:cNvPr id="9218" name="Picture 2">
-            <a:extLst>
-              <a:ext uri="{FF2B5EF4-FFF2-40B4-BE49-F238E27FC236}">
-                <a16:creationId xmlns:a16="http://schemas.microsoft.com/office/drawing/2014/main" id="{6C7E7C69-4230-4E95-B516-B2DB52324E7A}"/>
+          <p:cNvPr id="4098" name="Picture 2" descr="perception">
+            <a:extLst>
+              <a:ext uri="{FF2B5EF4-FFF2-40B4-BE49-F238E27FC236}">
+                <a16:creationId xmlns:a16="http://schemas.microsoft.com/office/drawing/2014/main" id="{4B243009-9A27-4A47-BAD1-FEEC9E59D5E3}"/>
               </a:ext>
             </a:extLst>
           </p:cNvPr>
           <p:cNvPicPr>
-            <a:picLocks noChangeAspect="1" noChangeArrowheads="1"/>
+            <a:picLocks noGrp="1" noChangeAspect="1" noChangeArrowheads="1"/>
           </p:cNvPicPr>
-          <p:nvPr/>
+          <p:nvPr>
+            <p:ph idx="1"/>
+          </p:nvPr>
         </p:nvPicPr>
         <p:blipFill>
           <a:blip r:embed="rId2">
@@ -4379,8 +5889,8 @@
         </p:blipFill>
         <p:spPr bwMode="auto">
           <a:xfrm>
-            <a:off x="3315715" y="4723893"/>
-            <a:ext cx="4810125" cy="2109948"/>
+            <a:off x="2286000" y="1809525"/>
+            <a:ext cx="8549837" cy="4683350"/>
           </a:xfrm>
           <a:prstGeom prst="rect">
             <a:avLst/>
@@ -4397,151 +5907,75 @@
           </a:extLst>
         </p:spPr>
       </p:pic>
-      <p:pic>
-        <p:nvPicPr>
-          <p:cNvPr id="9220" name="Picture 4">
-            <a:extLst>
-              <a:ext uri="{FF2B5EF4-FFF2-40B4-BE49-F238E27FC236}">
-                <a16:creationId xmlns:a16="http://schemas.microsoft.com/office/drawing/2014/main" id="{745E0047-0E3B-4BC1-AACB-0382DDD27377}"/>
-              </a:ext>
-            </a:extLst>
-          </p:cNvPr>
-          <p:cNvPicPr>
-            <a:picLocks noChangeAspect="1" noChangeArrowheads="1"/>
-          </p:cNvPicPr>
+      <p:sp>
+        <p:nvSpPr>
+          <p:cNvPr id="3" name="직사각형 2">
+            <a:extLst>
+              <a:ext uri="{FF2B5EF4-FFF2-40B4-BE49-F238E27FC236}">
+                <a16:creationId xmlns:a16="http://schemas.microsoft.com/office/drawing/2014/main" id="{65157697-6D67-4F00-B7B3-094F8AFF5F14}"/>
+              </a:ext>
+            </a:extLst>
+          </p:cNvPr>
+          <p:cNvSpPr/>
           <p:nvPr/>
-        </p:nvPicPr>
-        <p:blipFill>
-          <a:blip r:embed="rId3">
-            <a:extLst>
-              <a:ext uri="{28A0092B-C50C-407E-A947-70E740481C1C}">
-                <a14:useLocalDpi xmlns:a14="http://schemas.microsoft.com/office/drawing/2010/main" val="0"/>
-              </a:ext>
-            </a:extLst>
-          </a:blip>
-          <a:srcRect/>
-          <a:stretch>
-            <a:fillRect/>
-          </a:stretch>
-        </p:blipFill>
-        <p:spPr bwMode="auto">
-          <a:xfrm>
-            <a:off x="2762250" y="3078932"/>
-            <a:ext cx="6667500" cy="1972343"/>
+        </p:nvSpPr>
+        <p:spPr>
+          <a:xfrm>
+            <a:off x="7857259" y="684474"/>
+            <a:ext cx="4031673" cy="2092881"/>
           </a:xfrm>
           <a:prstGeom prst="rect">
             <a:avLst/>
           </a:prstGeom>
-          <a:noFill/>
-          <a:extLst>
-            <a:ext uri="{909E8E84-426E-40DD-AFC4-6F175D3DCCD1}">
-              <a14:hiddenFill xmlns:a14="http://schemas.microsoft.com/office/drawing/2010/main">
+        </p:spPr>
+        <p:txBody>
+          <a:bodyPr wrap="square">
+            <a:spAutoFit/>
+          </a:bodyPr>
+          <a:lstStyle/>
+          <a:p>
+            <a:pPr>
+              <a:buFont typeface="+mj-lt"/>
+              <a:buAutoNum type="arabicPeriod"/>
+            </a:pPr>
+            <a:r>
+              <a:rPr lang="en-US" altLang="ko-KR" sz="1000" dirty="0">
                 <a:solidFill>
-                  <a:srgbClr val="FFFFFF"/>
+                  <a:srgbClr val="D1D5DB"/>
                 </a:solidFill>
-              </a14:hiddenFill>
-            </a:ext>
-          </a:extLst>
-        </p:spPr>
-      </p:pic>
-      <p:pic>
-        <p:nvPicPr>
-          <p:cNvPr id="6" name="Picture 2" descr="perception">
-            <a:extLst>
-              <a:ext uri="{FF2B5EF4-FFF2-40B4-BE49-F238E27FC236}">
-                <a16:creationId xmlns:a16="http://schemas.microsoft.com/office/drawing/2014/main" id="{09FDE72C-BF75-4A09-A344-42714F04CD6C}"/>
-              </a:ext>
-            </a:extLst>
-          </p:cNvPr>
-          <p:cNvPicPr>
-            <a:picLocks noChangeAspect="1" noChangeArrowheads="1"/>
-          </p:cNvPicPr>
-          <p:nvPr/>
-        </p:nvPicPr>
-        <p:blipFill>
-          <a:blip r:embed="rId4">
-            <a:extLst>
-              <a:ext uri="{28A0092B-C50C-407E-A947-70E740481C1C}">
-                <a14:useLocalDpi xmlns:a14="http://schemas.microsoft.com/office/drawing/2010/main" val="0"/>
-              </a:ext>
-            </a:extLst>
-          </a:blip>
-          <a:srcRect/>
-          <a:stretch>
-            <a:fillRect/>
-          </a:stretch>
-        </p:blipFill>
-        <p:spPr bwMode="auto">
-          <a:xfrm>
-            <a:off x="-117952" y="101134"/>
-            <a:ext cx="4504449" cy="2467405"/>
-          </a:xfrm>
-          <a:prstGeom prst="rect">
-            <a:avLst/>
-          </a:prstGeom>
-          <a:noFill/>
-          <a:extLst>
-            <a:ext uri="{909E8E84-426E-40DD-AFC4-6F175D3DCCD1}">
-              <a14:hiddenFill xmlns:a14="http://schemas.microsoft.com/office/drawing/2010/main">
+                <a:latin typeface="Söhne"/>
+              </a:rPr>
+              <a:t>Weights: Weights are numerical values assigned to the connections between neurons in different layers of a neural network. Each connection has an associated weight that determines the strength and significance of the signal it carries. During training, these weights are updated through a process called backpropagation, which adjusts them to minimize the difference between the predicted output and the actual output. The weights essentially define the network's ability to capture and represent patterns in the data.</a:t>
+            </a:r>
+          </a:p>
+          <a:p>
+            <a:pPr>
+              <a:buFont typeface="+mj-lt"/>
+              <a:buAutoNum type="arabicPeriod"/>
+            </a:pPr>
+            <a:r>
+              <a:rPr lang="en-US" altLang="ko-KR" sz="1000" dirty="0">
                 <a:solidFill>
-                  <a:srgbClr val="FFFFFF"/>
+                  <a:srgbClr val="D1D5DB"/>
                 </a:solidFill>
-              </a14:hiddenFill>
-            </a:ext>
-          </a:extLst>
-        </p:spPr>
-      </p:pic>
-      <p:pic>
-        <p:nvPicPr>
-          <p:cNvPr id="9222" name="Picture 6">
-            <a:extLst>
-              <a:ext uri="{FF2B5EF4-FFF2-40B4-BE49-F238E27FC236}">
-                <a16:creationId xmlns:a16="http://schemas.microsoft.com/office/drawing/2014/main" id="{A7CB8965-0C52-4E59-9886-369FD7B9D8DE}"/>
-              </a:ext>
-            </a:extLst>
-          </p:cNvPr>
-          <p:cNvPicPr>
-            <a:picLocks noChangeAspect="1" noChangeArrowheads="1"/>
-          </p:cNvPicPr>
-          <p:nvPr/>
-        </p:nvPicPr>
-        <p:blipFill>
-          <a:blip r:embed="rId5">
-            <a:extLst>
-              <a:ext uri="{28A0092B-C50C-407E-A947-70E740481C1C}">
-                <a14:useLocalDpi xmlns:a14="http://schemas.microsoft.com/office/drawing/2010/main" val="0"/>
-              </a:ext>
-            </a:extLst>
-          </a:blip>
-          <a:srcRect/>
-          <a:stretch>
-            <a:fillRect/>
-          </a:stretch>
-        </p:blipFill>
-        <p:spPr bwMode="auto">
-          <a:xfrm>
-            <a:off x="6634537" y="212330"/>
-            <a:ext cx="5334000" cy="2676525"/>
-          </a:xfrm>
-          <a:prstGeom prst="rect">
-            <a:avLst/>
-          </a:prstGeom>
-          <a:noFill/>
-          <a:extLst>
-            <a:ext uri="{909E8E84-426E-40DD-AFC4-6F175D3DCCD1}">
-              <a14:hiddenFill xmlns:a14="http://schemas.microsoft.com/office/drawing/2010/main">
-                <a:solidFill>
-                  <a:srgbClr val="FFFFFF"/>
-                </a:solidFill>
-              </a14:hiddenFill>
-            </a:ext>
-          </a:extLst>
-        </p:spPr>
-      </p:pic>
+                <a:latin typeface="Söhne"/>
+              </a:rPr>
+              <a:t>Biases: Biases are additional learnable parameters in a neural network. They act as an offset, allowing the network to adjust the output of each neuron independently. Biases help the network to model more complex relationships in the data by introducing non-linearity. Similar to weights, biases are adjusted during training to improve the network's performance.</a:t>
+            </a:r>
+            <a:endParaRPr lang="en-US" altLang="ko-KR" sz="1000" b="0" i="0" dirty="0">
+              <a:solidFill>
+                <a:srgbClr val="D1D5DB"/>
+              </a:solidFill>
+              <a:effectLst/>
+              <a:latin typeface="Söhne"/>
+            </a:endParaRPr>
+          </a:p>
+        </p:txBody>
+      </p:sp>
     </p:spTree>
     <p:extLst>
       <p:ext uri="{BB962C8B-B14F-4D97-AF65-F5344CB8AC3E}">
-        <p14:creationId xmlns:p14="http://schemas.microsoft.com/office/powerpoint/2010/main" val="948625956"/>
+        <p14:creationId xmlns:p14="http://schemas.microsoft.com/office/powerpoint/2010/main" val="4073588520"/>
       </p:ext>
     </p:extLst>
   </p:cSld>
@@ -4568,217 +6002,198 @@
           <a:chExt cx="0" cy="0"/>
         </a:xfrm>
       </p:grpSpPr>
-      <p:sp>
-        <p:nvSpPr>
-          <p:cNvPr id="2" name="제목 1">
-            <a:extLst>
-              <a:ext uri="{FF2B5EF4-FFF2-40B4-BE49-F238E27FC236}">
-                <a16:creationId xmlns:a16="http://schemas.microsoft.com/office/drawing/2014/main" id="{FA2E27F0-CC42-439C-9938-C80AAC1D7351}"/>
-              </a:ext>
-            </a:extLst>
-          </p:cNvPr>
-          <p:cNvSpPr>
-            <a:spLocks noGrp="1"/>
-          </p:cNvSpPr>
-          <p:nvPr>
-            <p:ph type="title"/>
-          </p:nvPr>
-        </p:nvSpPr>
-        <p:spPr/>
-        <p:txBody>
-          <a:bodyPr>
-            <a:normAutofit/>
-          </a:bodyPr>
-          <a:lstStyle/>
-          <a:p>
-            <a:r>
-              <a:rPr lang="en-US" altLang="ko-KR" dirty="0"/>
-              <a:t>Mathematical logics of neural networks:</a:t>
-            </a:r>
-            <a:br>
-              <a:rPr lang="en-US" altLang="ko-KR" dirty="0"/>
-            </a:br>
-            <a:endParaRPr lang="ko-KR" altLang="en-US" dirty="0"/>
-          </a:p>
-        </p:txBody>
-      </p:sp>
-      <p:sp>
-        <p:nvSpPr>
-          <p:cNvPr id="3" name="내용 개체 틀 2">
-            <a:extLst>
-              <a:ext uri="{FF2B5EF4-FFF2-40B4-BE49-F238E27FC236}">
-                <a16:creationId xmlns:a16="http://schemas.microsoft.com/office/drawing/2014/main" id="{D6987995-501D-4050-BCED-CAA0514D8AE1}"/>
-              </a:ext>
-            </a:extLst>
-          </p:cNvPr>
-          <p:cNvSpPr>
-            <a:spLocks noGrp="1"/>
-          </p:cNvSpPr>
-          <p:nvPr>
-            <p:ph idx="1"/>
-          </p:nvPr>
-        </p:nvSpPr>
-        <p:spPr/>
-        <p:txBody>
-          <a:bodyPr>
-            <a:normAutofit fontScale="92500" lnSpcReduction="20000"/>
-          </a:bodyPr>
-          <a:lstStyle/>
-          <a:p>
-            <a:r>
-              <a:rPr lang="ko-KR" altLang="en-US" dirty="0"/>
-              <a:t>명제 논리 </a:t>
-            </a:r>
-            <a:r>
-              <a:rPr lang="en-US" altLang="ko-KR" dirty="0"/>
-              <a:t>(Propositional Logic)</a:t>
-            </a:r>
-          </a:p>
-          <a:p>
-            <a:r>
-              <a:rPr lang="ko-KR" altLang="en-US" dirty="0"/>
-              <a:t>서술 논리 </a:t>
-            </a:r>
-            <a:r>
-              <a:rPr lang="en-US" altLang="ko-KR" dirty="0"/>
-              <a:t>(Predicate Logic)</a:t>
-            </a:r>
-          </a:p>
-          <a:p>
-            <a:r>
-              <a:rPr lang="ko-KR" altLang="en-US" dirty="0"/>
-              <a:t>퍼지 논리 </a:t>
-            </a:r>
-            <a:r>
-              <a:rPr lang="en-US" altLang="ko-KR" dirty="0"/>
-              <a:t>(Fuzzy Logic)</a:t>
-            </a:r>
-          </a:p>
-          <a:p>
-            <a:endParaRPr lang="en-US" altLang="ko-KR" dirty="0"/>
-          </a:p>
-          <a:p>
-            <a:r>
-              <a:rPr lang="ko-KR" altLang="en-US" dirty="0">
+      <p:pic>
+        <p:nvPicPr>
+          <p:cNvPr id="9218" name="Picture 2">
+            <a:extLst>
+              <a:ext uri="{FF2B5EF4-FFF2-40B4-BE49-F238E27FC236}">
+                <a16:creationId xmlns:a16="http://schemas.microsoft.com/office/drawing/2014/main" id="{6C7E7C69-4230-4E95-B516-B2DB52324E7A}"/>
+              </a:ext>
+            </a:extLst>
+          </p:cNvPr>
+          <p:cNvPicPr>
+            <a:picLocks noChangeAspect="1" noChangeArrowheads="1"/>
+          </p:cNvPicPr>
+          <p:nvPr/>
+        </p:nvPicPr>
+        <p:blipFill>
+          <a:blip r:embed="rId2">
+            <a:extLst>
+              <a:ext uri="{28A0092B-C50C-407E-A947-70E740481C1C}">
+                <a14:useLocalDpi xmlns:a14="http://schemas.microsoft.com/office/drawing/2010/main" val="0"/>
+              </a:ext>
+            </a:extLst>
+          </a:blip>
+          <a:srcRect/>
+          <a:stretch>
+            <a:fillRect/>
+          </a:stretch>
+        </p:blipFill>
+        <p:spPr bwMode="auto">
+          <a:xfrm>
+            <a:off x="3315715" y="4723893"/>
+            <a:ext cx="4810125" cy="2109948"/>
+          </a:xfrm>
+          <a:prstGeom prst="rect">
+            <a:avLst/>
+          </a:prstGeom>
+          <a:noFill/>
+          <a:extLst>
+            <a:ext uri="{909E8E84-426E-40DD-AFC4-6F175D3DCCD1}">
+              <a14:hiddenFill xmlns:a14="http://schemas.microsoft.com/office/drawing/2010/main">
                 <a:solidFill>
-                  <a:schemeClr val="accent4">
-                    <a:lumMod val="20000"/>
-                    <a:lumOff val="80000"/>
-                  </a:schemeClr>
+                  <a:srgbClr val="FFFFFF"/>
                 </a:solidFill>
-                <a:highlight>
-                  <a:srgbClr val="000080"/>
-                </a:highlight>
-              </a:rPr>
-              <a:t>확률 논리 </a:t>
-            </a:r>
-            <a:r>
-              <a:rPr lang="en-US" altLang="ko-KR" dirty="0">
+              </a14:hiddenFill>
+            </a:ext>
+          </a:extLst>
+        </p:spPr>
+      </p:pic>
+      <p:pic>
+        <p:nvPicPr>
+          <p:cNvPr id="9220" name="Picture 4">
+            <a:extLst>
+              <a:ext uri="{FF2B5EF4-FFF2-40B4-BE49-F238E27FC236}">
+                <a16:creationId xmlns:a16="http://schemas.microsoft.com/office/drawing/2014/main" id="{745E0047-0E3B-4BC1-AACB-0382DDD27377}"/>
+              </a:ext>
+            </a:extLst>
+          </p:cNvPr>
+          <p:cNvPicPr>
+            <a:picLocks noChangeAspect="1" noChangeArrowheads="1"/>
+          </p:cNvPicPr>
+          <p:nvPr/>
+        </p:nvPicPr>
+        <p:blipFill>
+          <a:blip r:embed="rId3">
+            <a:extLst>
+              <a:ext uri="{28A0092B-C50C-407E-A947-70E740481C1C}">
+                <a14:useLocalDpi xmlns:a14="http://schemas.microsoft.com/office/drawing/2010/main" val="0"/>
+              </a:ext>
+            </a:extLst>
+          </a:blip>
+          <a:srcRect/>
+          <a:stretch>
+            <a:fillRect/>
+          </a:stretch>
+        </p:blipFill>
+        <p:spPr bwMode="auto">
+          <a:xfrm>
+            <a:off x="2762250" y="3078932"/>
+            <a:ext cx="6667500" cy="1972343"/>
+          </a:xfrm>
+          <a:prstGeom prst="rect">
+            <a:avLst/>
+          </a:prstGeom>
+          <a:noFill/>
+          <a:extLst>
+            <a:ext uri="{909E8E84-426E-40DD-AFC4-6F175D3DCCD1}">
+              <a14:hiddenFill xmlns:a14="http://schemas.microsoft.com/office/drawing/2010/main">
                 <a:solidFill>
-                  <a:schemeClr val="accent4">
-                    <a:lumMod val="20000"/>
-                    <a:lumOff val="80000"/>
-                  </a:schemeClr>
+                  <a:srgbClr val="FFFFFF"/>
                 </a:solidFill>
-                <a:highlight>
-                  <a:srgbClr val="000080"/>
-                </a:highlight>
-              </a:rPr>
-              <a:t>(Probabilistic Logic)</a:t>
-            </a:r>
-          </a:p>
-          <a:p>
-            <a:r>
-              <a:rPr lang="ko-KR" altLang="en-US" dirty="0">
+              </a14:hiddenFill>
+            </a:ext>
+          </a:extLst>
+        </p:spPr>
+      </p:pic>
+      <p:pic>
+        <p:nvPicPr>
+          <p:cNvPr id="6" name="Picture 2" descr="perception">
+            <a:extLst>
+              <a:ext uri="{FF2B5EF4-FFF2-40B4-BE49-F238E27FC236}">
+                <a16:creationId xmlns:a16="http://schemas.microsoft.com/office/drawing/2014/main" id="{09FDE72C-BF75-4A09-A344-42714F04CD6C}"/>
+              </a:ext>
+            </a:extLst>
+          </p:cNvPr>
+          <p:cNvPicPr>
+            <a:picLocks noChangeAspect="1" noChangeArrowheads="1"/>
+          </p:cNvPicPr>
+          <p:nvPr/>
+        </p:nvPicPr>
+        <p:blipFill>
+          <a:blip r:embed="rId4">
+            <a:extLst>
+              <a:ext uri="{28A0092B-C50C-407E-A947-70E740481C1C}">
+                <a14:useLocalDpi xmlns:a14="http://schemas.microsoft.com/office/drawing/2010/main" val="0"/>
+              </a:ext>
+            </a:extLst>
+          </a:blip>
+          <a:srcRect/>
+          <a:stretch>
+            <a:fillRect/>
+          </a:stretch>
+        </p:blipFill>
+        <p:spPr bwMode="auto">
+          <a:xfrm>
+            <a:off x="-117952" y="101134"/>
+            <a:ext cx="4504449" cy="2467405"/>
+          </a:xfrm>
+          <a:prstGeom prst="rect">
+            <a:avLst/>
+          </a:prstGeom>
+          <a:noFill/>
+          <a:extLst>
+            <a:ext uri="{909E8E84-426E-40DD-AFC4-6F175D3DCCD1}">
+              <a14:hiddenFill xmlns:a14="http://schemas.microsoft.com/office/drawing/2010/main">
                 <a:solidFill>
-                  <a:schemeClr val="accent4">
-                    <a:lumMod val="20000"/>
-                    <a:lumOff val="80000"/>
-                  </a:schemeClr>
+                  <a:srgbClr val="FFFFFF"/>
                 </a:solidFill>
-                <a:highlight>
-                  <a:srgbClr val="000080"/>
-                </a:highlight>
-              </a:rPr>
-              <a:t>선형 대수 </a:t>
-            </a:r>
-            <a:r>
-              <a:rPr lang="en-US" altLang="ko-KR" dirty="0">
+              </a14:hiddenFill>
+            </a:ext>
+          </a:extLst>
+        </p:spPr>
+      </p:pic>
+      <p:pic>
+        <p:nvPicPr>
+          <p:cNvPr id="9222" name="Picture 6">
+            <a:extLst>
+              <a:ext uri="{FF2B5EF4-FFF2-40B4-BE49-F238E27FC236}">
+                <a16:creationId xmlns:a16="http://schemas.microsoft.com/office/drawing/2014/main" id="{A7CB8965-0C52-4E59-9886-369FD7B9D8DE}"/>
+              </a:ext>
+            </a:extLst>
+          </p:cNvPr>
+          <p:cNvPicPr>
+            <a:picLocks noChangeAspect="1" noChangeArrowheads="1"/>
+          </p:cNvPicPr>
+          <p:nvPr/>
+        </p:nvPicPr>
+        <p:blipFill>
+          <a:blip r:embed="rId5">
+            <a:extLst>
+              <a:ext uri="{28A0092B-C50C-407E-A947-70E740481C1C}">
+                <a14:useLocalDpi xmlns:a14="http://schemas.microsoft.com/office/drawing/2010/main" val="0"/>
+              </a:ext>
+            </a:extLst>
+          </a:blip>
+          <a:srcRect/>
+          <a:stretch>
+            <a:fillRect/>
+          </a:stretch>
+        </p:blipFill>
+        <p:spPr bwMode="auto">
+          <a:xfrm>
+            <a:off x="6634537" y="212330"/>
+            <a:ext cx="5334000" cy="2676525"/>
+          </a:xfrm>
+          <a:prstGeom prst="rect">
+            <a:avLst/>
+          </a:prstGeom>
+          <a:noFill/>
+          <a:extLst>
+            <a:ext uri="{909E8E84-426E-40DD-AFC4-6F175D3DCCD1}">
+              <a14:hiddenFill xmlns:a14="http://schemas.microsoft.com/office/drawing/2010/main">
                 <a:solidFill>
-                  <a:schemeClr val="accent4">
-                    <a:lumMod val="20000"/>
-                    <a:lumOff val="80000"/>
-                  </a:schemeClr>
+                  <a:srgbClr val="FFFFFF"/>
                 </a:solidFill>
-                <a:highlight>
-                  <a:srgbClr val="000080"/>
-                </a:highlight>
-              </a:rPr>
-              <a:t>(Linear Algebra)</a:t>
-            </a:r>
-          </a:p>
-          <a:p>
-            <a:r>
-              <a:rPr lang="ko-KR" altLang="en-US" dirty="0">
-                <a:solidFill>
-                  <a:schemeClr val="accent4">
-                    <a:lumMod val="20000"/>
-                    <a:lumOff val="80000"/>
-                  </a:schemeClr>
-                </a:solidFill>
-                <a:highlight>
-                  <a:srgbClr val="000080"/>
-                </a:highlight>
-              </a:rPr>
-              <a:t>미적분학 </a:t>
-            </a:r>
-            <a:r>
-              <a:rPr lang="en-US" altLang="ko-KR" dirty="0">
-                <a:solidFill>
-                  <a:schemeClr val="accent4">
-                    <a:lumMod val="20000"/>
-                    <a:lumOff val="80000"/>
-                  </a:schemeClr>
-                </a:solidFill>
-                <a:highlight>
-                  <a:srgbClr val="000080"/>
-                </a:highlight>
-              </a:rPr>
-              <a:t>(Calculus)</a:t>
-            </a:r>
-          </a:p>
-          <a:p>
-            <a:endParaRPr lang="en-US" altLang="ko-KR" dirty="0"/>
-          </a:p>
-          <a:p>
-            <a:r>
-              <a:rPr lang="ko-KR" altLang="en-US" dirty="0"/>
-              <a:t>집합론 </a:t>
-            </a:r>
-            <a:r>
-              <a:rPr lang="en-US" altLang="ko-KR" dirty="0"/>
-              <a:t>(Set Theory)</a:t>
-            </a:r>
-          </a:p>
-          <a:p>
-            <a:r>
-              <a:rPr lang="ko-KR" altLang="en-US" dirty="0"/>
-              <a:t>그래프 이론 </a:t>
-            </a:r>
-            <a:r>
-              <a:rPr lang="en-US" altLang="ko-KR" dirty="0"/>
-              <a:t>(Graph Theory)</a:t>
-            </a:r>
-          </a:p>
-          <a:p>
-            <a:endParaRPr lang="ko-KR" altLang="en-US" dirty="0"/>
-          </a:p>
-        </p:txBody>
-      </p:sp>
+              </a14:hiddenFill>
+            </a:ext>
+          </a:extLst>
+        </p:spPr>
+      </p:pic>
     </p:spTree>
     <p:extLst>
       <p:ext uri="{BB962C8B-B14F-4D97-AF65-F5344CB8AC3E}">
-        <p14:creationId xmlns:p14="http://schemas.microsoft.com/office/powerpoint/2010/main" val="479645006"/>
+        <p14:creationId xmlns:p14="http://schemas.microsoft.com/office/powerpoint/2010/main" val="948625956"/>
       </p:ext>
     </p:extLst>
   </p:cSld>
@@ -4810,7 +6225,7 @@
           <p:cNvPr id="2" name="제목 1">
             <a:extLst>
               <a:ext uri="{FF2B5EF4-FFF2-40B4-BE49-F238E27FC236}">
-                <a16:creationId xmlns:a16="http://schemas.microsoft.com/office/drawing/2014/main" id="{FA6D4897-B445-4C2F-9398-DE91A83AF0D8}"/>
+                <a16:creationId xmlns:a16="http://schemas.microsoft.com/office/drawing/2014/main" id="{FA2E27F0-CC42-439C-9938-C80AAC1D7351}"/>
               </a:ext>
             </a:extLst>
           </p:cNvPr>
@@ -4823,119 +6238,199 @@
         </p:nvSpPr>
         <p:spPr/>
         <p:txBody>
-          <a:bodyPr/>
-          <a:lstStyle/>
-          <a:p>
-            <a:r>
-              <a:rPr lang="en-US" altLang="ko-KR" b="1" dirty="0"/>
-              <a:t>Gradient Descent</a:t>
+          <a:bodyPr>
+            <a:normAutofit/>
+          </a:bodyPr>
+          <a:lstStyle/>
+          <a:p>
+            <a:r>
+              <a:rPr lang="en-US" altLang="ko-KR" dirty="0"/>
+              <a:t>Mathematical logics of neural networks:</a:t>
             </a:r>
             <a:br>
-              <a:rPr lang="en-US" altLang="ko-KR" b="1" dirty="0"/>
+              <a:rPr lang="en-US" altLang="ko-KR" dirty="0"/>
             </a:br>
             <a:endParaRPr lang="ko-KR" altLang="en-US" dirty="0"/>
           </a:p>
         </p:txBody>
       </p:sp>
-      <p:pic>
-        <p:nvPicPr>
-          <p:cNvPr id="13314" name="Picture 2" descr="Backpropagation">
-            <a:extLst>
-              <a:ext uri="{FF2B5EF4-FFF2-40B4-BE49-F238E27FC236}">
-                <a16:creationId xmlns:a16="http://schemas.microsoft.com/office/drawing/2014/main" id="{A861CC64-CE1F-4057-B054-23C6A950E222}"/>
-              </a:ext>
-            </a:extLst>
-          </p:cNvPr>
-          <p:cNvPicPr>
-            <a:picLocks noGrp="1" noChangeAspect="1" noChangeArrowheads="1"/>
-          </p:cNvPicPr>
+      <p:sp>
+        <p:nvSpPr>
+          <p:cNvPr id="3" name="내용 개체 틀 2">
+            <a:extLst>
+              <a:ext uri="{FF2B5EF4-FFF2-40B4-BE49-F238E27FC236}">
+                <a16:creationId xmlns:a16="http://schemas.microsoft.com/office/drawing/2014/main" id="{D6987995-501D-4050-BCED-CAA0514D8AE1}"/>
+              </a:ext>
+            </a:extLst>
+          </p:cNvPr>
+          <p:cNvSpPr>
+            <a:spLocks noGrp="1"/>
+          </p:cNvSpPr>
           <p:nvPr>
             <p:ph idx="1"/>
           </p:nvPr>
-        </p:nvPicPr>
-        <p:blipFill>
-          <a:blip r:embed="rId2">
-            <a:extLst>
-              <a:ext uri="{28A0092B-C50C-407E-A947-70E740481C1C}">
-                <a14:useLocalDpi xmlns:a14="http://schemas.microsoft.com/office/drawing/2010/main" val="0"/>
-              </a:ext>
-            </a:extLst>
-          </a:blip>
-          <a:srcRect/>
-          <a:stretch>
-            <a:fillRect/>
-          </a:stretch>
-        </p:blipFill>
-        <p:spPr bwMode="auto">
-          <a:xfrm>
-            <a:off x="3233338" y="2567581"/>
-            <a:ext cx="5725324" cy="2867425"/>
-          </a:xfrm>
-          <a:prstGeom prst="rect">
-            <a:avLst/>
-          </a:prstGeom>
-          <a:noFill/>
-          <a:extLst>
-            <a:ext uri="{909E8E84-426E-40DD-AFC4-6F175D3DCCD1}">
-              <a14:hiddenFill xmlns:a14="http://schemas.microsoft.com/office/drawing/2010/main">
+        </p:nvSpPr>
+        <p:spPr/>
+        <p:txBody>
+          <a:bodyPr>
+            <a:normAutofit fontScale="92500" lnSpcReduction="20000"/>
+          </a:bodyPr>
+          <a:lstStyle/>
+          <a:p>
+            <a:r>
+              <a:rPr lang="ko-KR" altLang="en-US" dirty="0"/>
+              <a:t>명제 논리 </a:t>
+            </a:r>
+            <a:r>
+              <a:rPr lang="en-US" altLang="ko-KR" dirty="0"/>
+              <a:t>(Propositional Logic)</a:t>
+            </a:r>
+          </a:p>
+          <a:p>
+            <a:r>
+              <a:rPr lang="ko-KR" altLang="en-US" dirty="0"/>
+              <a:t>서술 논리 </a:t>
+            </a:r>
+            <a:r>
+              <a:rPr lang="en-US" altLang="ko-KR" dirty="0"/>
+              <a:t>(Predicate Logic)</a:t>
+            </a:r>
+          </a:p>
+          <a:p>
+            <a:r>
+              <a:rPr lang="ko-KR" altLang="en-US" dirty="0"/>
+              <a:t>퍼지 논리 </a:t>
+            </a:r>
+            <a:r>
+              <a:rPr lang="en-US" altLang="ko-KR" dirty="0"/>
+              <a:t>(Fuzzy Logic)</a:t>
+            </a:r>
+          </a:p>
+          <a:p>
+            <a:endParaRPr lang="en-US" altLang="ko-KR" dirty="0"/>
+          </a:p>
+          <a:p>
+            <a:r>
+              <a:rPr lang="ko-KR" altLang="en-US" dirty="0">
                 <a:solidFill>
-                  <a:srgbClr val="FFFFFF"/>
+                  <a:schemeClr val="accent4">
+                    <a:lumMod val="20000"/>
+                    <a:lumOff val="80000"/>
+                  </a:schemeClr>
                 </a:solidFill>
-              </a14:hiddenFill>
-            </a:ext>
-          </a:extLst>
-        </p:spPr>
-      </p:pic>
-      <p:sp>
-        <p:nvSpPr>
-          <p:cNvPr id="4" name="직사각형 3">
-            <a:extLst>
-              <a:ext uri="{FF2B5EF4-FFF2-40B4-BE49-F238E27FC236}">
-                <a16:creationId xmlns:a16="http://schemas.microsoft.com/office/drawing/2014/main" id="{12D6F691-7099-4B99-8A57-9E45D07F9F28}"/>
-              </a:ext>
-            </a:extLst>
-          </p:cNvPr>
-          <p:cNvSpPr/>
-          <p:nvPr/>
-        </p:nvSpPr>
-        <p:spPr>
-          <a:xfrm>
-            <a:off x="5070719" y="3244334"/>
-            <a:ext cx="2050561" cy="369332"/>
-          </a:xfrm>
-          <a:prstGeom prst="rect">
-            <a:avLst/>
-          </a:prstGeom>
-        </p:spPr>
-        <p:txBody>
-          <a:bodyPr wrap="none">
-            <a:spAutoFit/>
-          </a:bodyPr>
-          <a:lstStyle/>
-          <a:p>
-            <a:r>
-              <a:rPr lang="en-US" altLang="ko-KR" b="1" dirty="0">
+                <a:highlight>
+                  <a:srgbClr val="000080"/>
+                </a:highlight>
+              </a:rPr>
+              <a:t>확률 논리 </a:t>
+            </a:r>
+            <a:r>
+              <a:rPr lang="en-US" altLang="ko-KR" dirty="0">
                 <a:solidFill>
-                  <a:srgbClr val="222222"/>
+                  <a:schemeClr val="accent4">
+                    <a:lumMod val="20000"/>
+                    <a:lumOff val="80000"/>
+                  </a:schemeClr>
                 </a:solidFill>
-                <a:latin typeface="Lato"/>
+                <a:highlight>
+                  <a:srgbClr val="000080"/>
+                </a:highlight>
               </a:rPr>
-              <a:t>Gradient Descent</a:t>
-            </a:r>
-            <a:endParaRPr lang="en-US" altLang="ko-KR" b="1" i="0" dirty="0">
-              <a:solidFill>
-                <a:srgbClr val="222222"/>
-              </a:solidFill>
-              <a:effectLst/>
-              <a:latin typeface="Lato"/>
-            </a:endParaRPr>
+              <a:t>(Probabilistic Logic)</a:t>
+            </a:r>
+          </a:p>
+          <a:p>
+            <a:r>
+              <a:rPr lang="ko-KR" altLang="en-US" dirty="0">
+                <a:solidFill>
+                  <a:schemeClr val="accent4">
+                    <a:lumMod val="20000"/>
+                    <a:lumOff val="80000"/>
+                  </a:schemeClr>
+                </a:solidFill>
+                <a:highlight>
+                  <a:srgbClr val="000080"/>
+                </a:highlight>
+              </a:rPr>
+              <a:t>선형 대수 </a:t>
+            </a:r>
+            <a:r>
+              <a:rPr lang="en-US" altLang="ko-KR" dirty="0">
+                <a:solidFill>
+                  <a:schemeClr val="accent4">
+                    <a:lumMod val="20000"/>
+                    <a:lumOff val="80000"/>
+                  </a:schemeClr>
+                </a:solidFill>
+                <a:highlight>
+                  <a:srgbClr val="000080"/>
+                </a:highlight>
+              </a:rPr>
+              <a:t>(Linear Algebra)</a:t>
+            </a:r>
+          </a:p>
+          <a:p>
+            <a:r>
+              <a:rPr lang="ko-KR" altLang="en-US" dirty="0">
+                <a:solidFill>
+                  <a:schemeClr val="accent4">
+                    <a:lumMod val="20000"/>
+                    <a:lumOff val="80000"/>
+                  </a:schemeClr>
+                </a:solidFill>
+                <a:highlight>
+                  <a:srgbClr val="000080"/>
+                </a:highlight>
+              </a:rPr>
+              <a:t>미적분학 </a:t>
+            </a:r>
+            <a:r>
+              <a:rPr lang="en-US" altLang="ko-KR" dirty="0">
+                <a:solidFill>
+                  <a:schemeClr val="accent4">
+                    <a:lumMod val="20000"/>
+                    <a:lumOff val="80000"/>
+                  </a:schemeClr>
+                </a:solidFill>
+                <a:highlight>
+                  <a:srgbClr val="000080"/>
+                </a:highlight>
+              </a:rPr>
+              <a:t>(Calculus)</a:t>
+            </a:r>
+          </a:p>
+          <a:p>
+            <a:endParaRPr lang="en-US" altLang="ko-KR" dirty="0"/>
+          </a:p>
+          <a:p>
+            <a:r>
+              <a:rPr lang="ko-KR" altLang="en-US" dirty="0"/>
+              <a:t>집합론 </a:t>
+            </a:r>
+            <a:r>
+              <a:rPr lang="en-US" altLang="ko-KR" dirty="0"/>
+              <a:t>(Set Theory)</a:t>
+            </a:r>
+          </a:p>
+          <a:p>
+            <a:r>
+              <a:rPr lang="ko-KR" altLang="en-US" dirty="0"/>
+              <a:t>그래프 이론 </a:t>
+            </a:r>
+            <a:r>
+              <a:rPr lang="en-US" altLang="ko-KR" dirty="0"/>
+              <a:t>(Graph Theory)</a:t>
+            </a:r>
+          </a:p>
+          <a:p>
+            <a:endParaRPr lang="ko-KR" altLang="en-US" dirty="0"/>
           </a:p>
         </p:txBody>
       </p:sp>
     </p:spTree>
     <p:extLst>
       <p:ext uri="{BB962C8B-B14F-4D97-AF65-F5344CB8AC3E}">
-        <p14:creationId xmlns:p14="http://schemas.microsoft.com/office/powerpoint/2010/main" val="2164627544"/>
+        <p14:creationId xmlns:p14="http://schemas.microsoft.com/office/powerpoint/2010/main" val="479645006"/>
       </p:ext>
     </p:extLst>
   </p:cSld>

--- a/AI_04_Neural Networks.pptx
+++ b/AI_04_Neural Networks.pptx
@@ -11,13 +11,16 @@
     <p:sldId id="285" r:id="rId5"/>
     <p:sldId id="281" r:id="rId6"/>
     <p:sldId id="273" r:id="rId7"/>
-    <p:sldId id="282" r:id="rId8"/>
-    <p:sldId id="321" r:id="rId9"/>
-    <p:sldId id="283" r:id="rId10"/>
-    <p:sldId id="329" r:id="rId11"/>
-    <p:sldId id="330" r:id="rId12"/>
-    <p:sldId id="274" r:id="rId13"/>
-    <p:sldId id="277" r:id="rId14"/>
+    <p:sldId id="357" r:id="rId8"/>
+    <p:sldId id="358" r:id="rId9"/>
+    <p:sldId id="360" r:id="rId10"/>
+    <p:sldId id="282" r:id="rId11"/>
+    <p:sldId id="321" r:id="rId12"/>
+    <p:sldId id="283" r:id="rId13"/>
+    <p:sldId id="329" r:id="rId14"/>
+    <p:sldId id="330" r:id="rId15"/>
+    <p:sldId id="274" r:id="rId16"/>
+    <p:sldId id="277" r:id="rId17"/>
   </p:sldIdLst>
   <p:sldSz cx="12192000" cy="6858000"/>
   <p:notesSz cx="6858000" cy="9144000"/>
@@ -271,7 +274,7 @@
           <a:p>
             <a:fld id="{540D3AE8-6E24-4761-B759-FAC073BBF59C}" type="datetimeFigureOut">
               <a:rPr lang="ko-KR" altLang="en-US" smtClean="0"/>
-              <a:t>2023-07-20</a:t>
+              <a:t>2023-07-23</a:t>
             </a:fld>
             <a:endParaRPr lang="ko-KR" altLang="en-US"/>
           </a:p>
@@ -469,7 +472,7 @@
           <a:p>
             <a:fld id="{540D3AE8-6E24-4761-B759-FAC073BBF59C}" type="datetimeFigureOut">
               <a:rPr lang="ko-KR" altLang="en-US" smtClean="0"/>
-              <a:t>2023-07-20</a:t>
+              <a:t>2023-07-23</a:t>
             </a:fld>
             <a:endParaRPr lang="ko-KR" altLang="en-US"/>
           </a:p>
@@ -677,7 +680,7 @@
           <a:p>
             <a:fld id="{540D3AE8-6E24-4761-B759-FAC073BBF59C}" type="datetimeFigureOut">
               <a:rPr lang="ko-KR" altLang="en-US" smtClean="0"/>
-              <a:t>2023-07-20</a:t>
+              <a:t>2023-07-23</a:t>
             </a:fld>
             <a:endParaRPr lang="ko-KR" altLang="en-US"/>
           </a:p>
@@ -875,7 +878,7 @@
           <a:p>
             <a:fld id="{540D3AE8-6E24-4761-B759-FAC073BBF59C}" type="datetimeFigureOut">
               <a:rPr lang="ko-KR" altLang="en-US" smtClean="0"/>
-              <a:t>2023-07-20</a:t>
+              <a:t>2023-07-23</a:t>
             </a:fld>
             <a:endParaRPr lang="ko-KR" altLang="en-US"/>
           </a:p>
@@ -1150,7 +1153,7 @@
           <a:p>
             <a:fld id="{540D3AE8-6E24-4761-B759-FAC073BBF59C}" type="datetimeFigureOut">
               <a:rPr lang="ko-KR" altLang="en-US" smtClean="0"/>
-              <a:t>2023-07-20</a:t>
+              <a:t>2023-07-23</a:t>
             </a:fld>
             <a:endParaRPr lang="ko-KR" altLang="en-US"/>
           </a:p>
@@ -1415,7 +1418,7 @@
           <a:p>
             <a:fld id="{540D3AE8-6E24-4761-B759-FAC073BBF59C}" type="datetimeFigureOut">
               <a:rPr lang="ko-KR" altLang="en-US" smtClean="0"/>
-              <a:t>2023-07-20</a:t>
+              <a:t>2023-07-23</a:t>
             </a:fld>
             <a:endParaRPr lang="ko-KR" altLang="en-US"/>
           </a:p>
@@ -1827,7 +1830,7 @@
           <a:p>
             <a:fld id="{540D3AE8-6E24-4761-B759-FAC073BBF59C}" type="datetimeFigureOut">
               <a:rPr lang="ko-KR" altLang="en-US" smtClean="0"/>
-              <a:t>2023-07-20</a:t>
+              <a:t>2023-07-23</a:t>
             </a:fld>
             <a:endParaRPr lang="ko-KR" altLang="en-US"/>
           </a:p>
@@ -1968,7 +1971,7 @@
           <a:p>
             <a:fld id="{540D3AE8-6E24-4761-B759-FAC073BBF59C}" type="datetimeFigureOut">
               <a:rPr lang="ko-KR" altLang="en-US" smtClean="0"/>
-              <a:t>2023-07-20</a:t>
+              <a:t>2023-07-23</a:t>
             </a:fld>
             <a:endParaRPr lang="ko-KR" altLang="en-US"/>
           </a:p>
@@ -2081,7 +2084,7 @@
           <a:p>
             <a:fld id="{540D3AE8-6E24-4761-B759-FAC073BBF59C}" type="datetimeFigureOut">
               <a:rPr lang="ko-KR" altLang="en-US" smtClean="0"/>
-              <a:t>2023-07-20</a:t>
+              <a:t>2023-07-23</a:t>
             </a:fld>
             <a:endParaRPr lang="ko-KR" altLang="en-US"/>
           </a:p>
@@ -2392,7 +2395,7 @@
           <a:p>
             <a:fld id="{540D3AE8-6E24-4761-B759-FAC073BBF59C}" type="datetimeFigureOut">
               <a:rPr lang="ko-KR" altLang="en-US" smtClean="0"/>
-              <a:t>2023-07-20</a:t>
+              <a:t>2023-07-23</a:t>
             </a:fld>
             <a:endParaRPr lang="ko-KR" altLang="en-US"/>
           </a:p>
@@ -2680,7 +2683,7 @@
           <a:p>
             <a:fld id="{540D3AE8-6E24-4761-B759-FAC073BBF59C}" type="datetimeFigureOut">
               <a:rPr lang="ko-KR" altLang="en-US" smtClean="0"/>
-              <a:t>2023-07-20</a:t>
+              <a:t>2023-07-23</a:t>
             </a:fld>
             <a:endParaRPr lang="ko-KR" altLang="en-US"/>
           </a:p>
@@ -2921,7 +2924,7 @@
           <a:p>
             <a:fld id="{540D3AE8-6E24-4761-B759-FAC073BBF59C}" type="datetimeFigureOut">
               <a:rPr lang="ko-KR" altLang="en-US" smtClean="0"/>
-              <a:t>2023-07-20</a:t>
+              <a:t>2023-07-23</a:t>
             </a:fld>
             <a:endParaRPr lang="ko-KR" altLang="en-US"/>
           </a:p>
@@ -4837,7 +4840,7 @@
           <p:cNvPr id="2" name="제목 1">
             <a:extLst>
               <a:ext uri="{FF2B5EF4-FFF2-40B4-BE49-F238E27FC236}">
-                <a16:creationId xmlns:a16="http://schemas.microsoft.com/office/drawing/2014/main" id="{FA6D4897-B445-4C2F-9398-DE91A83AF0D8}"/>
+                <a16:creationId xmlns:a16="http://schemas.microsoft.com/office/drawing/2014/main" id="{B3CE6899-8703-4368-8B63-F06365EB0A27}"/>
               </a:ext>
             </a:extLst>
           </p:cNvPr>
@@ -4854,22 +4857,19 @@
           <a:lstStyle/>
           <a:p>
             <a:r>
-              <a:rPr lang="en-US" altLang="ko-KR" b="1" dirty="0"/>
-              <a:t>Gradient Descent</a:t>
-            </a:r>
-            <a:br>
-              <a:rPr lang="en-US" altLang="ko-KR" b="1" dirty="0"/>
-            </a:br>
+              <a:rPr lang="en-US" altLang="ko-KR" dirty="0"/>
+              <a:t>Neural network</a:t>
+            </a:r>
             <a:endParaRPr lang="ko-KR" altLang="en-US" dirty="0"/>
           </a:p>
         </p:txBody>
       </p:sp>
       <p:pic>
         <p:nvPicPr>
-          <p:cNvPr id="13314" name="Picture 2" descr="Backpropagation">
-            <a:extLst>
-              <a:ext uri="{FF2B5EF4-FFF2-40B4-BE49-F238E27FC236}">
-                <a16:creationId xmlns:a16="http://schemas.microsoft.com/office/drawing/2014/main" id="{A861CC64-CE1F-4057-B054-23C6A950E222}"/>
+          <p:cNvPr id="4098" name="Picture 2" descr="perception">
+            <a:extLst>
+              <a:ext uri="{FF2B5EF4-FFF2-40B4-BE49-F238E27FC236}">
+                <a16:creationId xmlns:a16="http://schemas.microsoft.com/office/drawing/2014/main" id="{4B243009-9A27-4A47-BAD1-FEEC9E59D5E3}"/>
               </a:ext>
             </a:extLst>
           </p:cNvPr>
@@ -4895,8 +4895,8 @@
         </p:blipFill>
         <p:spPr bwMode="auto">
           <a:xfrm>
-            <a:off x="3233338" y="2567581"/>
-            <a:ext cx="5725324" cy="2867425"/>
+            <a:off x="2286000" y="1809525"/>
+            <a:ext cx="8549837" cy="4683350"/>
           </a:xfrm>
           <a:prstGeom prst="rect">
             <a:avLst/>
@@ -4915,10 +4915,10 @@
       </p:pic>
       <p:sp>
         <p:nvSpPr>
-          <p:cNvPr id="4" name="직사각형 3">
-            <a:extLst>
-              <a:ext uri="{FF2B5EF4-FFF2-40B4-BE49-F238E27FC236}">
-                <a16:creationId xmlns:a16="http://schemas.microsoft.com/office/drawing/2014/main" id="{12D6F691-7099-4B99-8A57-9E45D07F9F28}"/>
+          <p:cNvPr id="3" name="직사각형 2">
+            <a:extLst>
+              <a:ext uri="{FF2B5EF4-FFF2-40B4-BE49-F238E27FC236}">
+                <a16:creationId xmlns:a16="http://schemas.microsoft.com/office/drawing/2014/main" id="{65157697-6D67-4F00-B7B3-094F8AFF5F14}"/>
               </a:ext>
             </a:extLst>
           </p:cNvPr>
@@ -4927,34 +4927,53 @@
         </p:nvSpPr>
         <p:spPr>
           <a:xfrm>
-            <a:off x="5070719" y="3244334"/>
-            <a:ext cx="2050561" cy="369332"/>
+            <a:off x="7857259" y="684474"/>
+            <a:ext cx="4031673" cy="2092881"/>
           </a:xfrm>
           <a:prstGeom prst="rect">
             <a:avLst/>
           </a:prstGeom>
         </p:spPr>
         <p:txBody>
-          <a:bodyPr wrap="none">
+          <a:bodyPr wrap="square">
             <a:spAutoFit/>
           </a:bodyPr>
           <a:lstStyle/>
           <a:p>
-            <a:r>
-              <a:rPr lang="en-US" altLang="ko-KR" b="1" dirty="0">
+            <a:pPr>
+              <a:buFont typeface="+mj-lt"/>
+              <a:buAutoNum type="arabicPeriod"/>
+            </a:pPr>
+            <a:r>
+              <a:rPr lang="en-US" altLang="ko-KR" sz="1000" dirty="0">
                 <a:solidFill>
-                  <a:srgbClr val="222222"/>
+                  <a:srgbClr val="D1D5DB"/>
                 </a:solidFill>
-                <a:latin typeface="Lato"/>
+                <a:latin typeface="Söhne"/>
               </a:rPr>
-              <a:t>Gradient Descent</a:t>
-            </a:r>
-            <a:endParaRPr lang="en-US" altLang="ko-KR" b="1" i="0" dirty="0">
+              <a:t>Weights: Weights are numerical values assigned to the connections between neurons in different layers of a neural network. Each connection has an associated weight that determines the strength and significance of the signal it carries. During training, these weights are updated through a process called backpropagation, which adjusts them to minimize the difference between the predicted output and the actual output. The weights essentially define the network's ability to capture and represent patterns in the data.</a:t>
+            </a:r>
+          </a:p>
+          <a:p>
+            <a:pPr>
+              <a:buFont typeface="+mj-lt"/>
+              <a:buAutoNum type="arabicPeriod"/>
+            </a:pPr>
+            <a:r>
+              <a:rPr lang="en-US" altLang="ko-KR" sz="1000" dirty="0">
+                <a:solidFill>
+                  <a:srgbClr val="D1D5DB"/>
+                </a:solidFill>
+                <a:latin typeface="Söhne"/>
+              </a:rPr>
+              <a:t>Biases: Biases are additional learnable parameters in a neural network. They act as an offset, allowing the network to adjust the output of each neuron independently. Biases help the network to model more complex relationships in the data by introducing non-linearity. Similar to weights, biases are adjusted during training to improve the network's performance.</a:t>
+            </a:r>
+            <a:endParaRPr lang="en-US" altLang="ko-KR" sz="1000" b="0" i="0" dirty="0">
               <a:solidFill>
-                <a:srgbClr val="222222"/>
+                <a:srgbClr val="D1D5DB"/>
               </a:solidFill>
               <a:effectLst/>
-              <a:latin typeface="Lato"/>
+              <a:latin typeface="Söhne"/>
             </a:endParaRPr>
           </a:p>
         </p:txBody>
@@ -4962,7 +4981,7 @@
     </p:spTree>
     <p:extLst>
       <p:ext uri="{BB962C8B-B14F-4D97-AF65-F5344CB8AC3E}">
-        <p14:creationId xmlns:p14="http://schemas.microsoft.com/office/powerpoint/2010/main" val="2164627544"/>
+        <p14:creationId xmlns:p14="http://schemas.microsoft.com/office/powerpoint/2010/main" val="4073588520"/>
       </p:ext>
     </p:extLst>
   </p:cSld>
@@ -4989,86 +5008,12 @@
           <a:chExt cx="0" cy="0"/>
         </a:xfrm>
       </p:grpSpPr>
-      <p:sp>
-        <p:nvSpPr>
-          <p:cNvPr id="2" name="제목 1">
-            <a:extLst>
-              <a:ext uri="{FF2B5EF4-FFF2-40B4-BE49-F238E27FC236}">
-                <a16:creationId xmlns:a16="http://schemas.microsoft.com/office/drawing/2014/main" id="{FA6D4897-B445-4C2F-9398-DE91A83AF0D8}"/>
-              </a:ext>
-            </a:extLst>
-          </p:cNvPr>
-          <p:cNvSpPr>
-            <a:spLocks noGrp="1"/>
-          </p:cNvSpPr>
-          <p:nvPr>
-            <p:ph type="title"/>
-          </p:nvPr>
-        </p:nvSpPr>
-        <p:spPr/>
-        <p:txBody>
-          <a:bodyPr/>
-          <a:lstStyle/>
-          <a:p>
-            <a:br>
-              <a:rPr lang="en-US" altLang="ko-KR" b="1" dirty="0"/>
-            </a:br>
-            <a:endParaRPr lang="ko-KR" altLang="en-US" dirty="0"/>
-          </a:p>
-        </p:txBody>
-      </p:sp>
-      <p:sp>
-        <p:nvSpPr>
-          <p:cNvPr id="4" name="직사각형 3">
-            <a:extLst>
-              <a:ext uri="{FF2B5EF4-FFF2-40B4-BE49-F238E27FC236}">
-                <a16:creationId xmlns:a16="http://schemas.microsoft.com/office/drawing/2014/main" id="{12D6F691-7099-4B99-8A57-9E45D07F9F28}"/>
-              </a:ext>
-            </a:extLst>
-          </p:cNvPr>
-          <p:cNvSpPr/>
-          <p:nvPr/>
-        </p:nvSpPr>
-        <p:spPr>
-          <a:xfrm>
-            <a:off x="5070719" y="3244334"/>
-            <a:ext cx="2050561" cy="369332"/>
-          </a:xfrm>
-          <a:prstGeom prst="rect">
-            <a:avLst/>
-          </a:prstGeom>
-        </p:spPr>
-        <p:txBody>
-          <a:bodyPr wrap="none">
-            <a:spAutoFit/>
-          </a:bodyPr>
-          <a:lstStyle/>
-          <a:p>
-            <a:r>
-              <a:rPr lang="en-US" altLang="ko-KR" b="1" dirty="0">
-                <a:solidFill>
-                  <a:srgbClr val="222222"/>
-                </a:solidFill>
-                <a:latin typeface="Lato"/>
-              </a:rPr>
-              <a:t>Gradient Descent</a:t>
-            </a:r>
-            <a:endParaRPr lang="en-US" altLang="ko-KR" b="1" i="0" dirty="0">
-              <a:solidFill>
-                <a:srgbClr val="222222"/>
-              </a:solidFill>
-              <a:effectLst/>
-              <a:latin typeface="Lato"/>
-            </a:endParaRPr>
-          </a:p>
-        </p:txBody>
-      </p:sp>
       <p:pic>
         <p:nvPicPr>
-          <p:cNvPr id="14338" name="Picture 2" descr="Backpropagation">
-            <a:extLst>
-              <a:ext uri="{FF2B5EF4-FFF2-40B4-BE49-F238E27FC236}">
-                <a16:creationId xmlns:a16="http://schemas.microsoft.com/office/drawing/2014/main" id="{A39449A3-213A-44BC-AA79-ECDEF3E16596}"/>
+          <p:cNvPr id="9218" name="Picture 2">
+            <a:extLst>
+              <a:ext uri="{FF2B5EF4-FFF2-40B4-BE49-F238E27FC236}">
+                <a16:creationId xmlns:a16="http://schemas.microsoft.com/office/drawing/2014/main" id="{6C7E7C69-4230-4E95-B516-B2DB52324E7A}"/>
               </a:ext>
             </a:extLst>
           </p:cNvPr>
@@ -5092,8 +5037,8 @@
         </p:blipFill>
         <p:spPr bwMode="auto">
           <a:xfrm>
-            <a:off x="1887523" y="1344802"/>
-            <a:ext cx="9209102" cy="4560698"/>
+            <a:off x="3315715" y="4723893"/>
+            <a:ext cx="4810125" cy="2109948"/>
           </a:xfrm>
           <a:prstGeom prst="rect">
             <a:avLst/>
@@ -5112,38 +5057,149 @@
       </p:pic>
       <p:pic>
         <p:nvPicPr>
-          <p:cNvPr id="5" name="그림 4">
-            <a:extLst>
-              <a:ext uri="{FF2B5EF4-FFF2-40B4-BE49-F238E27FC236}">
-                <a16:creationId xmlns:a16="http://schemas.microsoft.com/office/drawing/2014/main" id="{C2BE607E-FCC1-41D1-98C6-FB99DB40CF03}"/>
+          <p:cNvPr id="9220" name="Picture 4">
+            <a:extLst>
+              <a:ext uri="{FF2B5EF4-FFF2-40B4-BE49-F238E27FC236}">
+                <a16:creationId xmlns:a16="http://schemas.microsoft.com/office/drawing/2014/main" id="{745E0047-0E3B-4BC1-AACB-0382DDD27377}"/>
               </a:ext>
             </a:extLst>
           </p:cNvPr>
           <p:cNvPicPr>
-            <a:picLocks noChangeAspect="1"/>
+            <a:picLocks noChangeAspect="1" noChangeArrowheads="1"/>
           </p:cNvPicPr>
           <p:nvPr/>
         </p:nvPicPr>
         <p:blipFill>
-          <a:blip r:embed="rId3"/>
+          <a:blip r:embed="rId3">
+            <a:extLst>
+              <a:ext uri="{28A0092B-C50C-407E-A947-70E740481C1C}">
+                <a14:useLocalDpi xmlns:a14="http://schemas.microsoft.com/office/drawing/2010/main" val="0"/>
+              </a:ext>
+            </a:extLst>
+          </a:blip>
+          <a:srcRect/>
           <a:stretch>
             <a:fillRect/>
           </a:stretch>
         </p:blipFill>
-        <p:spPr>
-          <a:xfrm>
-            <a:off x="0" y="153186"/>
-            <a:ext cx="3790950" cy="1933575"/>
+        <p:spPr bwMode="auto">
+          <a:xfrm>
+            <a:off x="2762250" y="3078932"/>
+            <a:ext cx="6667500" cy="1972343"/>
           </a:xfrm>
           <a:prstGeom prst="rect">
             <a:avLst/>
           </a:prstGeom>
+          <a:noFill/>
+          <a:extLst>
+            <a:ext uri="{909E8E84-426E-40DD-AFC4-6F175D3DCCD1}">
+              <a14:hiddenFill xmlns:a14="http://schemas.microsoft.com/office/drawing/2010/main">
+                <a:solidFill>
+                  <a:srgbClr val="FFFFFF"/>
+                </a:solidFill>
+              </a14:hiddenFill>
+            </a:ext>
+          </a:extLst>
+        </p:spPr>
+      </p:pic>
+      <p:pic>
+        <p:nvPicPr>
+          <p:cNvPr id="6" name="Picture 2" descr="perception">
+            <a:extLst>
+              <a:ext uri="{FF2B5EF4-FFF2-40B4-BE49-F238E27FC236}">
+                <a16:creationId xmlns:a16="http://schemas.microsoft.com/office/drawing/2014/main" id="{09FDE72C-BF75-4A09-A344-42714F04CD6C}"/>
+              </a:ext>
+            </a:extLst>
+          </p:cNvPr>
+          <p:cNvPicPr>
+            <a:picLocks noChangeAspect="1" noChangeArrowheads="1"/>
+          </p:cNvPicPr>
+          <p:nvPr/>
+        </p:nvPicPr>
+        <p:blipFill>
+          <a:blip r:embed="rId4">
+            <a:extLst>
+              <a:ext uri="{28A0092B-C50C-407E-A947-70E740481C1C}">
+                <a14:useLocalDpi xmlns:a14="http://schemas.microsoft.com/office/drawing/2010/main" val="0"/>
+              </a:ext>
+            </a:extLst>
+          </a:blip>
+          <a:srcRect/>
+          <a:stretch>
+            <a:fillRect/>
+          </a:stretch>
+        </p:blipFill>
+        <p:spPr bwMode="auto">
+          <a:xfrm>
+            <a:off x="-117952" y="101134"/>
+            <a:ext cx="4504449" cy="2467405"/>
+          </a:xfrm>
+          <a:prstGeom prst="rect">
+            <a:avLst/>
+          </a:prstGeom>
+          <a:noFill/>
+          <a:extLst>
+            <a:ext uri="{909E8E84-426E-40DD-AFC4-6F175D3DCCD1}">
+              <a14:hiddenFill xmlns:a14="http://schemas.microsoft.com/office/drawing/2010/main">
+                <a:solidFill>
+                  <a:srgbClr val="FFFFFF"/>
+                </a:solidFill>
+              </a14:hiddenFill>
+            </a:ext>
+          </a:extLst>
+        </p:spPr>
+      </p:pic>
+      <p:pic>
+        <p:nvPicPr>
+          <p:cNvPr id="9222" name="Picture 6">
+            <a:extLst>
+              <a:ext uri="{FF2B5EF4-FFF2-40B4-BE49-F238E27FC236}">
+                <a16:creationId xmlns:a16="http://schemas.microsoft.com/office/drawing/2014/main" id="{A7CB8965-0C52-4E59-9886-369FD7B9D8DE}"/>
+              </a:ext>
+            </a:extLst>
+          </p:cNvPr>
+          <p:cNvPicPr>
+            <a:picLocks noChangeAspect="1" noChangeArrowheads="1"/>
+          </p:cNvPicPr>
+          <p:nvPr/>
+        </p:nvPicPr>
+        <p:blipFill>
+          <a:blip r:embed="rId5">
+            <a:extLst>
+              <a:ext uri="{28A0092B-C50C-407E-A947-70E740481C1C}">
+                <a14:useLocalDpi xmlns:a14="http://schemas.microsoft.com/office/drawing/2010/main" val="0"/>
+              </a:ext>
+            </a:extLst>
+          </a:blip>
+          <a:srcRect/>
+          <a:stretch>
+            <a:fillRect/>
+          </a:stretch>
+        </p:blipFill>
+        <p:spPr bwMode="auto">
+          <a:xfrm>
+            <a:off x="6634537" y="212330"/>
+            <a:ext cx="5334000" cy="2676525"/>
+          </a:xfrm>
+          <a:prstGeom prst="rect">
+            <a:avLst/>
+          </a:prstGeom>
+          <a:noFill/>
+          <a:extLst>
+            <a:ext uri="{909E8E84-426E-40DD-AFC4-6F175D3DCCD1}">
+              <a14:hiddenFill xmlns:a14="http://schemas.microsoft.com/office/drawing/2010/main">
+                <a:solidFill>
+                  <a:srgbClr val="FFFFFF"/>
+                </a:solidFill>
+              </a14:hiddenFill>
+            </a:ext>
+          </a:extLst>
         </p:spPr>
       </p:pic>
     </p:spTree>
     <p:extLst>
       <p:ext uri="{BB962C8B-B14F-4D97-AF65-F5344CB8AC3E}">
-        <p14:creationId xmlns:p14="http://schemas.microsoft.com/office/powerpoint/2010/main" val="929778220"/>
+        <p14:creationId xmlns:p14="http://schemas.microsoft.com/office/powerpoint/2010/main" val="948625956"/>
       </p:ext>
     </p:extLst>
   </p:cSld>
@@ -5170,6 +5226,581 @@
           <a:chExt cx="0" cy="0"/>
         </a:xfrm>
       </p:grpSpPr>
+      <p:sp>
+        <p:nvSpPr>
+          <p:cNvPr id="2" name="제목 1">
+            <a:extLst>
+              <a:ext uri="{FF2B5EF4-FFF2-40B4-BE49-F238E27FC236}">
+                <a16:creationId xmlns:a16="http://schemas.microsoft.com/office/drawing/2014/main" id="{FA2E27F0-CC42-439C-9938-C80AAC1D7351}"/>
+              </a:ext>
+            </a:extLst>
+          </p:cNvPr>
+          <p:cNvSpPr>
+            <a:spLocks noGrp="1"/>
+          </p:cNvSpPr>
+          <p:nvPr>
+            <p:ph type="title"/>
+          </p:nvPr>
+        </p:nvSpPr>
+        <p:spPr/>
+        <p:txBody>
+          <a:bodyPr>
+            <a:normAutofit/>
+          </a:bodyPr>
+          <a:lstStyle/>
+          <a:p>
+            <a:r>
+              <a:rPr lang="en-US" altLang="ko-KR" dirty="0"/>
+              <a:t>Mathematical logics of neural networks:</a:t>
+            </a:r>
+            <a:br>
+              <a:rPr lang="en-US" altLang="ko-KR" dirty="0"/>
+            </a:br>
+            <a:endParaRPr lang="ko-KR" altLang="en-US" dirty="0"/>
+          </a:p>
+        </p:txBody>
+      </p:sp>
+      <p:sp>
+        <p:nvSpPr>
+          <p:cNvPr id="3" name="내용 개체 틀 2">
+            <a:extLst>
+              <a:ext uri="{FF2B5EF4-FFF2-40B4-BE49-F238E27FC236}">
+                <a16:creationId xmlns:a16="http://schemas.microsoft.com/office/drawing/2014/main" id="{D6987995-501D-4050-BCED-CAA0514D8AE1}"/>
+              </a:ext>
+            </a:extLst>
+          </p:cNvPr>
+          <p:cNvSpPr>
+            <a:spLocks noGrp="1"/>
+          </p:cNvSpPr>
+          <p:nvPr>
+            <p:ph idx="1"/>
+          </p:nvPr>
+        </p:nvSpPr>
+        <p:spPr/>
+        <p:txBody>
+          <a:bodyPr>
+            <a:normAutofit fontScale="92500" lnSpcReduction="20000"/>
+          </a:bodyPr>
+          <a:lstStyle/>
+          <a:p>
+            <a:r>
+              <a:rPr lang="ko-KR" altLang="en-US" dirty="0"/>
+              <a:t>명제 논리 </a:t>
+            </a:r>
+            <a:r>
+              <a:rPr lang="en-US" altLang="ko-KR" dirty="0"/>
+              <a:t>(Propositional Logic)</a:t>
+            </a:r>
+          </a:p>
+          <a:p>
+            <a:r>
+              <a:rPr lang="ko-KR" altLang="en-US" dirty="0"/>
+              <a:t>서술 논리 </a:t>
+            </a:r>
+            <a:r>
+              <a:rPr lang="en-US" altLang="ko-KR" dirty="0"/>
+              <a:t>(Predicate Logic)</a:t>
+            </a:r>
+          </a:p>
+          <a:p>
+            <a:r>
+              <a:rPr lang="ko-KR" altLang="en-US" dirty="0"/>
+              <a:t>퍼지 논리 </a:t>
+            </a:r>
+            <a:r>
+              <a:rPr lang="en-US" altLang="ko-KR" dirty="0"/>
+              <a:t>(Fuzzy Logic)</a:t>
+            </a:r>
+          </a:p>
+          <a:p>
+            <a:endParaRPr lang="en-US" altLang="ko-KR" dirty="0"/>
+          </a:p>
+          <a:p>
+            <a:r>
+              <a:rPr lang="ko-KR" altLang="en-US" dirty="0">
+                <a:solidFill>
+                  <a:schemeClr val="accent4">
+                    <a:lumMod val="20000"/>
+                    <a:lumOff val="80000"/>
+                  </a:schemeClr>
+                </a:solidFill>
+                <a:highlight>
+                  <a:srgbClr val="000080"/>
+                </a:highlight>
+              </a:rPr>
+              <a:t>확률 논리 </a:t>
+            </a:r>
+            <a:r>
+              <a:rPr lang="en-US" altLang="ko-KR" dirty="0">
+                <a:solidFill>
+                  <a:schemeClr val="accent4">
+                    <a:lumMod val="20000"/>
+                    <a:lumOff val="80000"/>
+                  </a:schemeClr>
+                </a:solidFill>
+                <a:highlight>
+                  <a:srgbClr val="000080"/>
+                </a:highlight>
+              </a:rPr>
+              <a:t>(Probabilistic Logic)</a:t>
+            </a:r>
+          </a:p>
+          <a:p>
+            <a:r>
+              <a:rPr lang="ko-KR" altLang="en-US" dirty="0">
+                <a:solidFill>
+                  <a:schemeClr val="accent4">
+                    <a:lumMod val="20000"/>
+                    <a:lumOff val="80000"/>
+                  </a:schemeClr>
+                </a:solidFill>
+                <a:highlight>
+                  <a:srgbClr val="000080"/>
+                </a:highlight>
+              </a:rPr>
+              <a:t>선형 대수 </a:t>
+            </a:r>
+            <a:r>
+              <a:rPr lang="en-US" altLang="ko-KR" dirty="0">
+                <a:solidFill>
+                  <a:schemeClr val="accent4">
+                    <a:lumMod val="20000"/>
+                    <a:lumOff val="80000"/>
+                  </a:schemeClr>
+                </a:solidFill>
+                <a:highlight>
+                  <a:srgbClr val="000080"/>
+                </a:highlight>
+              </a:rPr>
+              <a:t>(Linear Algebra)</a:t>
+            </a:r>
+          </a:p>
+          <a:p>
+            <a:r>
+              <a:rPr lang="ko-KR" altLang="en-US" dirty="0">
+                <a:solidFill>
+                  <a:schemeClr val="accent4">
+                    <a:lumMod val="20000"/>
+                    <a:lumOff val="80000"/>
+                  </a:schemeClr>
+                </a:solidFill>
+                <a:highlight>
+                  <a:srgbClr val="000080"/>
+                </a:highlight>
+              </a:rPr>
+              <a:t>미적분학 </a:t>
+            </a:r>
+            <a:r>
+              <a:rPr lang="en-US" altLang="ko-KR" dirty="0">
+                <a:solidFill>
+                  <a:schemeClr val="accent4">
+                    <a:lumMod val="20000"/>
+                    <a:lumOff val="80000"/>
+                  </a:schemeClr>
+                </a:solidFill>
+                <a:highlight>
+                  <a:srgbClr val="000080"/>
+                </a:highlight>
+              </a:rPr>
+              <a:t>(Calculus)</a:t>
+            </a:r>
+          </a:p>
+          <a:p>
+            <a:endParaRPr lang="en-US" altLang="ko-KR" dirty="0"/>
+          </a:p>
+          <a:p>
+            <a:r>
+              <a:rPr lang="ko-KR" altLang="en-US" dirty="0"/>
+              <a:t>집합론 </a:t>
+            </a:r>
+            <a:r>
+              <a:rPr lang="en-US" altLang="ko-KR" dirty="0"/>
+              <a:t>(Set Theory)</a:t>
+            </a:r>
+          </a:p>
+          <a:p>
+            <a:r>
+              <a:rPr lang="ko-KR" altLang="en-US" dirty="0"/>
+              <a:t>그래프 이론 </a:t>
+            </a:r>
+            <a:r>
+              <a:rPr lang="en-US" altLang="ko-KR" dirty="0"/>
+              <a:t>(Graph Theory)</a:t>
+            </a:r>
+          </a:p>
+          <a:p>
+            <a:endParaRPr lang="ko-KR" altLang="en-US" dirty="0"/>
+          </a:p>
+        </p:txBody>
+      </p:sp>
+    </p:spTree>
+    <p:extLst>
+      <p:ext uri="{BB962C8B-B14F-4D97-AF65-F5344CB8AC3E}">
+        <p14:creationId xmlns:p14="http://schemas.microsoft.com/office/powerpoint/2010/main" val="479645006"/>
+      </p:ext>
+    </p:extLst>
+  </p:cSld>
+  <p:clrMapOvr>
+    <a:masterClrMapping/>
+  </p:clrMapOvr>
+</p:sld>
+</file>
+
+<file path=ppt/slides/slide13.xml><?xml version="1.0" encoding="utf-8"?>
+<p:sld xmlns:a="http://schemas.openxmlformats.org/drawingml/2006/main" xmlns:r="http://schemas.openxmlformats.org/officeDocument/2006/relationships" xmlns:p="http://schemas.openxmlformats.org/presentationml/2006/main">
+  <p:cSld>
+    <p:spTree>
+      <p:nvGrpSpPr>
+        <p:cNvPr id="1" name=""/>
+        <p:cNvGrpSpPr/>
+        <p:nvPr/>
+      </p:nvGrpSpPr>
+      <p:grpSpPr>
+        <a:xfrm>
+          <a:off x="0" y="0"/>
+          <a:ext cx="0" cy="0"/>
+          <a:chOff x="0" y="0"/>
+          <a:chExt cx="0" cy="0"/>
+        </a:xfrm>
+      </p:grpSpPr>
+      <p:sp>
+        <p:nvSpPr>
+          <p:cNvPr id="2" name="제목 1">
+            <a:extLst>
+              <a:ext uri="{FF2B5EF4-FFF2-40B4-BE49-F238E27FC236}">
+                <a16:creationId xmlns:a16="http://schemas.microsoft.com/office/drawing/2014/main" id="{FA6D4897-B445-4C2F-9398-DE91A83AF0D8}"/>
+              </a:ext>
+            </a:extLst>
+          </p:cNvPr>
+          <p:cNvSpPr>
+            <a:spLocks noGrp="1"/>
+          </p:cNvSpPr>
+          <p:nvPr>
+            <p:ph type="title"/>
+          </p:nvPr>
+        </p:nvSpPr>
+        <p:spPr/>
+        <p:txBody>
+          <a:bodyPr/>
+          <a:lstStyle/>
+          <a:p>
+            <a:r>
+              <a:rPr lang="en-US" altLang="ko-KR" b="1" dirty="0"/>
+              <a:t>Gradient Descent</a:t>
+            </a:r>
+            <a:br>
+              <a:rPr lang="en-US" altLang="ko-KR" b="1" dirty="0"/>
+            </a:br>
+            <a:endParaRPr lang="ko-KR" altLang="en-US" dirty="0"/>
+          </a:p>
+        </p:txBody>
+      </p:sp>
+      <p:pic>
+        <p:nvPicPr>
+          <p:cNvPr id="13314" name="Picture 2" descr="Backpropagation">
+            <a:extLst>
+              <a:ext uri="{FF2B5EF4-FFF2-40B4-BE49-F238E27FC236}">
+                <a16:creationId xmlns:a16="http://schemas.microsoft.com/office/drawing/2014/main" id="{A861CC64-CE1F-4057-B054-23C6A950E222}"/>
+              </a:ext>
+            </a:extLst>
+          </p:cNvPr>
+          <p:cNvPicPr>
+            <a:picLocks noGrp="1" noChangeAspect="1" noChangeArrowheads="1"/>
+          </p:cNvPicPr>
+          <p:nvPr>
+            <p:ph idx="1"/>
+          </p:nvPr>
+        </p:nvPicPr>
+        <p:blipFill>
+          <a:blip r:embed="rId2">
+            <a:extLst>
+              <a:ext uri="{28A0092B-C50C-407E-A947-70E740481C1C}">
+                <a14:useLocalDpi xmlns:a14="http://schemas.microsoft.com/office/drawing/2010/main" val="0"/>
+              </a:ext>
+            </a:extLst>
+          </a:blip>
+          <a:srcRect/>
+          <a:stretch>
+            <a:fillRect/>
+          </a:stretch>
+        </p:blipFill>
+        <p:spPr bwMode="auto">
+          <a:xfrm>
+            <a:off x="3233338" y="2567581"/>
+            <a:ext cx="5725324" cy="2867425"/>
+          </a:xfrm>
+          <a:prstGeom prst="rect">
+            <a:avLst/>
+          </a:prstGeom>
+          <a:noFill/>
+          <a:extLst>
+            <a:ext uri="{909E8E84-426E-40DD-AFC4-6F175D3DCCD1}">
+              <a14:hiddenFill xmlns:a14="http://schemas.microsoft.com/office/drawing/2010/main">
+                <a:solidFill>
+                  <a:srgbClr val="FFFFFF"/>
+                </a:solidFill>
+              </a14:hiddenFill>
+            </a:ext>
+          </a:extLst>
+        </p:spPr>
+      </p:pic>
+      <p:sp>
+        <p:nvSpPr>
+          <p:cNvPr id="4" name="직사각형 3">
+            <a:extLst>
+              <a:ext uri="{FF2B5EF4-FFF2-40B4-BE49-F238E27FC236}">
+                <a16:creationId xmlns:a16="http://schemas.microsoft.com/office/drawing/2014/main" id="{12D6F691-7099-4B99-8A57-9E45D07F9F28}"/>
+              </a:ext>
+            </a:extLst>
+          </p:cNvPr>
+          <p:cNvSpPr/>
+          <p:nvPr/>
+        </p:nvSpPr>
+        <p:spPr>
+          <a:xfrm>
+            <a:off x="5070719" y="3244334"/>
+            <a:ext cx="2050561" cy="369332"/>
+          </a:xfrm>
+          <a:prstGeom prst="rect">
+            <a:avLst/>
+          </a:prstGeom>
+        </p:spPr>
+        <p:txBody>
+          <a:bodyPr wrap="none">
+            <a:spAutoFit/>
+          </a:bodyPr>
+          <a:lstStyle/>
+          <a:p>
+            <a:r>
+              <a:rPr lang="en-US" altLang="ko-KR" b="1" dirty="0">
+                <a:solidFill>
+                  <a:srgbClr val="222222"/>
+                </a:solidFill>
+                <a:latin typeface="Lato"/>
+              </a:rPr>
+              <a:t>Gradient Descent</a:t>
+            </a:r>
+            <a:endParaRPr lang="en-US" altLang="ko-KR" b="1" i="0" dirty="0">
+              <a:solidFill>
+                <a:srgbClr val="222222"/>
+              </a:solidFill>
+              <a:effectLst/>
+              <a:latin typeface="Lato"/>
+            </a:endParaRPr>
+          </a:p>
+        </p:txBody>
+      </p:sp>
+    </p:spTree>
+    <p:extLst>
+      <p:ext uri="{BB962C8B-B14F-4D97-AF65-F5344CB8AC3E}">
+        <p14:creationId xmlns:p14="http://schemas.microsoft.com/office/powerpoint/2010/main" val="2164627544"/>
+      </p:ext>
+    </p:extLst>
+  </p:cSld>
+  <p:clrMapOvr>
+    <a:masterClrMapping/>
+  </p:clrMapOvr>
+</p:sld>
+</file>
+
+<file path=ppt/slides/slide14.xml><?xml version="1.0" encoding="utf-8"?>
+<p:sld xmlns:a="http://schemas.openxmlformats.org/drawingml/2006/main" xmlns:r="http://schemas.openxmlformats.org/officeDocument/2006/relationships" xmlns:p="http://schemas.openxmlformats.org/presentationml/2006/main">
+  <p:cSld>
+    <p:spTree>
+      <p:nvGrpSpPr>
+        <p:cNvPr id="1" name=""/>
+        <p:cNvGrpSpPr/>
+        <p:nvPr/>
+      </p:nvGrpSpPr>
+      <p:grpSpPr>
+        <a:xfrm>
+          <a:off x="0" y="0"/>
+          <a:ext cx="0" cy="0"/>
+          <a:chOff x="0" y="0"/>
+          <a:chExt cx="0" cy="0"/>
+        </a:xfrm>
+      </p:grpSpPr>
+      <p:sp>
+        <p:nvSpPr>
+          <p:cNvPr id="2" name="제목 1">
+            <a:extLst>
+              <a:ext uri="{FF2B5EF4-FFF2-40B4-BE49-F238E27FC236}">
+                <a16:creationId xmlns:a16="http://schemas.microsoft.com/office/drawing/2014/main" id="{FA6D4897-B445-4C2F-9398-DE91A83AF0D8}"/>
+              </a:ext>
+            </a:extLst>
+          </p:cNvPr>
+          <p:cNvSpPr>
+            <a:spLocks noGrp="1"/>
+          </p:cNvSpPr>
+          <p:nvPr>
+            <p:ph type="title"/>
+          </p:nvPr>
+        </p:nvSpPr>
+        <p:spPr/>
+        <p:txBody>
+          <a:bodyPr/>
+          <a:lstStyle/>
+          <a:p>
+            <a:br>
+              <a:rPr lang="en-US" altLang="ko-KR" b="1" dirty="0"/>
+            </a:br>
+            <a:endParaRPr lang="ko-KR" altLang="en-US" dirty="0"/>
+          </a:p>
+        </p:txBody>
+      </p:sp>
+      <p:sp>
+        <p:nvSpPr>
+          <p:cNvPr id="4" name="직사각형 3">
+            <a:extLst>
+              <a:ext uri="{FF2B5EF4-FFF2-40B4-BE49-F238E27FC236}">
+                <a16:creationId xmlns:a16="http://schemas.microsoft.com/office/drawing/2014/main" id="{12D6F691-7099-4B99-8A57-9E45D07F9F28}"/>
+              </a:ext>
+            </a:extLst>
+          </p:cNvPr>
+          <p:cNvSpPr/>
+          <p:nvPr/>
+        </p:nvSpPr>
+        <p:spPr>
+          <a:xfrm>
+            <a:off x="5070719" y="3244334"/>
+            <a:ext cx="2050561" cy="369332"/>
+          </a:xfrm>
+          <a:prstGeom prst="rect">
+            <a:avLst/>
+          </a:prstGeom>
+        </p:spPr>
+        <p:txBody>
+          <a:bodyPr wrap="none">
+            <a:spAutoFit/>
+          </a:bodyPr>
+          <a:lstStyle/>
+          <a:p>
+            <a:r>
+              <a:rPr lang="en-US" altLang="ko-KR" b="1" dirty="0">
+                <a:solidFill>
+                  <a:srgbClr val="222222"/>
+                </a:solidFill>
+                <a:latin typeface="Lato"/>
+              </a:rPr>
+              <a:t>Gradient Descent</a:t>
+            </a:r>
+            <a:endParaRPr lang="en-US" altLang="ko-KR" b="1" i="0" dirty="0">
+              <a:solidFill>
+                <a:srgbClr val="222222"/>
+              </a:solidFill>
+              <a:effectLst/>
+              <a:latin typeface="Lato"/>
+            </a:endParaRPr>
+          </a:p>
+        </p:txBody>
+      </p:sp>
+      <p:pic>
+        <p:nvPicPr>
+          <p:cNvPr id="14338" name="Picture 2" descr="Backpropagation">
+            <a:extLst>
+              <a:ext uri="{FF2B5EF4-FFF2-40B4-BE49-F238E27FC236}">
+                <a16:creationId xmlns:a16="http://schemas.microsoft.com/office/drawing/2014/main" id="{A39449A3-213A-44BC-AA79-ECDEF3E16596}"/>
+              </a:ext>
+            </a:extLst>
+          </p:cNvPr>
+          <p:cNvPicPr>
+            <a:picLocks noChangeAspect="1" noChangeArrowheads="1"/>
+          </p:cNvPicPr>
+          <p:nvPr/>
+        </p:nvPicPr>
+        <p:blipFill>
+          <a:blip r:embed="rId2">
+            <a:extLst>
+              <a:ext uri="{28A0092B-C50C-407E-A947-70E740481C1C}">
+                <a14:useLocalDpi xmlns:a14="http://schemas.microsoft.com/office/drawing/2010/main" val="0"/>
+              </a:ext>
+            </a:extLst>
+          </a:blip>
+          <a:srcRect/>
+          <a:stretch>
+            <a:fillRect/>
+          </a:stretch>
+        </p:blipFill>
+        <p:spPr bwMode="auto">
+          <a:xfrm>
+            <a:off x="1887523" y="1344802"/>
+            <a:ext cx="9209102" cy="4560698"/>
+          </a:xfrm>
+          <a:prstGeom prst="rect">
+            <a:avLst/>
+          </a:prstGeom>
+          <a:noFill/>
+          <a:extLst>
+            <a:ext uri="{909E8E84-426E-40DD-AFC4-6F175D3DCCD1}">
+              <a14:hiddenFill xmlns:a14="http://schemas.microsoft.com/office/drawing/2010/main">
+                <a:solidFill>
+                  <a:srgbClr val="FFFFFF"/>
+                </a:solidFill>
+              </a14:hiddenFill>
+            </a:ext>
+          </a:extLst>
+        </p:spPr>
+      </p:pic>
+      <p:pic>
+        <p:nvPicPr>
+          <p:cNvPr id="5" name="그림 4">
+            <a:extLst>
+              <a:ext uri="{FF2B5EF4-FFF2-40B4-BE49-F238E27FC236}">
+                <a16:creationId xmlns:a16="http://schemas.microsoft.com/office/drawing/2014/main" id="{C2BE607E-FCC1-41D1-98C6-FB99DB40CF03}"/>
+              </a:ext>
+            </a:extLst>
+          </p:cNvPr>
+          <p:cNvPicPr>
+            <a:picLocks noChangeAspect="1"/>
+          </p:cNvPicPr>
+          <p:nvPr/>
+        </p:nvPicPr>
+        <p:blipFill>
+          <a:blip r:embed="rId3"/>
+          <a:stretch>
+            <a:fillRect/>
+          </a:stretch>
+        </p:blipFill>
+        <p:spPr>
+          <a:xfrm>
+            <a:off x="0" y="153186"/>
+            <a:ext cx="3790950" cy="1933575"/>
+          </a:xfrm>
+          <a:prstGeom prst="rect">
+            <a:avLst/>
+          </a:prstGeom>
+        </p:spPr>
+      </p:pic>
+    </p:spTree>
+    <p:extLst>
+      <p:ext uri="{BB962C8B-B14F-4D97-AF65-F5344CB8AC3E}">
+        <p14:creationId xmlns:p14="http://schemas.microsoft.com/office/powerpoint/2010/main" val="929778220"/>
+      </p:ext>
+    </p:extLst>
+  </p:cSld>
+  <p:clrMapOvr>
+    <a:masterClrMapping/>
+  </p:clrMapOvr>
+</p:sld>
+</file>
+
+<file path=ppt/slides/slide15.xml><?xml version="1.0" encoding="utf-8"?>
+<p:sld xmlns:a="http://schemas.openxmlformats.org/drawingml/2006/main" xmlns:r="http://schemas.openxmlformats.org/officeDocument/2006/relationships" xmlns:p="http://schemas.openxmlformats.org/presentationml/2006/main">
+  <p:cSld>
+    <p:spTree>
+      <p:nvGrpSpPr>
+        <p:cNvPr id="1" name=""/>
+        <p:cNvGrpSpPr/>
+        <p:nvPr/>
+      </p:nvGrpSpPr>
+      <p:grpSpPr>
+        <a:xfrm>
+          <a:off x="0" y="0"/>
+          <a:ext cx="0" cy="0"/>
+          <a:chOff x="0" y="0"/>
+          <a:chExt cx="0" cy="0"/>
+        </a:xfrm>
+      </p:grpSpPr>
       <p:pic>
         <p:nvPicPr>
           <p:cNvPr id="12289" name="Picture 1" descr="The mostly complete chart of Neural Networks, explained | by Andrew Tch |  Towards Data Science">
@@ -5232,7 +5863,7 @@
 </p:sld>
 </file>
 
-<file path=ppt/slides/slide13.xml><?xml version="1.0" encoding="utf-8"?>
+<file path=ppt/slides/slide16.xml><?xml version="1.0" encoding="utf-8"?>
 <p:sld xmlns:a="http://schemas.openxmlformats.org/drawingml/2006/main" xmlns:r="http://schemas.openxmlformats.org/officeDocument/2006/relationships" xmlns:p="http://schemas.openxmlformats.org/presentationml/2006/main">
   <p:cSld>
     <p:spTree>
@@ -5834,7 +6465,7 @@
           <p:cNvPr id="2" name="제목 1">
             <a:extLst>
               <a:ext uri="{FF2B5EF4-FFF2-40B4-BE49-F238E27FC236}">
-                <a16:creationId xmlns:a16="http://schemas.microsoft.com/office/drawing/2014/main" id="{B3CE6899-8703-4368-8B63-F06365EB0A27}"/>
+                <a16:creationId xmlns:a16="http://schemas.microsoft.com/office/drawing/2014/main" id="{65CF4687-94D4-4237-BA78-B29CE07BD944}"/>
               </a:ext>
             </a:extLst>
           </p:cNvPr>
@@ -5847,135 +6478,56 @@
         </p:nvSpPr>
         <p:spPr/>
         <p:txBody>
-          <a:bodyPr/>
-          <a:lstStyle/>
-          <a:p>
-            <a:r>
-              <a:rPr lang="en-US" altLang="ko-KR" dirty="0"/>
-              <a:t>Neural network</a:t>
-            </a:r>
-            <a:endParaRPr lang="ko-KR" altLang="en-US" dirty="0"/>
+          <a:bodyPr>
+            <a:normAutofit/>
+          </a:bodyPr>
+          <a:lstStyle/>
+          <a:p>
+            <a:pPr algn="ctr"/>
+            <a:r>
+              <a:rPr lang="en-US" altLang="ko-KR" sz="1800" dirty="0"/>
+              <a:t>The calculation of the convolutional layer</a:t>
+            </a:r>
+            <a:endParaRPr lang="ko-KR" altLang="en-US" sz="1800" dirty="0"/>
           </a:p>
         </p:txBody>
       </p:sp>
       <p:pic>
         <p:nvPicPr>
-          <p:cNvPr id="4098" name="Picture 2" descr="perception">
-            <a:extLst>
-              <a:ext uri="{FF2B5EF4-FFF2-40B4-BE49-F238E27FC236}">
-                <a16:creationId xmlns:a16="http://schemas.microsoft.com/office/drawing/2014/main" id="{4B243009-9A27-4A47-BAD1-FEEC9E59D5E3}"/>
+          <p:cNvPr id="4" name="내용 개체 틀 3">
+            <a:extLst>
+              <a:ext uri="{FF2B5EF4-FFF2-40B4-BE49-F238E27FC236}">
+                <a16:creationId xmlns:a16="http://schemas.microsoft.com/office/drawing/2014/main" id="{9DC7B49C-8F8F-4C38-A8DE-C746A20B6543}"/>
               </a:ext>
             </a:extLst>
           </p:cNvPr>
           <p:cNvPicPr>
-            <a:picLocks noGrp="1" noChangeAspect="1" noChangeArrowheads="1"/>
+            <a:picLocks noGrp="1" noChangeAspect="1"/>
           </p:cNvPicPr>
           <p:nvPr>
             <p:ph idx="1"/>
           </p:nvPr>
         </p:nvPicPr>
         <p:blipFill>
-          <a:blip r:embed="rId2">
-            <a:extLst>
-              <a:ext uri="{28A0092B-C50C-407E-A947-70E740481C1C}">
-                <a14:useLocalDpi xmlns:a14="http://schemas.microsoft.com/office/drawing/2010/main" val="0"/>
-              </a:ext>
-            </a:extLst>
-          </a:blip>
-          <a:srcRect/>
+          <a:blip r:embed="rId2"/>
           <a:stretch>
             <a:fillRect/>
           </a:stretch>
         </p:blipFill>
-        <p:spPr bwMode="auto">
-          <a:xfrm>
-            <a:off x="2286000" y="1809525"/>
-            <a:ext cx="8549837" cy="4683350"/>
+        <p:spPr>
+          <a:xfrm>
+            <a:off x="2642532" y="2408486"/>
+            <a:ext cx="6653344" cy="2685255"/>
           </a:xfrm>
           <a:prstGeom prst="rect">
             <a:avLst/>
           </a:prstGeom>
-          <a:noFill/>
-          <a:extLst>
-            <a:ext uri="{909E8E84-426E-40DD-AFC4-6F175D3DCCD1}">
-              <a14:hiddenFill xmlns:a14="http://schemas.microsoft.com/office/drawing/2010/main">
-                <a:solidFill>
-                  <a:srgbClr val="FFFFFF"/>
-                </a:solidFill>
-              </a14:hiddenFill>
-            </a:ext>
-          </a:extLst>
         </p:spPr>
       </p:pic>
-      <p:sp>
-        <p:nvSpPr>
-          <p:cNvPr id="3" name="직사각형 2">
-            <a:extLst>
-              <a:ext uri="{FF2B5EF4-FFF2-40B4-BE49-F238E27FC236}">
-                <a16:creationId xmlns:a16="http://schemas.microsoft.com/office/drawing/2014/main" id="{65157697-6D67-4F00-B7B3-094F8AFF5F14}"/>
-              </a:ext>
-            </a:extLst>
-          </p:cNvPr>
-          <p:cNvSpPr/>
-          <p:nvPr/>
-        </p:nvSpPr>
-        <p:spPr>
-          <a:xfrm>
-            <a:off x="7857259" y="684474"/>
-            <a:ext cx="4031673" cy="2092881"/>
-          </a:xfrm>
-          <a:prstGeom prst="rect">
-            <a:avLst/>
-          </a:prstGeom>
-        </p:spPr>
-        <p:txBody>
-          <a:bodyPr wrap="square">
-            <a:spAutoFit/>
-          </a:bodyPr>
-          <a:lstStyle/>
-          <a:p>
-            <a:pPr>
-              <a:buFont typeface="+mj-lt"/>
-              <a:buAutoNum type="arabicPeriod"/>
-            </a:pPr>
-            <a:r>
-              <a:rPr lang="en-US" altLang="ko-KR" sz="1000" dirty="0">
-                <a:solidFill>
-                  <a:srgbClr val="D1D5DB"/>
-                </a:solidFill>
-                <a:latin typeface="Söhne"/>
-              </a:rPr>
-              <a:t>Weights: Weights are numerical values assigned to the connections between neurons in different layers of a neural network. Each connection has an associated weight that determines the strength and significance of the signal it carries. During training, these weights are updated through a process called backpropagation, which adjusts them to minimize the difference between the predicted output and the actual output. The weights essentially define the network's ability to capture and represent patterns in the data.</a:t>
-            </a:r>
-          </a:p>
-          <a:p>
-            <a:pPr>
-              <a:buFont typeface="+mj-lt"/>
-              <a:buAutoNum type="arabicPeriod"/>
-            </a:pPr>
-            <a:r>
-              <a:rPr lang="en-US" altLang="ko-KR" sz="1000" dirty="0">
-                <a:solidFill>
-                  <a:srgbClr val="D1D5DB"/>
-                </a:solidFill>
-                <a:latin typeface="Söhne"/>
-              </a:rPr>
-              <a:t>Biases: Biases are additional learnable parameters in a neural network. They act as an offset, allowing the network to adjust the output of each neuron independently. Biases help the network to model more complex relationships in the data by introducing non-linearity. Similar to weights, biases are adjusted during training to improve the network's performance.</a:t>
-            </a:r>
-            <a:endParaRPr lang="en-US" altLang="ko-KR" sz="1000" b="0" i="0" dirty="0">
-              <a:solidFill>
-                <a:srgbClr val="D1D5DB"/>
-              </a:solidFill>
-              <a:effectLst/>
-              <a:latin typeface="Söhne"/>
-            </a:endParaRPr>
-          </a:p>
-        </p:txBody>
-      </p:sp>
     </p:spTree>
     <p:extLst>
       <p:ext uri="{BB962C8B-B14F-4D97-AF65-F5344CB8AC3E}">
-        <p14:creationId xmlns:p14="http://schemas.microsoft.com/office/powerpoint/2010/main" val="4073588520"/>
+        <p14:creationId xmlns:p14="http://schemas.microsoft.com/office/powerpoint/2010/main" val="1050730490"/>
       </p:ext>
     </p:extLst>
   </p:cSld>
@@ -6004,196 +6556,75 @@
       </p:grpSpPr>
       <p:pic>
         <p:nvPicPr>
-          <p:cNvPr id="9218" name="Picture 2">
-            <a:extLst>
-              <a:ext uri="{FF2B5EF4-FFF2-40B4-BE49-F238E27FC236}">
-                <a16:creationId xmlns:a16="http://schemas.microsoft.com/office/drawing/2014/main" id="{6C7E7C69-4230-4E95-B516-B2DB52324E7A}"/>
+          <p:cNvPr id="4" name="그림 3">
+            <a:extLst>
+              <a:ext uri="{FF2B5EF4-FFF2-40B4-BE49-F238E27FC236}">
+                <a16:creationId xmlns:a16="http://schemas.microsoft.com/office/drawing/2014/main" id="{93346AEA-67EB-4F47-9DE3-959D8316E76A}"/>
               </a:ext>
             </a:extLst>
           </p:cNvPr>
           <p:cNvPicPr>
-            <a:picLocks noChangeAspect="1" noChangeArrowheads="1"/>
+            <a:picLocks noChangeAspect="1"/>
           </p:cNvPicPr>
           <p:nvPr/>
         </p:nvPicPr>
         <p:blipFill>
-          <a:blip r:embed="rId2">
-            <a:extLst>
-              <a:ext uri="{28A0092B-C50C-407E-A947-70E740481C1C}">
-                <a14:useLocalDpi xmlns:a14="http://schemas.microsoft.com/office/drawing/2010/main" val="0"/>
-              </a:ext>
-            </a:extLst>
-          </a:blip>
-          <a:srcRect/>
+          <a:blip r:embed="rId2"/>
           <a:stretch>
             <a:fillRect/>
           </a:stretch>
         </p:blipFill>
-        <p:spPr bwMode="auto">
-          <a:xfrm>
-            <a:off x="3315715" y="4723893"/>
-            <a:ext cx="4810125" cy="2109948"/>
+        <p:spPr>
+          <a:xfrm>
+            <a:off x="2505075" y="828675"/>
+            <a:ext cx="7181850" cy="5200650"/>
           </a:xfrm>
           <a:prstGeom prst="rect">
             <a:avLst/>
           </a:prstGeom>
-          <a:noFill/>
-          <a:extLst>
-            <a:ext uri="{909E8E84-426E-40DD-AFC4-6F175D3DCCD1}">
-              <a14:hiddenFill xmlns:a14="http://schemas.microsoft.com/office/drawing/2010/main">
-                <a:solidFill>
-                  <a:srgbClr val="FFFFFF"/>
-                </a:solidFill>
-              </a14:hiddenFill>
-            </a:ext>
-          </a:extLst>
         </p:spPr>
       </p:pic>
-      <p:pic>
-        <p:nvPicPr>
-          <p:cNvPr id="9220" name="Picture 4">
-            <a:extLst>
-              <a:ext uri="{FF2B5EF4-FFF2-40B4-BE49-F238E27FC236}">
-                <a16:creationId xmlns:a16="http://schemas.microsoft.com/office/drawing/2014/main" id="{745E0047-0E3B-4BC1-AACB-0382DDD27377}"/>
-              </a:ext>
-            </a:extLst>
-          </p:cNvPr>
-          <p:cNvPicPr>
-            <a:picLocks noChangeAspect="1" noChangeArrowheads="1"/>
-          </p:cNvPicPr>
+      <p:sp>
+        <p:nvSpPr>
+          <p:cNvPr id="5" name="직사각형 4">
+            <a:extLst>
+              <a:ext uri="{FF2B5EF4-FFF2-40B4-BE49-F238E27FC236}">
+                <a16:creationId xmlns:a16="http://schemas.microsoft.com/office/drawing/2014/main" id="{ECC9DCAB-8B07-45DA-BE4B-D46E0A53F9E3}"/>
+              </a:ext>
+            </a:extLst>
+          </p:cNvPr>
+          <p:cNvSpPr/>
           <p:nvPr/>
-        </p:nvPicPr>
-        <p:blipFill>
-          <a:blip r:embed="rId3">
-            <a:extLst>
-              <a:ext uri="{28A0092B-C50C-407E-A947-70E740481C1C}">
-                <a14:useLocalDpi xmlns:a14="http://schemas.microsoft.com/office/drawing/2010/main" val="0"/>
-              </a:ext>
-            </a:extLst>
-          </a:blip>
-          <a:srcRect/>
-          <a:stretch>
-            <a:fillRect/>
-          </a:stretch>
-        </p:blipFill>
-        <p:spPr bwMode="auto">
-          <a:xfrm>
-            <a:off x="2762250" y="3078932"/>
-            <a:ext cx="6667500" cy="1972343"/>
+        </p:nvSpPr>
+        <p:spPr>
+          <a:xfrm>
+            <a:off x="8724384" y="6507652"/>
+            <a:ext cx="3467616" cy="253916"/>
           </a:xfrm>
           <a:prstGeom prst="rect">
             <a:avLst/>
           </a:prstGeom>
-          <a:noFill/>
-          <a:extLst>
-            <a:ext uri="{909E8E84-426E-40DD-AFC4-6F175D3DCCD1}">
-              <a14:hiddenFill xmlns:a14="http://schemas.microsoft.com/office/drawing/2010/main">
-                <a:solidFill>
-                  <a:srgbClr val="FFFFFF"/>
-                </a:solidFill>
-              </a14:hiddenFill>
-            </a:ext>
-          </a:extLst>
-        </p:spPr>
-      </p:pic>
-      <p:pic>
-        <p:nvPicPr>
-          <p:cNvPr id="6" name="Picture 2" descr="perception">
-            <a:extLst>
-              <a:ext uri="{FF2B5EF4-FFF2-40B4-BE49-F238E27FC236}">
-                <a16:creationId xmlns:a16="http://schemas.microsoft.com/office/drawing/2014/main" id="{09FDE72C-BF75-4A09-A344-42714F04CD6C}"/>
-              </a:ext>
-            </a:extLst>
-          </p:cNvPr>
-          <p:cNvPicPr>
-            <a:picLocks noChangeAspect="1" noChangeArrowheads="1"/>
-          </p:cNvPicPr>
-          <p:nvPr/>
-        </p:nvPicPr>
-        <p:blipFill>
-          <a:blip r:embed="rId4">
-            <a:extLst>
-              <a:ext uri="{28A0092B-C50C-407E-A947-70E740481C1C}">
-                <a14:useLocalDpi xmlns:a14="http://schemas.microsoft.com/office/drawing/2010/main" val="0"/>
-              </a:ext>
-            </a:extLst>
-          </a:blip>
-          <a:srcRect/>
-          <a:stretch>
-            <a:fillRect/>
-          </a:stretch>
-        </p:blipFill>
-        <p:spPr bwMode="auto">
-          <a:xfrm>
-            <a:off x="-117952" y="101134"/>
-            <a:ext cx="4504449" cy="2467405"/>
-          </a:xfrm>
-          <a:prstGeom prst="rect">
-            <a:avLst/>
-          </a:prstGeom>
-          <a:noFill/>
-          <a:extLst>
-            <a:ext uri="{909E8E84-426E-40DD-AFC4-6F175D3DCCD1}">
-              <a14:hiddenFill xmlns:a14="http://schemas.microsoft.com/office/drawing/2010/main">
-                <a:solidFill>
-                  <a:srgbClr val="FFFFFF"/>
-                </a:solidFill>
-              </a14:hiddenFill>
-            </a:ext>
-          </a:extLst>
-        </p:spPr>
-      </p:pic>
-      <p:pic>
-        <p:nvPicPr>
-          <p:cNvPr id="9222" name="Picture 6">
-            <a:extLst>
-              <a:ext uri="{FF2B5EF4-FFF2-40B4-BE49-F238E27FC236}">
-                <a16:creationId xmlns:a16="http://schemas.microsoft.com/office/drawing/2014/main" id="{A7CB8965-0C52-4E59-9886-369FD7B9D8DE}"/>
-              </a:ext>
-            </a:extLst>
-          </p:cNvPr>
-          <p:cNvPicPr>
-            <a:picLocks noChangeAspect="1" noChangeArrowheads="1"/>
-          </p:cNvPicPr>
-          <p:nvPr/>
-        </p:nvPicPr>
-        <p:blipFill>
-          <a:blip r:embed="rId5">
-            <a:extLst>
-              <a:ext uri="{28A0092B-C50C-407E-A947-70E740481C1C}">
-                <a14:useLocalDpi xmlns:a14="http://schemas.microsoft.com/office/drawing/2010/main" val="0"/>
-              </a:ext>
-            </a:extLst>
-          </a:blip>
-          <a:srcRect/>
-          <a:stretch>
-            <a:fillRect/>
-          </a:stretch>
-        </p:blipFill>
-        <p:spPr bwMode="auto">
-          <a:xfrm>
-            <a:off x="6634537" y="212330"/>
-            <a:ext cx="5334000" cy="2676525"/>
-          </a:xfrm>
-          <a:prstGeom prst="rect">
-            <a:avLst/>
-          </a:prstGeom>
-          <a:noFill/>
-          <a:extLst>
-            <a:ext uri="{909E8E84-426E-40DD-AFC4-6F175D3DCCD1}">
-              <a14:hiddenFill xmlns:a14="http://schemas.microsoft.com/office/drawing/2010/main">
-                <a:solidFill>
-                  <a:srgbClr val="FFFFFF"/>
-                </a:solidFill>
-              </a14:hiddenFill>
-            </a:ext>
-          </a:extLst>
-        </p:spPr>
-      </p:pic>
+        </p:spPr>
+        <p:txBody>
+          <a:bodyPr wrap="none">
+            <a:spAutoFit/>
+          </a:bodyPr>
+          <a:lstStyle/>
+          <a:p>
+            <a:r>
+              <a:rPr lang="en-US" altLang="ko-KR" sz="1050" dirty="0">
+                <a:hlinkClick r:id="rId3"/>
+              </a:rPr>
+              <a:t>art-7-ed-esp-oct-2020-3c-tecno-2.pdf (3ciencias.com)</a:t>
+            </a:r>
+            <a:endParaRPr lang="ko-KR" altLang="en-US" sz="1050" dirty="0"/>
+          </a:p>
+        </p:txBody>
+      </p:sp>
     </p:spTree>
     <p:extLst>
       <p:ext uri="{BB962C8B-B14F-4D97-AF65-F5344CB8AC3E}">
-        <p14:creationId xmlns:p14="http://schemas.microsoft.com/office/powerpoint/2010/main" val="948625956"/>
+        <p14:creationId xmlns:p14="http://schemas.microsoft.com/office/powerpoint/2010/main" val="3310880450"/>
       </p:ext>
     </p:extLst>
   </p:cSld>
@@ -6220,209 +6651,89 @@
           <a:chExt cx="0" cy="0"/>
         </a:xfrm>
       </p:grpSpPr>
-      <p:sp>
-        <p:nvSpPr>
-          <p:cNvPr id="2" name="제목 1">
-            <a:extLst>
-              <a:ext uri="{FF2B5EF4-FFF2-40B4-BE49-F238E27FC236}">
-                <a16:creationId xmlns:a16="http://schemas.microsoft.com/office/drawing/2014/main" id="{FA2E27F0-CC42-439C-9938-C80AAC1D7351}"/>
-              </a:ext>
-            </a:extLst>
-          </p:cNvPr>
-          <p:cNvSpPr>
-            <a:spLocks noGrp="1"/>
-          </p:cNvSpPr>
-          <p:nvPr>
-            <p:ph type="title"/>
-          </p:nvPr>
-        </p:nvSpPr>
-        <p:spPr/>
-        <p:txBody>
-          <a:bodyPr>
-            <a:normAutofit/>
+      <p:pic>
+        <p:nvPicPr>
+          <p:cNvPr id="2050" name="Picture 2">
+            <a:extLst>
+              <a:ext uri="{FF2B5EF4-FFF2-40B4-BE49-F238E27FC236}">
+                <a16:creationId xmlns:a16="http://schemas.microsoft.com/office/drawing/2014/main" id="{36FDDB59-BC58-4277-8C13-9A38C53DA273}"/>
+              </a:ext>
+            </a:extLst>
+          </p:cNvPr>
+          <p:cNvPicPr>
+            <a:picLocks noChangeAspect="1" noChangeArrowheads="1"/>
+          </p:cNvPicPr>
+          <p:nvPr/>
+        </p:nvPicPr>
+        <p:blipFill>
+          <a:blip r:embed="rId2">
+            <a:extLst>
+              <a:ext uri="{28A0092B-C50C-407E-A947-70E740481C1C}">
+                <a14:useLocalDpi xmlns:a14="http://schemas.microsoft.com/office/drawing/2010/main" val="0"/>
+              </a:ext>
+            </a:extLst>
+          </a:blip>
+          <a:srcRect/>
+          <a:stretch>
+            <a:fillRect/>
+          </a:stretch>
+        </p:blipFill>
+        <p:spPr bwMode="auto">
+          <a:xfrm>
+            <a:off x="2762250" y="1562100"/>
+            <a:ext cx="6667500" cy="3733800"/>
+          </a:xfrm>
+          <a:prstGeom prst="rect">
+            <a:avLst/>
+          </a:prstGeom>
+          <a:noFill/>
+          <a:extLst>
+            <a:ext uri="{909E8E84-426E-40DD-AFC4-6F175D3DCCD1}">
+              <a14:hiddenFill xmlns:a14="http://schemas.microsoft.com/office/drawing/2010/main">
+                <a:solidFill>
+                  <a:srgbClr val="FFFFFF"/>
+                </a:solidFill>
+              </a14:hiddenFill>
+            </a:ext>
+          </a:extLst>
+        </p:spPr>
+      </p:pic>
+      <p:sp>
+        <p:nvSpPr>
+          <p:cNvPr id="4" name="직사각형 3">
+            <a:extLst>
+              <a:ext uri="{FF2B5EF4-FFF2-40B4-BE49-F238E27FC236}">
+                <a16:creationId xmlns:a16="http://schemas.microsoft.com/office/drawing/2014/main" id="{004A59EF-F05D-4AC1-9EBC-1976245C64ED}"/>
+              </a:ext>
+            </a:extLst>
+          </p:cNvPr>
+          <p:cNvSpPr/>
+          <p:nvPr/>
+        </p:nvSpPr>
+        <p:spPr>
+          <a:xfrm>
+            <a:off x="3758085" y="819916"/>
+            <a:ext cx="4172489" cy="369332"/>
+          </a:xfrm>
+          <a:prstGeom prst="rect">
+            <a:avLst/>
+          </a:prstGeom>
+        </p:spPr>
+        <p:txBody>
+          <a:bodyPr wrap="none">
+            <a:spAutoFit/>
           </a:bodyPr>
           <a:lstStyle/>
           <a:p>
-            <a:r>
-              <a:rPr lang="en-US" altLang="ko-KR" dirty="0"/>
-              <a:t>Mathematical logics of neural networks:</a:t>
-            </a:r>
-            <a:br>
-              <a:rPr lang="en-US" altLang="ko-KR" dirty="0"/>
-            </a:br>
-            <a:endParaRPr lang="ko-KR" altLang="en-US" dirty="0"/>
-          </a:p>
-        </p:txBody>
-      </p:sp>
-      <p:sp>
-        <p:nvSpPr>
-          <p:cNvPr id="3" name="내용 개체 틀 2">
-            <a:extLst>
-              <a:ext uri="{FF2B5EF4-FFF2-40B4-BE49-F238E27FC236}">
-                <a16:creationId xmlns:a16="http://schemas.microsoft.com/office/drawing/2014/main" id="{D6987995-501D-4050-BCED-CAA0514D8AE1}"/>
-              </a:ext>
-            </a:extLst>
-          </p:cNvPr>
-          <p:cNvSpPr>
-            <a:spLocks noGrp="1"/>
-          </p:cNvSpPr>
-          <p:nvPr>
-            <p:ph idx="1"/>
-          </p:nvPr>
-        </p:nvSpPr>
-        <p:spPr/>
-        <p:txBody>
-          <a:bodyPr>
-            <a:normAutofit fontScale="92500" lnSpcReduction="20000"/>
-          </a:bodyPr>
-          <a:lstStyle/>
-          <a:p>
-            <a:r>
-              <a:rPr lang="ko-KR" altLang="en-US" dirty="0"/>
-              <a:t>명제 논리 </a:t>
-            </a:r>
-            <a:r>
-              <a:rPr lang="en-US" altLang="ko-KR" dirty="0"/>
-              <a:t>(Propositional Logic)</a:t>
-            </a:r>
-          </a:p>
-          <a:p>
-            <a:r>
-              <a:rPr lang="ko-KR" altLang="en-US" dirty="0"/>
-              <a:t>서술 논리 </a:t>
-            </a:r>
-            <a:r>
-              <a:rPr lang="en-US" altLang="ko-KR" dirty="0"/>
-              <a:t>(Predicate Logic)</a:t>
-            </a:r>
-          </a:p>
-          <a:p>
-            <a:r>
-              <a:rPr lang="ko-KR" altLang="en-US" dirty="0"/>
-              <a:t>퍼지 논리 </a:t>
-            </a:r>
-            <a:r>
-              <a:rPr lang="en-US" altLang="ko-KR" dirty="0"/>
-              <a:t>(Fuzzy Logic)</a:t>
-            </a:r>
-          </a:p>
-          <a:p>
-            <a:endParaRPr lang="en-US" altLang="ko-KR" dirty="0"/>
-          </a:p>
-          <a:p>
-            <a:r>
-              <a:rPr lang="ko-KR" altLang="en-US" dirty="0">
-                <a:solidFill>
-                  <a:schemeClr val="accent4">
-                    <a:lumMod val="20000"/>
-                    <a:lumOff val="80000"/>
-                  </a:schemeClr>
-                </a:solidFill>
-                <a:highlight>
-                  <a:srgbClr val="000080"/>
-                </a:highlight>
-              </a:rPr>
-              <a:t>확률 논리 </a:t>
-            </a:r>
             <a:r>
               <a:rPr lang="en-US" altLang="ko-KR" dirty="0">
                 <a:solidFill>
-                  <a:schemeClr val="accent4">
-                    <a:lumMod val="20000"/>
-                    <a:lumOff val="80000"/>
-                  </a:schemeClr>
+                  <a:srgbClr val="6B6B6B"/>
                 </a:solidFill>
-                <a:highlight>
-                  <a:srgbClr val="000080"/>
-                </a:highlight>
+                <a:latin typeface="sohne"/>
               </a:rPr>
-              <a:t>(Probabilistic Logic)</a:t>
-            </a:r>
-          </a:p>
-          <a:p>
-            <a:r>
-              <a:rPr lang="ko-KR" altLang="en-US" dirty="0">
-                <a:solidFill>
-                  <a:schemeClr val="accent4">
-                    <a:lumMod val="20000"/>
-                    <a:lumOff val="80000"/>
-                  </a:schemeClr>
-                </a:solidFill>
-                <a:highlight>
-                  <a:srgbClr val="000080"/>
-                </a:highlight>
-              </a:rPr>
-              <a:t>선형 대수 </a:t>
-            </a:r>
-            <a:r>
-              <a:rPr lang="en-US" altLang="ko-KR" dirty="0">
-                <a:solidFill>
-                  <a:schemeClr val="accent4">
-                    <a:lumMod val="20000"/>
-                    <a:lumOff val="80000"/>
-                  </a:schemeClr>
-                </a:solidFill>
-                <a:highlight>
-                  <a:srgbClr val="000080"/>
-                </a:highlight>
-              </a:rPr>
-              <a:t>(Linear Algebra)</a:t>
-            </a:r>
-          </a:p>
-          <a:p>
-            <a:r>
-              <a:rPr lang="ko-KR" altLang="en-US" dirty="0">
-                <a:solidFill>
-                  <a:schemeClr val="accent4">
-                    <a:lumMod val="20000"/>
-                    <a:lumOff val="80000"/>
-                  </a:schemeClr>
-                </a:solidFill>
-                <a:highlight>
-                  <a:srgbClr val="000080"/>
-                </a:highlight>
-              </a:rPr>
-              <a:t>미적분학 </a:t>
-            </a:r>
-            <a:r>
-              <a:rPr lang="en-US" altLang="ko-KR" dirty="0">
-                <a:solidFill>
-                  <a:schemeClr val="accent4">
-                    <a:lumMod val="20000"/>
-                    <a:lumOff val="80000"/>
-                  </a:schemeClr>
-                </a:solidFill>
-                <a:highlight>
-                  <a:srgbClr val="000080"/>
-                </a:highlight>
-              </a:rPr>
-              <a:t>(Calculus)</a:t>
-            </a:r>
-          </a:p>
-          <a:p>
-            <a:endParaRPr lang="en-US" altLang="ko-KR" dirty="0"/>
-          </a:p>
-          <a:p>
-            <a:r>
-              <a:rPr lang="ko-KR" altLang="en-US" dirty="0"/>
-              <a:t>집합론 </a:t>
-            </a:r>
-            <a:r>
-              <a:rPr lang="en-US" altLang="ko-KR" dirty="0"/>
-              <a:t>(Set Theory)</a:t>
-            </a:r>
-          </a:p>
-          <a:p>
-            <a:r>
-              <a:rPr lang="ko-KR" altLang="en-US" dirty="0"/>
-              <a:t>그래프 이론 </a:t>
-            </a:r>
-            <a:r>
-              <a:rPr lang="en-US" altLang="ko-KR" dirty="0"/>
-              <a:t>(Graph Theory)</a:t>
-            </a:r>
-          </a:p>
-          <a:p>
+              <a:t>Facebook Field Guide to Machine Learning</a:t>
+            </a:r>
             <a:endParaRPr lang="ko-KR" altLang="en-US" dirty="0"/>
           </a:p>
         </p:txBody>
@@ -6430,7 +6741,7 @@
     </p:spTree>
     <p:extLst>
       <p:ext uri="{BB962C8B-B14F-4D97-AF65-F5344CB8AC3E}">
-        <p14:creationId xmlns:p14="http://schemas.microsoft.com/office/powerpoint/2010/main" val="479645006"/>
+        <p14:creationId xmlns:p14="http://schemas.microsoft.com/office/powerpoint/2010/main" val="211796178"/>
       </p:ext>
     </p:extLst>
   </p:cSld>
